--- a/Diseño/Chile/Indices_App_26_11_10.pptx
+++ b/Diseño/Chile/Indices_App_26_11_10.pptx
@@ -15,12 +15,12 @@
     <p:sldId id="288" r:id="rId9"/>
     <p:sldId id="270" r:id="rId10"/>
     <p:sldId id="274" r:id="rId11"/>
-    <p:sldId id="275" r:id="rId12"/>
-    <p:sldId id="279" r:id="rId13"/>
-    <p:sldId id="280" r:id="rId14"/>
-    <p:sldId id="263" r:id="rId15"/>
-    <p:sldId id="281" r:id="rId16"/>
-    <p:sldId id="273" r:id="rId17"/>
+    <p:sldId id="279" r:id="rId12"/>
+    <p:sldId id="280" r:id="rId13"/>
+    <p:sldId id="263" r:id="rId14"/>
+    <p:sldId id="281" r:id="rId15"/>
+    <p:sldId id="273" r:id="rId16"/>
+    <p:sldId id="289" r:id="rId17"/>
     <p:sldId id="258" r:id="rId18"/>
     <p:sldId id="268" r:id="rId19"/>
     <p:sldId id="272" r:id="rId20"/>
@@ -4264,7 +4264,7 @@
         </p:blipFill>
         <p:spPr>
           <a:xfrm>
-            <a:off x="2523445" y="5881817"/>
+            <a:off x="2338387" y="5193808"/>
             <a:ext cx="7515225" cy="314325"/>
           </a:xfrm>
           <a:prstGeom prst="rect">
@@ -5068,10 +5068,10 @@
       </p:sp>
       <p:sp>
         <p:nvSpPr>
-          <p:cNvPr id="2" name="CuadroTexto 1">
-            <a:extLst>
-              <a:ext uri="{FF2B5EF4-FFF2-40B4-BE49-F238E27FC236}">
-                <a16:creationId xmlns:a16="http://schemas.microsoft.com/office/drawing/2014/main" id="{4B15B2F8-8175-40B1-920D-C36107E6CB58}"/>
+          <p:cNvPr id="3" name="TextBox 93">
+            <a:extLst>
+              <a:ext uri="{FF2B5EF4-FFF2-40B4-BE49-F238E27FC236}">
+                <a16:creationId xmlns:a16="http://schemas.microsoft.com/office/drawing/2014/main" id="{6B987584-770B-472A-BCF0-151083F3E053}"/>
               </a:ext>
             </a:extLst>
           </p:cNvPr>
@@ -5080,14 +5080,30 @@
         </p:nvSpPr>
         <p:spPr>
           <a:xfrm>
-            <a:off x="4276578" y="976183"/>
-            <a:ext cx="5008094" cy="646331"/>
+            <a:off x="601353" y="4051875"/>
+            <a:ext cx="748382" cy="276999"/>
           </a:xfrm>
           <a:prstGeom prst="rect">
             <a:avLst/>
           </a:prstGeom>
-          <a:noFill/>
-        </p:spPr>
+          <a:solidFill>
+            <a:srgbClr val="5097D6"/>
+          </a:solidFill>
+        </p:spPr>
+        <p:style>
+          <a:lnRef idx="1">
+            <a:schemeClr val="accent5"/>
+          </a:lnRef>
+          <a:fillRef idx="3">
+            <a:schemeClr val="accent5"/>
+          </a:fillRef>
+          <a:effectRef idx="2">
+            <a:schemeClr val="accent5"/>
+          </a:effectRef>
+          <a:fontRef idx="minor">
+            <a:schemeClr val="lt1"/>
+          </a:fontRef>
+        </p:style>
         <p:txBody>
           <a:bodyPr wrap="square" rtlCol="0">
             <a:spAutoFit/>
@@ -5095,66 +5111,18 @@
           <a:lstStyle/>
           <a:p>
             <a:r>
-              <a:rPr lang="es-CL" dirty="0"/>
-              <a:t>Normalized </a:t>
-            </a:r>
-            <a:r>
-              <a:rPr lang="es-CL" dirty="0" err="1"/>
-              <a:t>Difference</a:t>
-            </a:r>
-            <a:r>
-              <a:rPr lang="es-CL" dirty="0"/>
-              <a:t> </a:t>
-            </a:r>
-            <a:r>
-              <a:rPr lang="es-CL" dirty="0" err="1"/>
-              <a:t>Turbidity</a:t>
-            </a:r>
-            <a:r>
-              <a:rPr lang="es-CL" dirty="0"/>
-              <a:t> </a:t>
-            </a:r>
-            <a:r>
-              <a:rPr lang="es-CL" dirty="0" err="1"/>
-              <a:t>Index</a:t>
-            </a:r>
-            <a:endParaRPr lang="es-CL" dirty="0"/>
-          </a:p>
-          <a:p>
-            <a:r>
-              <a:rPr lang="es-CL" dirty="0"/>
-              <a:t>Normalized </a:t>
-            </a:r>
-            <a:r>
-              <a:rPr lang="es-CL" dirty="0" err="1"/>
-              <a:t>Difference</a:t>
-            </a:r>
-            <a:r>
-              <a:rPr lang="es-CL" dirty="0"/>
-              <a:t> </a:t>
-            </a:r>
-            <a:r>
-              <a:rPr lang="es-CL" dirty="0" err="1"/>
-              <a:t>Tillage</a:t>
-            </a:r>
-            <a:r>
-              <a:rPr lang="es-CL" dirty="0"/>
-              <a:t> </a:t>
-            </a:r>
-            <a:r>
-              <a:rPr lang="es-CL" dirty="0" err="1"/>
-              <a:t>Index</a:t>
-            </a:r>
-            <a:endParaRPr lang="en-US" dirty="0"/>
-          </a:p>
-        </p:txBody>
-      </p:sp>
-      <p:sp>
-        <p:nvSpPr>
-          <p:cNvPr id="3" name="TextBox 93">
-            <a:extLst>
-              <a:ext uri="{FF2B5EF4-FFF2-40B4-BE49-F238E27FC236}">
-                <a16:creationId xmlns:a16="http://schemas.microsoft.com/office/drawing/2014/main" id="{6B987584-770B-472A-BCF0-151083F3E053}"/>
+              <a:rPr lang="es-HN" sz="1200" dirty="0"/>
+              <a:t>SA</a:t>
+            </a:r>
+          </a:p>
+        </p:txBody>
+      </p:sp>
+      <p:sp>
+        <p:nvSpPr>
+          <p:cNvPr id="22" name="CuadroTexto 21">
+            <a:extLst>
+              <a:ext uri="{FF2B5EF4-FFF2-40B4-BE49-F238E27FC236}">
+                <a16:creationId xmlns:a16="http://schemas.microsoft.com/office/drawing/2014/main" id="{82818F49-97AD-4FF2-87F2-4E914F18FC15}"/>
               </a:ext>
             </a:extLst>
           </p:cNvPr>
@@ -5163,7 +5131,42 @@
         </p:nvSpPr>
         <p:spPr>
           <a:xfrm>
-            <a:off x="601353" y="4051875"/>
+            <a:off x="4213604" y="989224"/>
+            <a:ext cx="6096000" cy="369332"/>
+          </a:xfrm>
+          <a:prstGeom prst="rect">
+            <a:avLst/>
+          </a:prstGeom>
+          <a:noFill/>
+        </p:spPr>
+        <p:txBody>
+          <a:bodyPr wrap="square">
+            <a:spAutoFit/>
+          </a:bodyPr>
+          <a:lstStyle/>
+          <a:p>
+            <a:r>
+              <a:rPr lang="en-US" dirty="0"/>
+              <a:t>Moisture Stress Index (MSI).</a:t>
+            </a:r>
+          </a:p>
+        </p:txBody>
+      </p:sp>
+      <p:sp>
+        <p:nvSpPr>
+          <p:cNvPr id="5" name="TextBox 93">
+            <a:extLst>
+              <a:ext uri="{FF2B5EF4-FFF2-40B4-BE49-F238E27FC236}">
+                <a16:creationId xmlns:a16="http://schemas.microsoft.com/office/drawing/2014/main" id="{5A2AA8AC-3FE7-4532-840D-23855D1A6913}"/>
+              </a:ext>
+            </a:extLst>
+          </p:cNvPr>
+          <p:cNvSpPr txBox="1"/>
+          <p:nvPr/>
+        </p:nvSpPr>
+        <p:spPr>
+          <a:xfrm>
+            <a:off x="601353" y="4474900"/>
             <a:ext cx="748382" cy="276999"/>
           </a:xfrm>
           <a:prstGeom prst="rect">
@@ -5195,15 +5198,45 @@
           <a:p>
             <a:r>
               <a:rPr lang="es-HN" sz="1200" dirty="0"/>
-              <a:t>SA</a:t>
-            </a:r>
-          </a:p>
-        </p:txBody>
-      </p:sp>
+              <a:t>MSI</a:t>
+            </a:r>
+          </a:p>
+        </p:txBody>
+      </p:sp>
+      <p:pic>
+        <p:nvPicPr>
+          <p:cNvPr id="7" name="Imagen 6">
+            <a:extLst>
+              <a:ext uri="{FF2B5EF4-FFF2-40B4-BE49-F238E27FC236}">
+                <a16:creationId xmlns:a16="http://schemas.microsoft.com/office/drawing/2014/main" id="{873C2C2C-EF21-4BFF-A579-F81C362C735F}"/>
+              </a:ext>
+            </a:extLst>
+          </p:cNvPr>
+          <p:cNvPicPr>
+            <a:picLocks noChangeAspect="1"/>
+          </p:cNvPicPr>
+          <p:nvPr/>
+        </p:nvPicPr>
+        <p:blipFill>
+          <a:blip r:embed="rId2"/>
+          <a:stretch>
+            <a:fillRect/>
+          </a:stretch>
+        </p:blipFill>
+        <p:spPr>
+          <a:xfrm>
+            <a:off x="2944720" y="2191734"/>
+            <a:ext cx="6686550" cy="2676525"/>
+          </a:xfrm>
+          <a:prstGeom prst="rect">
+            <a:avLst/>
+          </a:prstGeom>
+        </p:spPr>
+      </p:pic>
     </p:spTree>
     <p:extLst>
       <p:ext uri="{BB962C8B-B14F-4D97-AF65-F5344CB8AC3E}">
-        <p14:creationId xmlns:p14="http://schemas.microsoft.com/office/powerpoint/2010/main" val="137171197"/>
+        <p14:creationId xmlns:p14="http://schemas.microsoft.com/office/powerpoint/2010/main" val="2230872088"/>
       </p:ext>
     </p:extLst>
   </p:cSld>
@@ -6017,10 +6050,10 @@
       </p:sp>
       <p:sp>
         <p:nvSpPr>
-          <p:cNvPr id="22" name="CuadroTexto 21">
-            <a:extLst>
-              <a:ext uri="{FF2B5EF4-FFF2-40B4-BE49-F238E27FC236}">
-                <a16:creationId xmlns:a16="http://schemas.microsoft.com/office/drawing/2014/main" id="{82818F49-97AD-4FF2-87F2-4E914F18FC15}"/>
+          <p:cNvPr id="5" name="TextBox 93">
+            <a:extLst>
+              <a:ext uri="{FF2B5EF4-FFF2-40B4-BE49-F238E27FC236}">
+                <a16:creationId xmlns:a16="http://schemas.microsoft.com/office/drawing/2014/main" id="{5A2AA8AC-3FE7-4532-840D-23855D1A6913}"/>
               </a:ext>
             </a:extLst>
           </p:cNvPr>
@@ -6029,7 +6062,58 @@
         </p:nvSpPr>
         <p:spPr>
           <a:xfrm>
-            <a:off x="4213604" y="989224"/>
+            <a:off x="601353" y="4474900"/>
+            <a:ext cx="748382" cy="276999"/>
+          </a:xfrm>
+          <a:prstGeom prst="rect">
+            <a:avLst/>
+          </a:prstGeom>
+          <a:solidFill>
+            <a:srgbClr val="5097D6"/>
+          </a:solidFill>
+        </p:spPr>
+        <p:style>
+          <a:lnRef idx="1">
+            <a:schemeClr val="accent5"/>
+          </a:lnRef>
+          <a:fillRef idx="3">
+            <a:schemeClr val="accent5"/>
+          </a:fillRef>
+          <a:effectRef idx="2">
+            <a:schemeClr val="accent5"/>
+          </a:effectRef>
+          <a:fontRef idx="minor">
+            <a:schemeClr val="lt1"/>
+          </a:fontRef>
+        </p:style>
+        <p:txBody>
+          <a:bodyPr wrap="square" rtlCol="0">
+            <a:spAutoFit/>
+          </a:bodyPr>
+          <a:lstStyle/>
+          <a:p>
+            <a:r>
+              <a:rPr lang="es-HN" sz="1200" dirty="0"/>
+              <a:t>MSI</a:t>
+            </a:r>
+          </a:p>
+        </p:txBody>
+      </p:sp>
+      <p:sp>
+        <p:nvSpPr>
+          <p:cNvPr id="25" name="CuadroTexto 24">
+            <a:extLst>
+              <a:ext uri="{FF2B5EF4-FFF2-40B4-BE49-F238E27FC236}">
+                <a16:creationId xmlns:a16="http://schemas.microsoft.com/office/drawing/2014/main" id="{CA21201F-25D9-4EAA-BD66-1F332E6AC663}"/>
+              </a:ext>
+            </a:extLst>
+          </p:cNvPr>
+          <p:cNvSpPr txBox="1"/>
+          <p:nvPr/>
+        </p:nvSpPr>
+        <p:spPr>
+          <a:xfrm>
+            <a:off x="3942670" y="355971"/>
             <a:ext cx="6096000" cy="369332"/>
           </a:xfrm>
           <a:prstGeom prst="rect">
@@ -6045,17 +6129,25 @@
           <a:p>
             <a:r>
               <a:rPr lang="en-US" dirty="0"/>
-              <a:t>Moisture Stress Index (MSI).</a:t>
-            </a:r>
-          </a:p>
-        </p:txBody>
-      </p:sp>
-      <p:sp>
-        <p:nvSpPr>
-          <p:cNvPr id="5" name="TextBox 93">
-            <a:extLst>
-              <a:ext uri="{FF2B5EF4-FFF2-40B4-BE49-F238E27FC236}">
-                <a16:creationId xmlns:a16="http://schemas.microsoft.com/office/drawing/2014/main" id="{5A2AA8AC-3FE7-4532-840D-23855D1A6913}"/>
+              <a:t>Normalized Difference Moisture Index (NDMI). Es </a:t>
+            </a:r>
+            <a:r>
+              <a:rPr lang="en-US" dirty="0" err="1"/>
+              <a:t>igual</a:t>
+            </a:r>
+            <a:r>
+              <a:rPr lang="en-US" dirty="0"/>
+              <a:t> al NDWI</a:t>
+            </a:r>
+          </a:p>
+        </p:txBody>
+      </p:sp>
+      <p:sp>
+        <p:nvSpPr>
+          <p:cNvPr id="4" name="TextBox 93">
+            <a:extLst>
+              <a:ext uri="{FF2B5EF4-FFF2-40B4-BE49-F238E27FC236}">
+                <a16:creationId xmlns:a16="http://schemas.microsoft.com/office/drawing/2014/main" id="{70116AD2-70AF-4632-82C9-AB13633B7542}"/>
               </a:ext>
             </a:extLst>
           </p:cNvPr>
@@ -6064,7 +6156,7 @@
         </p:nvSpPr>
         <p:spPr>
           <a:xfrm>
-            <a:off x="601353" y="4474900"/>
+            <a:off x="601353" y="4897925"/>
             <a:ext cx="748382" cy="276999"/>
           </a:xfrm>
           <a:prstGeom prst="rect">
@@ -6096,17 +6188,17 @@
           <a:p>
             <a:r>
               <a:rPr lang="es-HN" sz="1200" dirty="0"/>
-              <a:t>MSI</a:t>
+              <a:t>NDMI</a:t>
             </a:r>
           </a:p>
         </p:txBody>
       </p:sp>
       <p:pic>
         <p:nvPicPr>
-          <p:cNvPr id="7" name="Imagen 6">
-            <a:extLst>
-              <a:ext uri="{FF2B5EF4-FFF2-40B4-BE49-F238E27FC236}">
-                <a16:creationId xmlns:a16="http://schemas.microsoft.com/office/drawing/2014/main" id="{873C2C2C-EF21-4BFF-A579-F81C362C735F}"/>
+          <p:cNvPr id="8" name="Imagen 7">
+            <a:extLst>
+              <a:ext uri="{FF2B5EF4-FFF2-40B4-BE49-F238E27FC236}">
+                <a16:creationId xmlns:a16="http://schemas.microsoft.com/office/drawing/2014/main" id="{5D0F2502-F6E6-4772-BE9F-7F2F6CDC7F7E}"/>
               </a:ext>
             </a:extLst>
           </p:cNvPr>
@@ -6123,8 +6215,38 @@
         </p:blipFill>
         <p:spPr>
           <a:xfrm>
-            <a:off x="2944720" y="3562943"/>
-            <a:ext cx="6686550" cy="2676525"/>
+            <a:off x="5022560" y="704168"/>
+            <a:ext cx="6528344" cy="544029"/>
+          </a:xfrm>
+          <a:prstGeom prst="rect">
+            <a:avLst/>
+          </a:prstGeom>
+        </p:spPr>
+      </p:pic>
+      <p:pic>
+        <p:nvPicPr>
+          <p:cNvPr id="9" name="Imagen 8">
+            <a:extLst>
+              <a:ext uri="{FF2B5EF4-FFF2-40B4-BE49-F238E27FC236}">
+                <a16:creationId xmlns:a16="http://schemas.microsoft.com/office/drawing/2014/main" id="{8A0CC745-2845-4FE5-B7E7-25B629075758}"/>
+              </a:ext>
+            </a:extLst>
+          </p:cNvPr>
+          <p:cNvPicPr>
+            <a:picLocks noChangeAspect="1"/>
+          </p:cNvPicPr>
+          <p:nvPr/>
+        </p:nvPicPr>
+        <p:blipFill>
+          <a:blip r:embed="rId3"/>
+          <a:stretch>
+            <a:fillRect/>
+          </a:stretch>
+        </p:blipFill>
+        <p:spPr>
+          <a:xfrm>
+            <a:off x="3059721" y="1327778"/>
+            <a:ext cx="8858250" cy="4724400"/>
           </a:xfrm>
           <a:prstGeom prst="rect">
             <a:avLst/>
@@ -6134,7 +6256,7 @@
     </p:spTree>
     <p:extLst>
       <p:ext uri="{BB962C8B-B14F-4D97-AF65-F5344CB8AC3E}">
-        <p14:creationId xmlns:p14="http://schemas.microsoft.com/office/powerpoint/2010/main" val="2230872088"/>
+        <p14:creationId xmlns:p14="http://schemas.microsoft.com/office/powerpoint/2010/main" val="158920658"/>
       </p:ext>
     </p:extLst>
   </p:cSld>
@@ -6163,59 +6285,6 @@
       </p:grpSpPr>
       <p:sp>
         <p:nvSpPr>
-          <p:cNvPr id="6" name="Rectangle 5">
-            <a:extLst>
-              <a:ext uri="{FF2B5EF4-FFF2-40B4-BE49-F238E27FC236}">
-                <a16:creationId xmlns:a16="http://schemas.microsoft.com/office/drawing/2014/main" id="{36A6785D-C8DB-4AF3-A153-954F539B7A1E}"/>
-              </a:ext>
-            </a:extLst>
-          </p:cNvPr>
-          <p:cNvSpPr/>
-          <p:nvPr/>
-        </p:nvSpPr>
-        <p:spPr>
-          <a:xfrm>
-            <a:off x="374851" y="540637"/>
-            <a:ext cx="1753584" cy="401658"/>
-          </a:xfrm>
-          <a:prstGeom prst="rect">
-            <a:avLst/>
-          </a:prstGeom>
-          <a:solidFill>
-            <a:schemeClr val="tx2">
-              <a:lumMod val="20000"/>
-              <a:lumOff val="80000"/>
-            </a:schemeClr>
-          </a:solidFill>
-        </p:spPr>
-        <p:style>
-          <a:lnRef idx="1">
-            <a:schemeClr val="accent5"/>
-          </a:lnRef>
-          <a:fillRef idx="2">
-            <a:schemeClr val="accent5"/>
-          </a:fillRef>
-          <a:effectRef idx="1">
-            <a:schemeClr val="accent5"/>
-          </a:effectRef>
-          <a:fontRef idx="minor">
-            <a:schemeClr val="dk1"/>
-          </a:fontRef>
-        </p:style>
-        <p:txBody>
-          <a:bodyPr rtlCol="0" anchor="ctr"/>
-          <a:lstStyle/>
-          <a:p>
-            <a:r>
-              <a:rPr lang="es-419" sz="1200" b="1" dirty="0"/>
-              <a:t>Grupo de índices</a:t>
-            </a:r>
-            <a:endParaRPr lang="es-HN" sz="1200" b="1" dirty="0"/>
-          </a:p>
-        </p:txBody>
-      </p:sp>
-      <p:sp>
-        <p:nvSpPr>
           <p:cNvPr id="24" name="TextBox 23">
             <a:extLst>
               <a:ext uri="{FF2B5EF4-FFF2-40B4-BE49-F238E27FC236}">
@@ -6552,9 +6621,6 @@
           <a:prstGeom prst="rect">
             <a:avLst/>
           </a:prstGeom>
-          <a:solidFill>
-            <a:srgbClr val="5096D6"/>
-          </a:solidFill>
         </p:spPr>
         <p:style>
           <a:lnRef idx="1">
@@ -6597,7 +6663,7 @@
         </p:nvSpPr>
         <p:spPr>
           <a:xfrm>
-            <a:off x="577401" y="3639093"/>
+            <a:off x="577401" y="3612285"/>
             <a:ext cx="748382" cy="276999"/>
           </a:xfrm>
           <a:prstGeom prst="rect">
@@ -6626,7 +6692,7 @@
           <a:p>
             <a:r>
               <a:rPr lang="es-HN" sz="1200" dirty="0"/>
-              <a:t>SRWI</a:t>
+              <a:t>NDTI</a:t>
             </a:r>
           </a:p>
         </p:txBody>
@@ -6861,10 +6927,10 @@
       </p:cxnSp>
       <p:sp>
         <p:nvSpPr>
-          <p:cNvPr id="72" name="CuadroTexto 71">
-            <a:extLst>
-              <a:ext uri="{FF2B5EF4-FFF2-40B4-BE49-F238E27FC236}">
-                <a16:creationId xmlns:a16="http://schemas.microsoft.com/office/drawing/2014/main" id="{1BA7388E-9DA3-4AAF-AF0B-A64BC30618BF}"/>
+          <p:cNvPr id="2" name="CuadroTexto 1">
+            <a:extLst>
+              <a:ext uri="{FF2B5EF4-FFF2-40B4-BE49-F238E27FC236}">
+                <a16:creationId xmlns:a16="http://schemas.microsoft.com/office/drawing/2014/main" id="{64FA7FAC-AB94-428E-8654-CA499F448EE3}"/>
               </a:ext>
             </a:extLst>
           </p:cNvPr>
@@ -6873,8 +6939,75 @@
         </p:nvSpPr>
         <p:spPr>
           <a:xfrm>
-            <a:off x="3938954" y="3750784"/>
-            <a:ext cx="6099716" cy="369332"/>
+            <a:off x="4629310" y="804558"/>
+            <a:ext cx="5092504" cy="738664"/>
+          </a:xfrm>
+          <a:prstGeom prst="rect">
+            <a:avLst/>
+          </a:prstGeom>
+          <a:noFill/>
+        </p:spPr>
+        <p:txBody>
+          <a:bodyPr wrap="square" rtlCol="0">
+            <a:spAutoFit/>
+          </a:bodyPr>
+          <a:lstStyle/>
+          <a:p>
+            <a:r>
+              <a:rPr lang="es-CL" sz="1400" dirty="0"/>
+              <a:t> </a:t>
+            </a:r>
+            <a:r>
+              <a:rPr lang="es-CL" sz="1400" b="1" dirty="0"/>
+              <a:t>TVDI: Transformed </a:t>
+            </a:r>
+            <a:r>
+              <a:rPr lang="es-CL" sz="1400" b="1" dirty="0" err="1"/>
+              <a:t>difference</a:t>
+            </a:r>
+            <a:r>
+              <a:rPr lang="es-CL" sz="1400" b="1" dirty="0"/>
+              <a:t> </a:t>
+            </a:r>
+            <a:r>
+              <a:rPr lang="es-CL" sz="1400" b="1" dirty="0" err="1"/>
+              <a:t>vegetation</a:t>
+            </a:r>
+            <a:r>
+              <a:rPr lang="es-CL" sz="1400" b="1" dirty="0"/>
+              <a:t> </a:t>
+            </a:r>
+            <a:r>
+              <a:rPr lang="es-CL" sz="1400" b="1" dirty="0" err="1"/>
+              <a:t>index</a:t>
+            </a:r>
+            <a:endParaRPr lang="es-CL" sz="1400" b="1" dirty="0"/>
+          </a:p>
+          <a:p>
+            <a:r>
+              <a:rPr lang="es-CL" sz="1400" dirty="0"/>
+              <a:t>déficit hídrico, se ha desarrollado para establecer el estado de la humedad (sequedad) del sistema suelo-planta.</a:t>
+            </a:r>
+            <a:endParaRPr lang="en-US" sz="1400" dirty="0"/>
+          </a:p>
+        </p:txBody>
+      </p:sp>
+      <p:sp>
+        <p:nvSpPr>
+          <p:cNvPr id="39" name="CuadroTexto 38">
+            <a:extLst>
+              <a:ext uri="{FF2B5EF4-FFF2-40B4-BE49-F238E27FC236}">
+                <a16:creationId xmlns:a16="http://schemas.microsoft.com/office/drawing/2014/main" id="{B7F93096-F84D-494C-8316-619CB205E9AB}"/>
+              </a:ext>
+            </a:extLst>
+          </p:cNvPr>
+          <p:cNvSpPr txBox="1"/>
+          <p:nvPr/>
+        </p:nvSpPr>
+        <p:spPr>
+          <a:xfrm>
+            <a:off x="4376637" y="1817267"/>
+            <a:ext cx="6098058" cy="307777"/>
           </a:xfrm>
           <a:prstGeom prst="rect">
             <a:avLst/>
@@ -6888,215 +7021,18 @@
           <a:lstStyle/>
           <a:p>
             <a:r>
-              <a:rPr lang="es-CL" dirty="0"/>
-              <a:t> </a:t>
-            </a:r>
-            <a:endParaRPr lang="en-US" dirty="0"/>
-          </a:p>
-        </p:txBody>
-      </p:sp>
-      <p:sp>
-        <p:nvSpPr>
-          <p:cNvPr id="3" name="TextBox 93">
-            <a:extLst>
-              <a:ext uri="{FF2B5EF4-FFF2-40B4-BE49-F238E27FC236}">
-                <a16:creationId xmlns:a16="http://schemas.microsoft.com/office/drawing/2014/main" id="{6B987584-770B-472A-BCF0-151083F3E053}"/>
-              </a:ext>
-            </a:extLst>
-          </p:cNvPr>
-          <p:cNvSpPr txBox="1"/>
-          <p:nvPr/>
-        </p:nvSpPr>
-        <p:spPr>
-          <a:xfrm>
-            <a:off x="601353" y="4051875"/>
-            <a:ext cx="748382" cy="276999"/>
-          </a:xfrm>
-          <a:prstGeom prst="rect">
-            <a:avLst/>
-          </a:prstGeom>
-          <a:solidFill>
-            <a:srgbClr val="5097D6"/>
-          </a:solidFill>
-        </p:spPr>
-        <p:style>
-          <a:lnRef idx="1">
-            <a:schemeClr val="accent5"/>
-          </a:lnRef>
-          <a:fillRef idx="3">
-            <a:schemeClr val="accent5"/>
-          </a:fillRef>
-          <a:effectRef idx="2">
-            <a:schemeClr val="accent5"/>
-          </a:effectRef>
-          <a:fontRef idx="minor">
-            <a:schemeClr val="lt1"/>
-          </a:fontRef>
-        </p:style>
-        <p:txBody>
-          <a:bodyPr wrap="square" rtlCol="0">
-            <a:spAutoFit/>
-          </a:bodyPr>
-          <a:lstStyle/>
-          <a:p>
-            <a:r>
-              <a:rPr lang="es-HN" sz="1200" dirty="0"/>
-              <a:t>SA</a:t>
-            </a:r>
-          </a:p>
-        </p:txBody>
-      </p:sp>
-      <p:sp>
-        <p:nvSpPr>
-          <p:cNvPr id="5" name="TextBox 93">
-            <a:extLst>
-              <a:ext uri="{FF2B5EF4-FFF2-40B4-BE49-F238E27FC236}">
-                <a16:creationId xmlns:a16="http://schemas.microsoft.com/office/drawing/2014/main" id="{5A2AA8AC-3FE7-4532-840D-23855D1A6913}"/>
-              </a:ext>
-            </a:extLst>
-          </p:cNvPr>
-          <p:cNvSpPr txBox="1"/>
-          <p:nvPr/>
-        </p:nvSpPr>
-        <p:spPr>
-          <a:xfrm>
-            <a:off x="601353" y="4474900"/>
-            <a:ext cx="748382" cy="276999"/>
-          </a:xfrm>
-          <a:prstGeom prst="rect">
-            <a:avLst/>
-          </a:prstGeom>
-          <a:solidFill>
-            <a:srgbClr val="5097D6"/>
-          </a:solidFill>
-        </p:spPr>
-        <p:style>
-          <a:lnRef idx="1">
-            <a:schemeClr val="accent5"/>
-          </a:lnRef>
-          <a:fillRef idx="3">
-            <a:schemeClr val="accent5"/>
-          </a:fillRef>
-          <a:effectRef idx="2">
-            <a:schemeClr val="accent5"/>
-          </a:effectRef>
-          <a:fontRef idx="minor">
-            <a:schemeClr val="lt1"/>
-          </a:fontRef>
-        </p:style>
-        <p:txBody>
-          <a:bodyPr wrap="square" rtlCol="0">
-            <a:spAutoFit/>
-          </a:bodyPr>
-          <a:lstStyle/>
-          <a:p>
-            <a:r>
-              <a:rPr lang="es-HN" sz="1200" dirty="0"/>
-              <a:t>MSI</a:t>
-            </a:r>
-          </a:p>
-        </p:txBody>
-      </p:sp>
-      <p:sp>
-        <p:nvSpPr>
-          <p:cNvPr id="25" name="CuadroTexto 24">
-            <a:extLst>
-              <a:ext uri="{FF2B5EF4-FFF2-40B4-BE49-F238E27FC236}">
-                <a16:creationId xmlns:a16="http://schemas.microsoft.com/office/drawing/2014/main" id="{CA21201F-25D9-4EAA-BD66-1F332E6AC663}"/>
-              </a:ext>
-            </a:extLst>
-          </p:cNvPr>
-          <p:cNvSpPr txBox="1"/>
-          <p:nvPr/>
-        </p:nvSpPr>
-        <p:spPr>
-          <a:xfrm>
-            <a:off x="3942670" y="355971"/>
-            <a:ext cx="6096000" cy="369332"/>
-          </a:xfrm>
-          <a:prstGeom prst="rect">
-            <a:avLst/>
-          </a:prstGeom>
-          <a:noFill/>
-        </p:spPr>
-        <p:txBody>
-          <a:bodyPr wrap="square">
-            <a:spAutoFit/>
-          </a:bodyPr>
-          <a:lstStyle/>
-          <a:p>
-            <a:r>
-              <a:rPr lang="en-US" dirty="0"/>
-              <a:t>Normalized Difference Moisture Index (NDMI). Es </a:t>
-            </a:r>
-            <a:r>
-              <a:rPr lang="en-US" dirty="0" err="1"/>
-              <a:t>igual</a:t>
-            </a:r>
-            <a:r>
-              <a:rPr lang="en-US" dirty="0"/>
-              <a:t> al NDWI</a:t>
-            </a:r>
-          </a:p>
-        </p:txBody>
-      </p:sp>
-      <p:sp>
-        <p:nvSpPr>
-          <p:cNvPr id="4" name="TextBox 93">
-            <a:extLst>
-              <a:ext uri="{FF2B5EF4-FFF2-40B4-BE49-F238E27FC236}">
-                <a16:creationId xmlns:a16="http://schemas.microsoft.com/office/drawing/2014/main" id="{70116AD2-70AF-4632-82C9-AB13633B7542}"/>
-              </a:ext>
-            </a:extLst>
-          </p:cNvPr>
-          <p:cNvSpPr txBox="1"/>
-          <p:nvPr/>
-        </p:nvSpPr>
-        <p:spPr>
-          <a:xfrm>
-            <a:off x="601353" y="4897925"/>
-            <a:ext cx="748382" cy="276999"/>
-          </a:xfrm>
-          <a:prstGeom prst="rect">
-            <a:avLst/>
-          </a:prstGeom>
-          <a:solidFill>
-            <a:srgbClr val="FF0000"/>
-          </a:solidFill>
-        </p:spPr>
-        <p:style>
-          <a:lnRef idx="1">
-            <a:schemeClr val="accent5"/>
-          </a:lnRef>
-          <a:fillRef idx="3">
-            <a:schemeClr val="accent5"/>
-          </a:fillRef>
-          <a:effectRef idx="2">
-            <a:schemeClr val="accent5"/>
-          </a:effectRef>
-          <a:fontRef idx="minor">
-            <a:schemeClr val="lt1"/>
-          </a:fontRef>
-        </p:style>
-        <p:txBody>
-          <a:bodyPr wrap="square" rtlCol="0">
-            <a:spAutoFit/>
-          </a:bodyPr>
-          <a:lstStyle/>
-          <a:p>
-            <a:r>
-              <a:rPr lang="es-HN" sz="1200" dirty="0"/>
-              <a:t>NDMI</a:t>
+              <a:rPr lang="en-US" sz="1400" b="1" dirty="0"/>
+              <a:t>Temperature–Vegetation Dryness Index (TDVI).</a:t>
             </a:r>
           </a:p>
         </p:txBody>
       </p:sp>
       <p:pic>
         <p:nvPicPr>
-          <p:cNvPr id="8" name="Imagen 7">
-            <a:extLst>
-              <a:ext uri="{FF2B5EF4-FFF2-40B4-BE49-F238E27FC236}">
-                <a16:creationId xmlns:a16="http://schemas.microsoft.com/office/drawing/2014/main" id="{5D0F2502-F6E6-4772-BE9F-7F2F6CDC7F7E}"/>
+          <p:cNvPr id="11" name="Imagen 10">
+            <a:extLst>
+              <a:ext uri="{FF2B5EF4-FFF2-40B4-BE49-F238E27FC236}">
+                <a16:creationId xmlns:a16="http://schemas.microsoft.com/office/drawing/2014/main" id="{A5A2F2CB-8CBB-4E3B-B0DA-7385CE25801E}"/>
               </a:ext>
             </a:extLst>
           </p:cNvPr>
@@ -7113,48 +7049,54 @@
         </p:blipFill>
         <p:spPr>
           <a:xfrm>
-            <a:off x="5104856" y="659028"/>
-            <a:ext cx="6528344" cy="544029"/>
+            <a:off x="4460937" y="2303490"/>
+            <a:ext cx="5429250" cy="2733675"/>
           </a:xfrm>
           <a:prstGeom prst="rect">
             <a:avLst/>
           </a:prstGeom>
         </p:spPr>
       </p:pic>
-      <p:pic>
-        <p:nvPicPr>
-          <p:cNvPr id="9" name="Imagen 8">
-            <a:extLst>
-              <a:ext uri="{FF2B5EF4-FFF2-40B4-BE49-F238E27FC236}">
-                <a16:creationId xmlns:a16="http://schemas.microsoft.com/office/drawing/2014/main" id="{8A0CC745-2845-4FE5-B7E7-25B629075758}"/>
-              </a:ext>
-            </a:extLst>
-          </p:cNvPr>
-          <p:cNvPicPr>
-            <a:picLocks noChangeAspect="1"/>
-          </p:cNvPicPr>
-          <p:nvPr/>
-        </p:nvPicPr>
-        <p:blipFill>
-          <a:blip r:embed="rId3"/>
-          <a:stretch>
-            <a:fillRect/>
-          </a:stretch>
-        </p:blipFill>
-        <p:spPr>
-          <a:xfrm>
-            <a:off x="3059721" y="1327778"/>
-            <a:ext cx="8858250" cy="4724400"/>
+      <p:sp>
+        <p:nvSpPr>
+          <p:cNvPr id="12" name="CuadroTexto 11">
+            <a:extLst>
+              <a:ext uri="{FF2B5EF4-FFF2-40B4-BE49-F238E27FC236}">
+                <a16:creationId xmlns:a16="http://schemas.microsoft.com/office/drawing/2014/main" id="{F43A2444-EEE4-418E-9093-5A6D383ED5FB}"/>
+              </a:ext>
+            </a:extLst>
+          </p:cNvPr>
+          <p:cNvSpPr txBox="1"/>
+          <p:nvPr/>
+        </p:nvSpPr>
+        <p:spPr>
+          <a:xfrm>
+            <a:off x="2491591" y="3670327"/>
+            <a:ext cx="2137719" cy="1200329"/>
           </a:xfrm>
           <a:prstGeom prst="rect">
             <a:avLst/>
           </a:prstGeom>
-        </p:spPr>
-      </p:pic>
+          <a:noFill/>
+        </p:spPr>
+        <p:txBody>
+          <a:bodyPr wrap="square" rtlCol="0">
+            <a:spAutoFit/>
+          </a:bodyPr>
+          <a:lstStyle/>
+          <a:p>
+            <a:r>
+              <a:rPr lang="es-CL" dirty="0"/>
+              <a:t>Detección de cambio hídricos en el sistema agua suelo planta</a:t>
+            </a:r>
+            <a:endParaRPr lang="en-US" dirty="0"/>
+          </a:p>
+        </p:txBody>
+      </p:sp>
     </p:spTree>
     <p:extLst>
       <p:ext uri="{BB962C8B-B14F-4D97-AF65-F5344CB8AC3E}">
-        <p14:creationId xmlns:p14="http://schemas.microsoft.com/office/powerpoint/2010/main" val="158920658"/>
+        <p14:creationId xmlns:p14="http://schemas.microsoft.com/office/powerpoint/2010/main" val="3064981835"/>
       </p:ext>
     </p:extLst>
   </p:cSld>
@@ -7825,10 +7767,10 @@
       </p:cxnSp>
       <p:sp>
         <p:nvSpPr>
-          <p:cNvPr id="2" name="CuadroTexto 1">
-            <a:extLst>
-              <a:ext uri="{FF2B5EF4-FFF2-40B4-BE49-F238E27FC236}">
-                <a16:creationId xmlns:a16="http://schemas.microsoft.com/office/drawing/2014/main" id="{64FA7FAC-AB94-428E-8654-CA499F448EE3}"/>
+          <p:cNvPr id="37" name="CuadroTexto 36">
+            <a:extLst>
+              <a:ext uri="{FF2B5EF4-FFF2-40B4-BE49-F238E27FC236}">
+                <a16:creationId xmlns:a16="http://schemas.microsoft.com/office/drawing/2014/main" id="{96003B57-C435-43CF-8C6F-C2E6A991FE57}"/>
               </a:ext>
             </a:extLst>
           </p:cNvPr>
@@ -7837,83 +7779,8 @@
         </p:nvSpPr>
         <p:spPr>
           <a:xfrm>
-            <a:off x="2171860" y="774560"/>
-            <a:ext cx="5092504" cy="738664"/>
-          </a:xfrm>
-          <a:prstGeom prst="rect">
-            <a:avLst/>
-          </a:prstGeom>
-          <a:noFill/>
-        </p:spPr>
-        <p:txBody>
-          <a:bodyPr wrap="square" rtlCol="0">
-            <a:spAutoFit/>
-          </a:bodyPr>
-          <a:lstStyle/>
-          <a:p>
-            <a:r>
-              <a:rPr lang="es-CL" sz="1400" dirty="0"/>
-              <a:t> </a:t>
-            </a:r>
-            <a:r>
-              <a:rPr lang="es-CL" sz="1400" b="1" dirty="0"/>
-              <a:t>TVDI: </a:t>
-            </a:r>
-            <a:r>
-              <a:rPr lang="es-CL" sz="1400" b="1" dirty="0" err="1"/>
-              <a:t>Transformed</a:t>
-            </a:r>
-            <a:r>
-              <a:rPr lang="es-CL" sz="1400" b="1" dirty="0"/>
-              <a:t> </a:t>
-            </a:r>
-            <a:r>
-              <a:rPr lang="es-CL" sz="1400" b="1" dirty="0" err="1"/>
-              <a:t>difference</a:t>
-            </a:r>
-            <a:r>
-              <a:rPr lang="es-CL" sz="1400" b="1" dirty="0"/>
-              <a:t> </a:t>
-            </a:r>
-            <a:r>
-              <a:rPr lang="es-CL" sz="1400" b="1" dirty="0" err="1"/>
-              <a:t>vegetation</a:t>
-            </a:r>
-            <a:r>
-              <a:rPr lang="es-CL" sz="1400" b="1" dirty="0"/>
-              <a:t> </a:t>
-            </a:r>
-            <a:r>
-              <a:rPr lang="es-CL" sz="1400" b="1" dirty="0" err="1"/>
-              <a:t>index</a:t>
-            </a:r>
-            <a:endParaRPr lang="es-CL" sz="1400" b="1" dirty="0"/>
-          </a:p>
-          <a:p>
-            <a:r>
-              <a:rPr lang="es-CL" sz="1400" dirty="0"/>
-              <a:t>déficit hídrico, se ha desarrollado para establecer el estado de la humedad (sequedad) del sistema suelo-planta.</a:t>
-            </a:r>
-            <a:endParaRPr lang="en-US" sz="1400" dirty="0"/>
-          </a:p>
-        </p:txBody>
-      </p:sp>
-      <p:sp>
-        <p:nvSpPr>
-          <p:cNvPr id="39" name="CuadroTexto 38">
-            <a:extLst>
-              <a:ext uri="{FF2B5EF4-FFF2-40B4-BE49-F238E27FC236}">
-                <a16:creationId xmlns:a16="http://schemas.microsoft.com/office/drawing/2014/main" id="{B7F93096-F84D-494C-8316-619CB205E9AB}"/>
-              </a:ext>
-            </a:extLst>
-          </p:cNvPr>
-          <p:cNvSpPr txBox="1"/>
-          <p:nvPr/>
-        </p:nvSpPr>
-        <p:spPr>
-          <a:xfrm>
-            <a:off x="2147787" y="1829928"/>
-            <a:ext cx="6098058" cy="307777"/>
+            <a:off x="2277288" y="387234"/>
+            <a:ext cx="7637423" cy="1600438"/>
           </a:xfrm>
           <a:prstGeom prst="rect">
             <a:avLst/>
@@ -7927,18 +7794,69 @@
           <a:lstStyle/>
           <a:p>
             <a:r>
-              <a:rPr lang="en-US" sz="1400" b="1" dirty="0"/>
-              <a:t>Temperature–Vegetation Dryness Index (TDVI).</a:t>
-            </a:r>
+              <a:rPr lang="en-US" sz="1400" dirty="0"/>
+              <a:t> Crop Water Stress Index (CWSI). Utilidad se </a:t>
+            </a:r>
+            <a:r>
+              <a:rPr lang="en-US" sz="1400" dirty="0" err="1"/>
+              <a:t>limita</a:t>
+            </a:r>
+            <a:r>
+              <a:rPr lang="en-US" sz="1400" dirty="0"/>
+              <a:t> a </a:t>
+            </a:r>
+            <a:r>
+              <a:rPr lang="en-US" sz="1400" dirty="0" err="1"/>
+              <a:t>cultivos</a:t>
+            </a:r>
+            <a:r>
+              <a:rPr lang="en-US" sz="1400" dirty="0"/>
+              <a:t> de coverture complete (sin </a:t>
+            </a:r>
+            <a:r>
+              <a:rPr lang="en-US" sz="1400" dirty="0" err="1"/>
+              <a:t>suelo</a:t>
+            </a:r>
+            <a:r>
+              <a:rPr lang="en-US" sz="1400" dirty="0"/>
+              <a:t> </a:t>
+            </a:r>
+            <a:r>
+              <a:rPr lang="en-US" sz="1400" dirty="0" err="1"/>
+              <a:t>desnudo</a:t>
+            </a:r>
+            <a:r>
+              <a:rPr lang="en-US" sz="1400" dirty="0"/>
+              <a:t>) </a:t>
+            </a:r>
+            <a:r>
+              <a:rPr lang="es-CL" sz="1400" dirty="0"/>
+              <a:t>se sustenta en la relación entre la diferencia de temperatura de la superficie observada y la del aire (</a:t>
+            </a:r>
+            <a:r>
+              <a:rPr lang="es-CL" sz="1400" dirty="0" err="1"/>
+              <a:t>Ts</a:t>
+            </a:r>
+            <a:r>
+              <a:rPr lang="es-CL" sz="1400" dirty="0"/>
+              <a:t>-Ta), y el déficit de presión de vapor (DPV).</a:t>
+            </a:r>
+          </a:p>
+          <a:p>
+            <a:r>
+              <a:rPr lang="es-CL" sz="1400" dirty="0"/>
+              <a:t>Las funciones lineales de pendiente negativa indican el límite de no estrés hídrico (CWSI=0) mientras que la función constante y=3 determina los puntos de nula transpiración (CWSI=1). El CWSI afirma o no la necesidad de riego en un cultivo específico. El uso de este índice se ha extendido en áreas bajo riego intensivo con la finalidad de estimar la productividad y el uso eficiente de agua de riego</a:t>
+            </a:r>
+            <a:endParaRPr lang="en-US" sz="1400" dirty="0"/>
           </a:p>
         </p:txBody>
       </p:sp>
       <p:pic>
         <p:nvPicPr>
-          <p:cNvPr id="11" name="Imagen 10">
-            <a:extLst>
-              <a:ext uri="{FF2B5EF4-FFF2-40B4-BE49-F238E27FC236}">
-                <a16:creationId xmlns:a16="http://schemas.microsoft.com/office/drawing/2014/main" id="{A5A2F2CB-8CBB-4E3B-B0DA-7385CE25801E}"/>
+          <p:cNvPr id="5" name="Imagen 4">
+            <a:extLst>
+              <a:ext uri="{FF2B5EF4-FFF2-40B4-BE49-F238E27FC236}">
+                <a16:creationId xmlns:a16="http://schemas.microsoft.com/office/drawing/2014/main" id="{7024513C-C195-4F5A-A655-1BBF80E1A8C2}"/>
               </a:ext>
             </a:extLst>
           </p:cNvPr>
@@ -7947,16 +7865,80 @@
           </p:cNvPicPr>
           <p:nvPr/>
         </p:nvPicPr>
+        <p:blipFill rotWithShape="1">
+          <a:blip r:embed="rId2"/>
+          <a:srcRect r="63836"/>
+          <a:stretch/>
+        </p:blipFill>
+        <p:spPr>
+          <a:xfrm>
+            <a:off x="7670069" y="2006722"/>
+            <a:ext cx="2628234" cy="752475"/>
+          </a:xfrm>
+          <a:prstGeom prst="rect">
+            <a:avLst/>
+          </a:prstGeom>
+        </p:spPr>
+      </p:pic>
+      <p:sp>
+        <p:nvSpPr>
+          <p:cNvPr id="42" name="CuadroTexto 41">
+            <a:extLst>
+              <a:ext uri="{FF2B5EF4-FFF2-40B4-BE49-F238E27FC236}">
+                <a16:creationId xmlns:a16="http://schemas.microsoft.com/office/drawing/2014/main" id="{4F72DB18-AA3D-48A1-A9AC-9C0B45EB8B1C}"/>
+              </a:ext>
+            </a:extLst>
+          </p:cNvPr>
+          <p:cNvSpPr txBox="1"/>
+          <p:nvPr/>
+        </p:nvSpPr>
+        <p:spPr>
+          <a:xfrm>
+            <a:off x="1807698" y="3778075"/>
+            <a:ext cx="6098058" cy="307777"/>
+          </a:xfrm>
+          <a:prstGeom prst="rect">
+            <a:avLst/>
+          </a:prstGeom>
+          <a:noFill/>
+        </p:spPr>
+        <p:txBody>
+          <a:bodyPr wrap="square">
+            <a:spAutoFit/>
+          </a:bodyPr>
+          <a:lstStyle/>
+          <a:p>
+            <a:r>
+              <a:rPr lang="en-US" sz="1400" dirty="0"/>
+              <a:t>Water Deficit Index (WDI)</a:t>
+            </a:r>
+          </a:p>
+        </p:txBody>
+      </p:sp>
+      <p:pic>
+        <p:nvPicPr>
+          <p:cNvPr id="9" name="Imagen 8">
+            <a:extLst>
+              <a:ext uri="{FF2B5EF4-FFF2-40B4-BE49-F238E27FC236}">
+                <a16:creationId xmlns:a16="http://schemas.microsoft.com/office/drawing/2014/main" id="{550B20AC-8016-47A8-87DB-D112F4742A18}"/>
+              </a:ext>
+            </a:extLst>
+          </p:cNvPr>
+          <p:cNvPicPr>
+            <a:picLocks noChangeAspect="1"/>
+          </p:cNvPicPr>
+          <p:nvPr/>
+        </p:nvPicPr>
         <p:blipFill>
-          <a:blip r:embed="rId2"/>
+          <a:blip r:embed="rId3"/>
           <a:stretch>
             <a:fillRect/>
           </a:stretch>
         </p:blipFill>
         <p:spPr>
           <a:xfrm>
-            <a:off x="3034514" y="2166607"/>
-            <a:ext cx="5429250" cy="2733675"/>
+            <a:off x="4083907" y="3006550"/>
+            <a:ext cx="7172325" cy="1543050"/>
           </a:xfrm>
           <a:prstGeom prst="rect">
             <a:avLst/>
@@ -7965,10 +7947,10 @@
       </p:pic>
       <p:sp>
         <p:nvSpPr>
-          <p:cNvPr id="12" name="CuadroTexto 11">
-            <a:extLst>
-              <a:ext uri="{FF2B5EF4-FFF2-40B4-BE49-F238E27FC236}">
-                <a16:creationId xmlns:a16="http://schemas.microsoft.com/office/drawing/2014/main" id="{F43A2444-EEE4-418E-9093-5A6D383ED5FB}"/>
+          <p:cNvPr id="3" name="CuadroTexto 2">
+            <a:extLst>
+              <a:ext uri="{FF2B5EF4-FFF2-40B4-BE49-F238E27FC236}">
+                <a16:creationId xmlns:a16="http://schemas.microsoft.com/office/drawing/2014/main" id="{1D298821-E990-4FF6-9D95-F4D0953F8204}"/>
               </a:ext>
             </a:extLst>
           </p:cNvPr>
@@ -7977,8 +7959,8 @@
         </p:nvSpPr>
         <p:spPr>
           <a:xfrm>
-            <a:off x="626148" y="4681488"/>
-            <a:ext cx="2137719" cy="1200329"/>
+            <a:off x="581046" y="4640809"/>
+            <a:ext cx="2137719" cy="1754326"/>
           </a:xfrm>
           <a:prstGeom prst="rect">
             <a:avLst/>
@@ -7993,7 +7975,7 @@
           <a:p>
             <a:r>
               <a:rPr lang="es-CL" dirty="0"/>
-              <a:t>Detección de cambio hídricos en el sistema agua suelo planta</a:t>
+              <a:t>Detección de cambio hídricos en el sistema agua suelo planta. CWSI solo en cultivos de total cobertura</a:t>
             </a:r>
             <a:endParaRPr lang="en-US" dirty="0"/>
           </a:p>
@@ -8002,7 +7984,7 @@
     </p:spTree>
     <p:extLst>
       <p:ext uri="{BB962C8B-B14F-4D97-AF65-F5344CB8AC3E}">
-        <p14:creationId xmlns:p14="http://schemas.microsoft.com/office/powerpoint/2010/main" val="3064981835"/>
+        <p14:creationId xmlns:p14="http://schemas.microsoft.com/office/powerpoint/2010/main" val="1378610220"/>
       </p:ext>
     </p:extLst>
   </p:cSld>
@@ -8031,10 +8013,35 @@
       </p:grpSpPr>
       <p:sp>
         <p:nvSpPr>
-          <p:cNvPr id="24" name="TextBox 23">
-            <a:extLst>
-              <a:ext uri="{FF2B5EF4-FFF2-40B4-BE49-F238E27FC236}">
-                <a16:creationId xmlns:a16="http://schemas.microsoft.com/office/drawing/2014/main" id="{B1191DD4-6C94-4758-8D0D-9D3F0CD907A8}"/>
+          <p:cNvPr id="2" name="Título 1">
+            <a:extLst>
+              <a:ext uri="{FF2B5EF4-FFF2-40B4-BE49-F238E27FC236}">
+                <a16:creationId xmlns:a16="http://schemas.microsoft.com/office/drawing/2014/main" id="{F22589AF-FFA7-4C78-BEFD-449EBE4BAF00}"/>
+              </a:ext>
+            </a:extLst>
+          </p:cNvPr>
+          <p:cNvSpPr>
+            <a:spLocks noGrp="1"/>
+          </p:cNvSpPr>
+          <p:nvPr>
+            <p:ph type="title"/>
+          </p:nvPr>
+        </p:nvSpPr>
+        <p:spPr/>
+        <p:txBody>
+          <a:bodyPr/>
+          <a:lstStyle/>
+          <a:p>
+            <a:endParaRPr lang="en-US"/>
+          </a:p>
+        </p:txBody>
+      </p:sp>
+      <p:sp>
+        <p:nvSpPr>
+          <p:cNvPr id="4" name="TextBox 30">
+            <a:extLst>
+              <a:ext uri="{FF2B5EF4-FFF2-40B4-BE49-F238E27FC236}">
+                <a16:creationId xmlns:a16="http://schemas.microsoft.com/office/drawing/2014/main" id="{E747DA7C-C7A5-4CE3-9B50-2D16E3DFFAE9}"/>
               </a:ext>
             </a:extLst>
           </p:cNvPr>
@@ -8043,7 +8050,7 @@
         </p:nvSpPr>
         <p:spPr>
           <a:xfrm>
-            <a:off x="355500" y="1173890"/>
+            <a:off x="1284311" y="2580660"/>
             <a:ext cx="1792287" cy="307777"/>
           </a:xfrm>
           <a:prstGeom prst="rect">
@@ -8072,7 +8079,7 @@
           <a:p>
             <a:r>
               <a:rPr lang="es-419" sz="1400" dirty="0"/>
-              <a:t>Índices de Humedad</a:t>
+              <a:t>Índices de Suelo</a:t>
             </a:r>
             <a:endParaRPr lang="es-HN" sz="1400" dirty="0"/>
           </a:p>
@@ -8080,23 +8087,251 @@
       </p:sp>
       <p:cxnSp>
         <p:nvCxnSpPr>
-          <p:cNvPr id="26" name="Straight Connector 25">
-            <a:extLst>
-              <a:ext uri="{FF2B5EF4-FFF2-40B4-BE49-F238E27FC236}">
-                <a16:creationId xmlns:a16="http://schemas.microsoft.com/office/drawing/2014/main" id="{A4F91B65-1919-405A-BE37-0C590E18715F}"/>
+          <p:cNvPr id="5" name="Connector: Elbow 32">
+            <a:extLst>
+              <a:ext uri="{FF2B5EF4-FFF2-40B4-BE49-F238E27FC236}">
+                <a16:creationId xmlns:a16="http://schemas.microsoft.com/office/drawing/2014/main" id="{B445A26D-C7C5-471A-80BF-B933923CBB04}"/>
               </a:ext>
             </a:extLst>
           </p:cNvPr>
           <p:cNvCxnSpPr>
             <a:cxnSpLocks/>
-            <a:endCxn id="24" idx="0"/>
+            <a:endCxn id="4" idx="0"/>
           </p:cNvCxnSpPr>
           <p:nvPr/>
         </p:nvCxnSpPr>
         <p:spPr>
-          <a:xfrm flipH="1">
-            <a:off x="1251644" y="976183"/>
-            <a:ext cx="0" cy="197707"/>
+          <a:xfrm>
+            <a:off x="254898" y="2382954"/>
+            <a:ext cx="1925557" cy="197706"/>
+          </a:xfrm>
+          <a:prstGeom prst="bentConnector2">
+            <a:avLst/>
+          </a:prstGeom>
+        </p:spPr>
+        <p:style>
+          <a:lnRef idx="1">
+            <a:schemeClr val="accent1"/>
+          </a:lnRef>
+          <a:fillRef idx="0">
+            <a:schemeClr val="accent1"/>
+          </a:fillRef>
+          <a:effectRef idx="0">
+            <a:schemeClr val="accent1"/>
+          </a:effectRef>
+          <a:fontRef idx="minor">
+            <a:schemeClr val="tx1"/>
+          </a:fontRef>
+        </p:style>
+      </p:cxnSp>
+      <p:sp>
+        <p:nvSpPr>
+          <p:cNvPr id="6" name="TextBox 102">
+            <a:extLst>
+              <a:ext uri="{FF2B5EF4-FFF2-40B4-BE49-F238E27FC236}">
+                <a16:creationId xmlns:a16="http://schemas.microsoft.com/office/drawing/2014/main" id="{D323D151-2C85-4CE8-8DF0-C81B9ACED7A1}"/>
+              </a:ext>
+            </a:extLst>
+          </p:cNvPr>
+          <p:cNvSpPr txBox="1"/>
+          <p:nvPr/>
+        </p:nvSpPr>
+        <p:spPr>
+          <a:xfrm>
+            <a:off x="1550378" y="3210855"/>
+            <a:ext cx="748382" cy="276999"/>
+          </a:xfrm>
+          <a:prstGeom prst="rect">
+            <a:avLst/>
+          </a:prstGeom>
+        </p:spPr>
+        <p:style>
+          <a:lnRef idx="1">
+            <a:schemeClr val="accent5"/>
+          </a:lnRef>
+          <a:fillRef idx="3">
+            <a:schemeClr val="accent5"/>
+          </a:fillRef>
+          <a:effectRef idx="2">
+            <a:schemeClr val="accent5"/>
+          </a:effectRef>
+          <a:fontRef idx="minor">
+            <a:schemeClr val="lt1"/>
+          </a:fontRef>
+        </p:style>
+        <p:txBody>
+          <a:bodyPr wrap="square" rtlCol="0">
+            <a:spAutoFit/>
+          </a:bodyPr>
+          <a:lstStyle/>
+          <a:p>
+            <a:r>
+              <a:rPr lang="es-HN" sz="1200" dirty="0"/>
+              <a:t>RI</a:t>
+            </a:r>
+          </a:p>
+        </p:txBody>
+      </p:sp>
+      <p:sp>
+        <p:nvSpPr>
+          <p:cNvPr id="7" name="TextBox 104">
+            <a:extLst>
+              <a:ext uri="{FF2B5EF4-FFF2-40B4-BE49-F238E27FC236}">
+                <a16:creationId xmlns:a16="http://schemas.microsoft.com/office/drawing/2014/main" id="{2FE68DC2-553A-454C-854E-9E26D8243ABD}"/>
+              </a:ext>
+            </a:extLst>
+          </p:cNvPr>
+          <p:cNvSpPr txBox="1"/>
+          <p:nvPr/>
+        </p:nvSpPr>
+        <p:spPr>
+          <a:xfrm>
+            <a:off x="1550378" y="3573378"/>
+            <a:ext cx="748382" cy="276999"/>
+          </a:xfrm>
+          <a:prstGeom prst="rect">
+            <a:avLst/>
+          </a:prstGeom>
+        </p:spPr>
+        <p:style>
+          <a:lnRef idx="1">
+            <a:schemeClr val="accent5"/>
+          </a:lnRef>
+          <a:fillRef idx="3">
+            <a:schemeClr val="accent5"/>
+          </a:fillRef>
+          <a:effectRef idx="2">
+            <a:schemeClr val="accent5"/>
+          </a:effectRef>
+          <a:fontRef idx="minor">
+            <a:schemeClr val="lt1"/>
+          </a:fontRef>
+        </p:style>
+        <p:txBody>
+          <a:bodyPr wrap="square" rtlCol="0">
+            <a:spAutoFit/>
+          </a:bodyPr>
+          <a:lstStyle/>
+          <a:p>
+            <a:r>
+              <a:rPr lang="es-HN" sz="1200" dirty="0"/>
+              <a:t>CI</a:t>
+            </a:r>
+          </a:p>
+        </p:txBody>
+      </p:sp>
+      <p:sp>
+        <p:nvSpPr>
+          <p:cNvPr id="8" name="TextBox 106">
+            <a:extLst>
+              <a:ext uri="{FF2B5EF4-FFF2-40B4-BE49-F238E27FC236}">
+                <a16:creationId xmlns:a16="http://schemas.microsoft.com/office/drawing/2014/main" id="{79461CC5-F200-4CF6-8E27-AD4E185B9155}"/>
+              </a:ext>
+            </a:extLst>
+          </p:cNvPr>
+          <p:cNvSpPr txBox="1"/>
+          <p:nvPr/>
+        </p:nvSpPr>
+        <p:spPr>
+          <a:xfrm>
+            <a:off x="1550378" y="3935898"/>
+            <a:ext cx="748382" cy="276999"/>
+          </a:xfrm>
+          <a:prstGeom prst="rect">
+            <a:avLst/>
+          </a:prstGeom>
+        </p:spPr>
+        <p:style>
+          <a:lnRef idx="1">
+            <a:schemeClr val="accent5"/>
+          </a:lnRef>
+          <a:fillRef idx="3">
+            <a:schemeClr val="accent5"/>
+          </a:fillRef>
+          <a:effectRef idx="2">
+            <a:schemeClr val="accent5"/>
+          </a:effectRef>
+          <a:fontRef idx="minor">
+            <a:schemeClr val="lt1"/>
+          </a:fontRef>
+        </p:style>
+        <p:txBody>
+          <a:bodyPr wrap="square" rtlCol="0">
+            <a:spAutoFit/>
+          </a:bodyPr>
+          <a:lstStyle/>
+          <a:p>
+            <a:r>
+              <a:rPr lang="es-HN" sz="1200" dirty="0"/>
+              <a:t>BI</a:t>
+            </a:r>
+          </a:p>
+        </p:txBody>
+      </p:sp>
+      <p:sp>
+        <p:nvSpPr>
+          <p:cNvPr id="9" name="TextBox 108">
+            <a:extLst>
+              <a:ext uri="{FF2B5EF4-FFF2-40B4-BE49-F238E27FC236}">
+                <a16:creationId xmlns:a16="http://schemas.microsoft.com/office/drawing/2014/main" id="{D2140FA4-E7A0-4184-B68E-5945216B2B4F}"/>
+              </a:ext>
+            </a:extLst>
+          </p:cNvPr>
+          <p:cNvSpPr txBox="1"/>
+          <p:nvPr/>
+        </p:nvSpPr>
+        <p:spPr>
+          <a:xfrm>
+            <a:off x="1550378" y="4298418"/>
+            <a:ext cx="748382" cy="276999"/>
+          </a:xfrm>
+          <a:prstGeom prst="rect">
+            <a:avLst/>
+          </a:prstGeom>
+        </p:spPr>
+        <p:style>
+          <a:lnRef idx="1">
+            <a:schemeClr val="accent5"/>
+          </a:lnRef>
+          <a:fillRef idx="3">
+            <a:schemeClr val="accent5"/>
+          </a:fillRef>
+          <a:effectRef idx="2">
+            <a:schemeClr val="accent5"/>
+          </a:effectRef>
+          <a:fontRef idx="minor">
+            <a:schemeClr val="lt1"/>
+          </a:fontRef>
+        </p:style>
+        <p:txBody>
+          <a:bodyPr wrap="square" rtlCol="0">
+            <a:spAutoFit/>
+          </a:bodyPr>
+          <a:lstStyle/>
+          <a:p>
+            <a:r>
+              <a:rPr lang="es-HN" sz="1200" dirty="0"/>
+              <a:t>BI2</a:t>
+            </a:r>
+          </a:p>
+        </p:txBody>
+      </p:sp>
+      <p:cxnSp>
+        <p:nvCxnSpPr>
+          <p:cNvPr id="10" name="Straight Connector 110">
+            <a:extLst>
+              <a:ext uri="{FF2B5EF4-FFF2-40B4-BE49-F238E27FC236}">
+                <a16:creationId xmlns:a16="http://schemas.microsoft.com/office/drawing/2014/main" id="{103478A9-6A67-4591-A82B-FAD6AF6A3C03}"/>
+              </a:ext>
+            </a:extLst>
+          </p:cNvPr>
+          <p:cNvCxnSpPr/>
+          <p:nvPr/>
+        </p:nvCxnSpPr>
+        <p:spPr>
+          <a:xfrm>
+            <a:off x="1284311" y="2888437"/>
+            <a:ext cx="0" cy="1561265"/>
           </a:xfrm>
           <a:prstGeom prst="line">
             <a:avLst/>
@@ -8119,10 +8354,10 @@
       </p:cxnSp>
       <p:cxnSp>
         <p:nvCxnSpPr>
-          <p:cNvPr id="82" name="Straight Connector 81">
-            <a:extLst>
-              <a:ext uri="{FF2B5EF4-FFF2-40B4-BE49-F238E27FC236}">
-                <a16:creationId xmlns:a16="http://schemas.microsoft.com/office/drawing/2014/main" id="{B6A4D69B-7157-4B7C-A558-D51B981A91AE}"/>
+          <p:cNvPr id="11" name="Straight Connector 111">
+            <a:extLst>
+              <a:ext uri="{FF2B5EF4-FFF2-40B4-BE49-F238E27FC236}">
+                <a16:creationId xmlns:a16="http://schemas.microsoft.com/office/drawing/2014/main" id="{0D29915B-3700-48BA-86C6-E984D45D1418}"/>
               </a:ext>
             </a:extLst>
           </p:cNvPr>
@@ -8132,9 +8367,9 @@
           <p:nvPr/>
         </p:nvCxnSpPr>
         <p:spPr>
-          <a:xfrm>
-            <a:off x="355500" y="1481666"/>
-            <a:ext cx="0" cy="2269118"/>
+          <a:xfrm flipH="1" flipV="1">
+            <a:off x="1318056" y="3326603"/>
+            <a:ext cx="147761" cy="1"/>
           </a:xfrm>
           <a:prstGeom prst="line">
             <a:avLst/>
@@ -8155,12 +8390,126 @@
           </a:fontRef>
         </p:style>
       </p:cxnSp>
-      <p:sp>
-        <p:nvSpPr>
-          <p:cNvPr id="84" name="TextBox 83">
-            <a:extLst>
-              <a:ext uri="{FF2B5EF4-FFF2-40B4-BE49-F238E27FC236}">
-                <a16:creationId xmlns:a16="http://schemas.microsoft.com/office/drawing/2014/main" id="{BFFCDECA-C04B-4C1A-B418-915EF11ECC93}"/>
+      <p:cxnSp>
+        <p:nvCxnSpPr>
+          <p:cNvPr id="12" name="Straight Connector 112">
+            <a:extLst>
+              <a:ext uri="{FF2B5EF4-FFF2-40B4-BE49-F238E27FC236}">
+                <a16:creationId xmlns:a16="http://schemas.microsoft.com/office/drawing/2014/main" id="{D5680C68-E9EA-4EE8-AC28-4893B5090A92}"/>
+              </a:ext>
+            </a:extLst>
+          </p:cNvPr>
+          <p:cNvCxnSpPr>
+            <a:cxnSpLocks/>
+          </p:cNvCxnSpPr>
+          <p:nvPr/>
+        </p:nvCxnSpPr>
+        <p:spPr>
+          <a:xfrm flipH="1" flipV="1">
+            <a:off x="1318055" y="3685237"/>
+            <a:ext cx="147761" cy="1"/>
+          </a:xfrm>
+          <a:prstGeom prst="line">
+            <a:avLst/>
+          </a:prstGeom>
+        </p:spPr>
+        <p:style>
+          <a:lnRef idx="1">
+            <a:schemeClr val="accent1"/>
+          </a:lnRef>
+          <a:fillRef idx="0">
+            <a:schemeClr val="accent1"/>
+          </a:fillRef>
+          <a:effectRef idx="0">
+            <a:schemeClr val="accent1"/>
+          </a:effectRef>
+          <a:fontRef idx="minor">
+            <a:schemeClr val="tx1"/>
+          </a:fontRef>
+        </p:style>
+      </p:cxnSp>
+      <p:cxnSp>
+        <p:nvCxnSpPr>
+          <p:cNvPr id="13" name="Straight Connector 113">
+            <a:extLst>
+              <a:ext uri="{FF2B5EF4-FFF2-40B4-BE49-F238E27FC236}">
+                <a16:creationId xmlns:a16="http://schemas.microsoft.com/office/drawing/2014/main" id="{FC970E14-EC61-4F7B-98C4-1BD51D1F91A6}"/>
+              </a:ext>
+            </a:extLst>
+          </p:cNvPr>
+          <p:cNvCxnSpPr>
+            <a:cxnSpLocks/>
+          </p:cNvCxnSpPr>
+          <p:nvPr/>
+        </p:nvCxnSpPr>
+        <p:spPr>
+          <a:xfrm flipH="1" flipV="1">
+            <a:off x="1318054" y="4051646"/>
+            <a:ext cx="147761" cy="1"/>
+          </a:xfrm>
+          <a:prstGeom prst="line">
+            <a:avLst/>
+          </a:prstGeom>
+        </p:spPr>
+        <p:style>
+          <a:lnRef idx="1">
+            <a:schemeClr val="accent1"/>
+          </a:lnRef>
+          <a:fillRef idx="0">
+            <a:schemeClr val="accent1"/>
+          </a:fillRef>
+          <a:effectRef idx="0">
+            <a:schemeClr val="accent1"/>
+          </a:effectRef>
+          <a:fontRef idx="minor">
+            <a:schemeClr val="tx1"/>
+          </a:fontRef>
+        </p:style>
+      </p:cxnSp>
+      <p:cxnSp>
+        <p:nvCxnSpPr>
+          <p:cNvPr id="14" name="Straight Connector 114">
+            <a:extLst>
+              <a:ext uri="{FF2B5EF4-FFF2-40B4-BE49-F238E27FC236}">
+                <a16:creationId xmlns:a16="http://schemas.microsoft.com/office/drawing/2014/main" id="{1F093EE8-7BD5-45CD-873A-016CC8CFABE1}"/>
+              </a:ext>
+            </a:extLst>
+          </p:cNvPr>
+          <p:cNvCxnSpPr>
+            <a:cxnSpLocks/>
+          </p:cNvCxnSpPr>
+          <p:nvPr/>
+        </p:nvCxnSpPr>
+        <p:spPr>
+          <a:xfrm flipH="1" flipV="1">
+            <a:off x="1318053" y="4426950"/>
+            <a:ext cx="147761" cy="1"/>
+          </a:xfrm>
+          <a:prstGeom prst="line">
+            <a:avLst/>
+          </a:prstGeom>
+        </p:spPr>
+        <p:style>
+          <a:lnRef idx="1">
+            <a:schemeClr val="accent1"/>
+          </a:lnRef>
+          <a:fillRef idx="0">
+            <a:schemeClr val="accent1"/>
+          </a:fillRef>
+          <a:effectRef idx="0">
+            <a:schemeClr val="accent1"/>
+          </a:effectRef>
+          <a:fontRef idx="minor">
+            <a:schemeClr val="tx1"/>
+          </a:fontRef>
+        </p:style>
+      </p:cxnSp>
+      <p:sp>
+        <p:nvSpPr>
+          <p:cNvPr id="15" name="CuadroTexto 14">
+            <a:extLst>
+              <a:ext uri="{FF2B5EF4-FFF2-40B4-BE49-F238E27FC236}">
+                <a16:creationId xmlns:a16="http://schemas.microsoft.com/office/drawing/2014/main" id="{AD224357-94EB-4B3C-9421-5F6DABC0FCF3}"/>
               </a:ext>
             </a:extLst>
           </p:cNvPr>
@@ -8169,27 +8518,14 @@
         </p:nvSpPr>
         <p:spPr>
           <a:xfrm>
-            <a:off x="577401" y="1804084"/>
-            <a:ext cx="748382" cy="276999"/>
+            <a:off x="3882687" y="2968283"/>
+            <a:ext cx="2672857" cy="1200329"/>
           </a:xfrm>
           <a:prstGeom prst="rect">
             <a:avLst/>
           </a:prstGeom>
-        </p:spPr>
-        <p:style>
-          <a:lnRef idx="1">
-            <a:schemeClr val="accent5"/>
-          </a:lnRef>
-          <a:fillRef idx="3">
-            <a:schemeClr val="accent5"/>
-          </a:fillRef>
-          <a:effectRef idx="2">
-            <a:schemeClr val="accent5"/>
-          </a:effectRef>
-          <a:fontRef idx="minor">
-            <a:schemeClr val="lt1"/>
-          </a:fontRef>
-        </p:style>
+          <a:noFill/>
+        </p:spPr>
         <p:txBody>
           <a:bodyPr wrap="square" rtlCol="0">
             <a:spAutoFit/>
@@ -8197,701 +8533,69 @@
           <a:lstStyle/>
           <a:p>
             <a:r>
-              <a:rPr lang="es-HN" sz="1200" dirty="0"/>
-              <a:t>NDWI</a:t>
-            </a:r>
-          </a:p>
-        </p:txBody>
-      </p:sp>
-      <p:sp>
-        <p:nvSpPr>
-          <p:cNvPr id="86" name="TextBox 85">
-            <a:extLst>
-              <a:ext uri="{FF2B5EF4-FFF2-40B4-BE49-F238E27FC236}">
-                <a16:creationId xmlns:a16="http://schemas.microsoft.com/office/drawing/2014/main" id="{EC45C577-9CBE-4143-9587-02057055E0FE}"/>
-              </a:ext>
-            </a:extLst>
-          </p:cNvPr>
-          <p:cNvSpPr txBox="1"/>
-          <p:nvPr/>
-        </p:nvSpPr>
-        <p:spPr>
-          <a:xfrm>
-            <a:off x="577401" y="2166607"/>
-            <a:ext cx="748382" cy="276999"/>
-          </a:xfrm>
-          <a:prstGeom prst="rect">
-            <a:avLst/>
-          </a:prstGeom>
-        </p:spPr>
-        <p:style>
-          <a:lnRef idx="1">
-            <a:schemeClr val="accent5"/>
-          </a:lnRef>
-          <a:fillRef idx="3">
-            <a:schemeClr val="accent5"/>
-          </a:fillRef>
-          <a:effectRef idx="2">
-            <a:schemeClr val="accent5"/>
-          </a:effectRef>
-          <a:fontRef idx="minor">
-            <a:schemeClr val="lt1"/>
-          </a:fontRef>
-        </p:style>
-        <p:txBody>
-          <a:bodyPr wrap="square" rtlCol="0">
-            <a:spAutoFit/>
-          </a:bodyPr>
-          <a:lstStyle/>
-          <a:p>
-            <a:r>
-              <a:rPr lang="es-HN" sz="1200" dirty="0"/>
-              <a:t>NDWI2</a:t>
-            </a:r>
-          </a:p>
-        </p:txBody>
-      </p:sp>
-      <p:sp>
-        <p:nvSpPr>
-          <p:cNvPr id="88" name="TextBox 87">
-            <a:extLst>
-              <a:ext uri="{FF2B5EF4-FFF2-40B4-BE49-F238E27FC236}">
-                <a16:creationId xmlns:a16="http://schemas.microsoft.com/office/drawing/2014/main" id="{F81121C0-F22E-4A37-B1AF-9CADFD72C1F3}"/>
-              </a:ext>
-            </a:extLst>
-          </p:cNvPr>
-          <p:cNvSpPr txBox="1"/>
-          <p:nvPr/>
-        </p:nvSpPr>
-        <p:spPr>
-          <a:xfrm>
-            <a:off x="577401" y="2529127"/>
-            <a:ext cx="748382" cy="276999"/>
-          </a:xfrm>
-          <a:prstGeom prst="rect">
-            <a:avLst/>
-          </a:prstGeom>
-        </p:spPr>
-        <p:style>
-          <a:lnRef idx="1">
-            <a:schemeClr val="accent5"/>
-          </a:lnRef>
-          <a:fillRef idx="3">
-            <a:schemeClr val="accent5"/>
-          </a:fillRef>
-          <a:effectRef idx="2">
-            <a:schemeClr val="accent5"/>
-          </a:effectRef>
-          <a:fontRef idx="minor">
-            <a:schemeClr val="lt1"/>
-          </a:fontRef>
-        </p:style>
-        <p:txBody>
-          <a:bodyPr wrap="square" rtlCol="0">
-            <a:spAutoFit/>
-          </a:bodyPr>
-          <a:lstStyle/>
-          <a:p>
-            <a:r>
-              <a:rPr lang="es-HN" sz="1200" dirty="0"/>
-              <a:t>MNDWI</a:t>
-            </a:r>
-          </a:p>
-        </p:txBody>
-      </p:sp>
-      <p:sp>
-        <p:nvSpPr>
-          <p:cNvPr id="90" name="TextBox 89">
-            <a:extLst>
-              <a:ext uri="{FF2B5EF4-FFF2-40B4-BE49-F238E27FC236}">
-                <a16:creationId xmlns:a16="http://schemas.microsoft.com/office/drawing/2014/main" id="{40E8B9E7-59F2-4168-B1F1-D34AD46A617F}"/>
-              </a:ext>
-            </a:extLst>
-          </p:cNvPr>
-          <p:cNvSpPr txBox="1"/>
-          <p:nvPr/>
-        </p:nvSpPr>
-        <p:spPr>
-          <a:xfrm>
-            <a:off x="577401" y="2891647"/>
-            <a:ext cx="748382" cy="276999"/>
-          </a:xfrm>
-          <a:prstGeom prst="rect">
-            <a:avLst/>
-          </a:prstGeom>
-        </p:spPr>
-        <p:style>
-          <a:lnRef idx="1">
-            <a:schemeClr val="accent5"/>
-          </a:lnRef>
-          <a:fillRef idx="3">
-            <a:schemeClr val="accent5"/>
-          </a:fillRef>
-          <a:effectRef idx="2">
-            <a:schemeClr val="accent5"/>
-          </a:effectRef>
-          <a:fontRef idx="minor">
-            <a:schemeClr val="lt1"/>
-          </a:fontRef>
-        </p:style>
-        <p:txBody>
-          <a:bodyPr wrap="square" rtlCol="0">
-            <a:spAutoFit/>
-          </a:bodyPr>
-          <a:lstStyle/>
-          <a:p>
-            <a:r>
-              <a:rPr lang="es-HN" sz="1200" dirty="0"/>
-              <a:t>NDPI</a:t>
-            </a:r>
-          </a:p>
-        </p:txBody>
-      </p:sp>
-      <p:sp>
-        <p:nvSpPr>
-          <p:cNvPr id="92" name="TextBox 91">
-            <a:extLst>
-              <a:ext uri="{FF2B5EF4-FFF2-40B4-BE49-F238E27FC236}">
-                <a16:creationId xmlns:a16="http://schemas.microsoft.com/office/drawing/2014/main" id="{EB9BF13C-6787-4BB3-B311-EA3ECC91FAE8}"/>
-              </a:ext>
-            </a:extLst>
-          </p:cNvPr>
-          <p:cNvSpPr txBox="1"/>
-          <p:nvPr/>
-        </p:nvSpPr>
-        <p:spPr>
-          <a:xfrm>
-            <a:off x="577401" y="3252998"/>
-            <a:ext cx="748382" cy="276999"/>
-          </a:xfrm>
-          <a:prstGeom prst="rect">
-            <a:avLst/>
-          </a:prstGeom>
-        </p:spPr>
-        <p:style>
-          <a:lnRef idx="1">
-            <a:schemeClr val="accent5"/>
-          </a:lnRef>
-          <a:fillRef idx="3">
-            <a:schemeClr val="accent5"/>
-          </a:fillRef>
-          <a:effectRef idx="2">
-            <a:schemeClr val="accent5"/>
-          </a:effectRef>
-          <a:fontRef idx="minor">
-            <a:schemeClr val="lt1"/>
-          </a:fontRef>
-        </p:style>
-        <p:txBody>
-          <a:bodyPr wrap="square" rtlCol="0">
-            <a:spAutoFit/>
-          </a:bodyPr>
-          <a:lstStyle/>
-          <a:p>
-            <a:r>
-              <a:rPr lang="es-HN" sz="1200" dirty="0"/>
-              <a:t>NDTI</a:t>
-            </a:r>
-          </a:p>
-        </p:txBody>
-      </p:sp>
-      <p:sp>
-        <p:nvSpPr>
-          <p:cNvPr id="94" name="TextBox 93">
-            <a:extLst>
-              <a:ext uri="{FF2B5EF4-FFF2-40B4-BE49-F238E27FC236}">
-                <a16:creationId xmlns:a16="http://schemas.microsoft.com/office/drawing/2014/main" id="{7863D3F8-E646-4C5B-A659-9507F3BE18CC}"/>
-              </a:ext>
-            </a:extLst>
-          </p:cNvPr>
-          <p:cNvSpPr txBox="1"/>
-          <p:nvPr/>
-        </p:nvSpPr>
-        <p:spPr>
-          <a:xfrm>
-            <a:off x="577401" y="3612285"/>
-            <a:ext cx="748382" cy="276999"/>
-          </a:xfrm>
-          <a:prstGeom prst="rect">
-            <a:avLst/>
-          </a:prstGeom>
-        </p:spPr>
-        <p:style>
-          <a:lnRef idx="1">
-            <a:schemeClr val="accent5"/>
-          </a:lnRef>
-          <a:fillRef idx="3">
-            <a:schemeClr val="accent5"/>
-          </a:fillRef>
-          <a:effectRef idx="2">
-            <a:schemeClr val="accent5"/>
-          </a:effectRef>
-          <a:fontRef idx="minor">
-            <a:schemeClr val="lt1"/>
-          </a:fontRef>
-        </p:style>
-        <p:txBody>
-          <a:bodyPr wrap="square" rtlCol="0">
-            <a:spAutoFit/>
-          </a:bodyPr>
-          <a:lstStyle/>
-          <a:p>
-            <a:r>
-              <a:rPr lang="es-HN" sz="1200" dirty="0"/>
-              <a:t>NDTI</a:t>
-            </a:r>
-          </a:p>
-        </p:txBody>
-      </p:sp>
-      <p:cxnSp>
-        <p:nvCxnSpPr>
-          <p:cNvPr id="96" name="Straight Connector 95">
-            <a:extLst>
-              <a:ext uri="{FF2B5EF4-FFF2-40B4-BE49-F238E27FC236}">
-                <a16:creationId xmlns:a16="http://schemas.microsoft.com/office/drawing/2014/main" id="{87C7AF6E-D836-4CD7-8EEF-B3F4D0898FA7}"/>
-              </a:ext>
-            </a:extLst>
-          </p:cNvPr>
-          <p:cNvCxnSpPr>
-            <a:cxnSpLocks/>
-          </p:cNvCxnSpPr>
-          <p:nvPr/>
-        </p:nvCxnSpPr>
-        <p:spPr>
-          <a:xfrm flipH="1" flipV="1">
-            <a:off x="331427" y="1944856"/>
-            <a:ext cx="147761" cy="1"/>
-          </a:xfrm>
-          <a:prstGeom prst="line">
-            <a:avLst/>
-          </a:prstGeom>
-        </p:spPr>
-        <p:style>
-          <a:lnRef idx="1">
-            <a:schemeClr val="accent1"/>
-          </a:lnRef>
-          <a:fillRef idx="0">
-            <a:schemeClr val="accent1"/>
-          </a:fillRef>
-          <a:effectRef idx="0">
-            <a:schemeClr val="accent1"/>
-          </a:effectRef>
-          <a:fontRef idx="minor">
-            <a:schemeClr val="tx1"/>
-          </a:fontRef>
-        </p:style>
-      </p:cxnSp>
-      <p:cxnSp>
-        <p:nvCxnSpPr>
-          <p:cNvPr id="97" name="Straight Connector 96">
-            <a:extLst>
-              <a:ext uri="{FF2B5EF4-FFF2-40B4-BE49-F238E27FC236}">
-                <a16:creationId xmlns:a16="http://schemas.microsoft.com/office/drawing/2014/main" id="{DE064451-9279-4021-872E-FB0C83EBA992}"/>
-              </a:ext>
-            </a:extLst>
-          </p:cNvPr>
-          <p:cNvCxnSpPr>
-            <a:cxnSpLocks/>
-          </p:cNvCxnSpPr>
-          <p:nvPr/>
-        </p:nvCxnSpPr>
-        <p:spPr>
-          <a:xfrm flipH="1" flipV="1">
-            <a:off x="331426" y="2303490"/>
-            <a:ext cx="147761" cy="1"/>
-          </a:xfrm>
-          <a:prstGeom prst="line">
-            <a:avLst/>
-          </a:prstGeom>
-        </p:spPr>
-        <p:style>
-          <a:lnRef idx="1">
-            <a:schemeClr val="accent1"/>
-          </a:lnRef>
-          <a:fillRef idx="0">
-            <a:schemeClr val="accent1"/>
-          </a:fillRef>
-          <a:effectRef idx="0">
-            <a:schemeClr val="accent1"/>
-          </a:effectRef>
-          <a:fontRef idx="minor">
-            <a:schemeClr val="tx1"/>
-          </a:fontRef>
-        </p:style>
-      </p:cxnSp>
-      <p:cxnSp>
-        <p:nvCxnSpPr>
-          <p:cNvPr id="98" name="Straight Connector 97">
-            <a:extLst>
-              <a:ext uri="{FF2B5EF4-FFF2-40B4-BE49-F238E27FC236}">
-                <a16:creationId xmlns:a16="http://schemas.microsoft.com/office/drawing/2014/main" id="{CB350C15-108D-4456-B4B9-EDF9A355A328}"/>
-              </a:ext>
-            </a:extLst>
-          </p:cNvPr>
-          <p:cNvCxnSpPr>
-            <a:cxnSpLocks/>
-          </p:cNvCxnSpPr>
-          <p:nvPr/>
-        </p:nvCxnSpPr>
-        <p:spPr>
-          <a:xfrm flipH="1" flipV="1">
-            <a:off x="331425" y="2669899"/>
-            <a:ext cx="147761" cy="1"/>
-          </a:xfrm>
-          <a:prstGeom prst="line">
-            <a:avLst/>
-          </a:prstGeom>
-        </p:spPr>
-        <p:style>
-          <a:lnRef idx="1">
-            <a:schemeClr val="accent1"/>
-          </a:lnRef>
-          <a:fillRef idx="0">
-            <a:schemeClr val="accent1"/>
-          </a:fillRef>
-          <a:effectRef idx="0">
-            <a:schemeClr val="accent1"/>
-          </a:effectRef>
-          <a:fontRef idx="minor">
-            <a:schemeClr val="tx1"/>
-          </a:fontRef>
-        </p:style>
-      </p:cxnSp>
-      <p:cxnSp>
-        <p:nvCxnSpPr>
-          <p:cNvPr id="99" name="Straight Connector 98">
-            <a:extLst>
-              <a:ext uri="{FF2B5EF4-FFF2-40B4-BE49-F238E27FC236}">
-                <a16:creationId xmlns:a16="http://schemas.microsoft.com/office/drawing/2014/main" id="{950180C0-8AA2-4987-A111-36630305C04E}"/>
-              </a:ext>
-            </a:extLst>
-          </p:cNvPr>
-          <p:cNvCxnSpPr>
-            <a:cxnSpLocks/>
-          </p:cNvCxnSpPr>
-          <p:nvPr/>
-        </p:nvCxnSpPr>
-        <p:spPr>
-          <a:xfrm flipH="1" flipV="1">
-            <a:off x="331424" y="3045203"/>
-            <a:ext cx="147761" cy="1"/>
-          </a:xfrm>
-          <a:prstGeom prst="line">
-            <a:avLst/>
-          </a:prstGeom>
-        </p:spPr>
-        <p:style>
-          <a:lnRef idx="1">
-            <a:schemeClr val="accent1"/>
-          </a:lnRef>
-          <a:fillRef idx="0">
-            <a:schemeClr val="accent1"/>
-          </a:fillRef>
-          <a:effectRef idx="0">
-            <a:schemeClr val="accent1"/>
-          </a:effectRef>
-          <a:fontRef idx="minor">
-            <a:schemeClr val="tx1"/>
-          </a:fontRef>
-        </p:style>
-      </p:cxnSp>
-      <p:cxnSp>
-        <p:nvCxnSpPr>
-          <p:cNvPr id="100" name="Straight Connector 99">
-            <a:extLst>
-              <a:ext uri="{FF2B5EF4-FFF2-40B4-BE49-F238E27FC236}">
-                <a16:creationId xmlns:a16="http://schemas.microsoft.com/office/drawing/2014/main" id="{A5A76FC1-16B7-4C99-BF2F-23A1A88823A8}"/>
-              </a:ext>
-            </a:extLst>
-          </p:cNvPr>
-          <p:cNvCxnSpPr>
-            <a:cxnSpLocks/>
-          </p:cNvCxnSpPr>
-          <p:nvPr/>
-        </p:nvCxnSpPr>
-        <p:spPr>
-          <a:xfrm flipH="1" flipV="1">
-            <a:off x="331423" y="3393770"/>
-            <a:ext cx="147761" cy="1"/>
-          </a:xfrm>
-          <a:prstGeom prst="line">
-            <a:avLst/>
-          </a:prstGeom>
-        </p:spPr>
-        <p:style>
-          <a:lnRef idx="1">
-            <a:schemeClr val="accent1"/>
-          </a:lnRef>
-          <a:fillRef idx="0">
-            <a:schemeClr val="accent1"/>
-          </a:fillRef>
-          <a:effectRef idx="0">
-            <a:schemeClr val="accent1"/>
-          </a:effectRef>
-          <a:fontRef idx="minor">
-            <a:schemeClr val="tx1"/>
-          </a:fontRef>
-        </p:style>
-      </p:cxnSp>
-      <p:cxnSp>
-        <p:nvCxnSpPr>
-          <p:cNvPr id="101" name="Straight Connector 100">
-            <a:extLst>
-              <a:ext uri="{FF2B5EF4-FFF2-40B4-BE49-F238E27FC236}">
-                <a16:creationId xmlns:a16="http://schemas.microsoft.com/office/drawing/2014/main" id="{82365663-F05D-4CC0-A0E9-058285C05BF8}"/>
-              </a:ext>
-            </a:extLst>
-          </p:cNvPr>
-          <p:cNvCxnSpPr>
-            <a:cxnSpLocks/>
-          </p:cNvCxnSpPr>
-          <p:nvPr/>
-        </p:nvCxnSpPr>
-        <p:spPr>
-          <a:xfrm flipH="1" flipV="1">
-            <a:off x="331423" y="3753057"/>
-            <a:ext cx="147761" cy="1"/>
-          </a:xfrm>
-          <a:prstGeom prst="line">
-            <a:avLst/>
-          </a:prstGeom>
-        </p:spPr>
-        <p:style>
-          <a:lnRef idx="1">
-            <a:schemeClr val="accent1"/>
-          </a:lnRef>
-          <a:fillRef idx="0">
-            <a:schemeClr val="accent1"/>
-          </a:fillRef>
-          <a:effectRef idx="0">
-            <a:schemeClr val="accent1"/>
-          </a:effectRef>
-          <a:fontRef idx="minor">
-            <a:schemeClr val="tx1"/>
-          </a:fontRef>
-        </p:style>
-      </p:cxnSp>
-      <p:sp>
-        <p:nvSpPr>
-          <p:cNvPr id="37" name="CuadroTexto 36">
-            <a:extLst>
-              <a:ext uri="{FF2B5EF4-FFF2-40B4-BE49-F238E27FC236}">
-                <a16:creationId xmlns:a16="http://schemas.microsoft.com/office/drawing/2014/main" id="{96003B57-C435-43CF-8C6F-C2E6A991FE57}"/>
-              </a:ext>
-            </a:extLst>
-          </p:cNvPr>
-          <p:cNvSpPr txBox="1"/>
-          <p:nvPr/>
-        </p:nvSpPr>
-        <p:spPr>
-          <a:xfrm>
-            <a:off x="2277288" y="387234"/>
-            <a:ext cx="7637423" cy="1600438"/>
-          </a:xfrm>
-          <a:prstGeom prst="rect">
-            <a:avLst/>
-          </a:prstGeom>
-          <a:noFill/>
-        </p:spPr>
-        <p:txBody>
-          <a:bodyPr wrap="square">
-            <a:spAutoFit/>
-          </a:bodyPr>
-          <a:lstStyle/>
-          <a:p>
-            <a:r>
-              <a:rPr lang="en-US" sz="1400" dirty="0"/>
-              <a:t> Crop Water Stress Index (CWSI). </a:t>
-            </a:r>
-            <a:r>
-              <a:rPr lang="en-US" sz="1400" dirty="0" err="1"/>
-              <a:t>Utilidad</a:t>
-            </a:r>
-            <a:r>
-              <a:rPr lang="en-US" sz="1400" dirty="0"/>
-              <a:t> se </a:t>
-            </a:r>
-            <a:r>
-              <a:rPr lang="en-US" sz="1400" dirty="0" err="1"/>
-              <a:t>limita</a:t>
-            </a:r>
-            <a:r>
-              <a:rPr lang="en-US" sz="1400" dirty="0"/>
-              <a:t> a </a:t>
-            </a:r>
-            <a:r>
-              <a:rPr lang="en-US" sz="1400" dirty="0" err="1"/>
-              <a:t>cultivos</a:t>
-            </a:r>
-            <a:r>
-              <a:rPr lang="en-US" sz="1400" dirty="0"/>
-              <a:t> de coverture complete (sin </a:t>
-            </a:r>
-            <a:r>
-              <a:rPr lang="en-US" sz="1400" dirty="0" err="1"/>
-              <a:t>suelo</a:t>
-            </a:r>
-            <a:r>
-              <a:rPr lang="en-US" sz="1400" dirty="0"/>
+              <a:rPr lang="es-CL" dirty="0"/>
+              <a:t>IR: </a:t>
+            </a:r>
+            <a:r>
+              <a:rPr lang="es-CL" dirty="0" err="1"/>
+              <a:t>redness</a:t>
+            </a:r>
+            <a:r>
+              <a:rPr lang="es-CL" dirty="0"/>
               <a:t> </a:t>
             </a:r>
             <a:r>
-              <a:rPr lang="en-US" sz="1400" dirty="0" err="1"/>
-              <a:t>desnudo</a:t>
-            </a:r>
-            <a:r>
-              <a:rPr lang="en-US" sz="1400" dirty="0"/>
-              <a:t>) </a:t>
-            </a:r>
-          </a:p>
-          <a:p>
-            <a:r>
-              <a:rPr lang="es-CL" sz="1400" dirty="0"/>
-              <a:t>se sustenta en la relación entre la diferencia de temperatura de la superficie observada y la del aire (</a:t>
-            </a:r>
-            <a:r>
-              <a:rPr lang="es-CL" sz="1400" dirty="0" err="1"/>
-              <a:t>Ts</a:t>
-            </a:r>
-            <a:r>
-              <a:rPr lang="es-CL" sz="1400" dirty="0"/>
-              <a:t>-Ta), y el déficit de presión de vapor (DPV).</a:t>
-            </a:r>
-          </a:p>
-          <a:p>
-            <a:r>
-              <a:rPr lang="es-CL" sz="1400" dirty="0"/>
-              <a:t>Las funciones lineales de pendiente negativa indican el límite de no estrés hídrico (CWSI=0) mientras que la función constante y=3 determina los puntos de nula transpiración (CWSI=1). El CWSI afirma o no la necesidad de riego en un cultivo específico. El uso de este índice se ha extendido en áreas bajo riego intensivo con la finalidad de estimar la productividad y el uso eficiente de agua de riego</a:t>
-            </a:r>
-            <a:endParaRPr lang="en-US" sz="1400" dirty="0"/>
-          </a:p>
-        </p:txBody>
-      </p:sp>
-      <p:pic>
-        <p:nvPicPr>
-          <p:cNvPr id="5" name="Imagen 4">
-            <a:extLst>
-              <a:ext uri="{FF2B5EF4-FFF2-40B4-BE49-F238E27FC236}">
-                <a16:creationId xmlns:a16="http://schemas.microsoft.com/office/drawing/2014/main" id="{7024513C-C195-4F5A-A655-1BBF80E1A8C2}"/>
-              </a:ext>
-            </a:extLst>
-          </p:cNvPr>
-          <p:cNvPicPr>
-            <a:picLocks noChangeAspect="1"/>
-          </p:cNvPicPr>
-          <p:nvPr/>
-        </p:nvPicPr>
-        <p:blipFill rotWithShape="1">
-          <a:blip r:embed="rId2"/>
-          <a:srcRect r="63836"/>
-          <a:stretch/>
-        </p:blipFill>
-        <p:spPr>
-          <a:xfrm>
-            <a:off x="8146106" y="1987672"/>
-            <a:ext cx="2628234" cy="752475"/>
-          </a:xfrm>
-          <a:prstGeom prst="rect">
-            <a:avLst/>
-          </a:prstGeom>
-        </p:spPr>
-      </p:pic>
-      <p:sp>
-        <p:nvSpPr>
-          <p:cNvPr id="42" name="CuadroTexto 41">
-            <a:extLst>
-              <a:ext uri="{FF2B5EF4-FFF2-40B4-BE49-F238E27FC236}">
-                <a16:creationId xmlns:a16="http://schemas.microsoft.com/office/drawing/2014/main" id="{4F72DB18-AA3D-48A1-A9AC-9C0B45EB8B1C}"/>
-              </a:ext>
-            </a:extLst>
-          </p:cNvPr>
-          <p:cNvSpPr txBox="1"/>
-          <p:nvPr/>
-        </p:nvSpPr>
-        <p:spPr>
-          <a:xfrm>
-            <a:off x="1807698" y="3778075"/>
-            <a:ext cx="6098058" cy="307777"/>
-          </a:xfrm>
-          <a:prstGeom prst="rect">
-            <a:avLst/>
-          </a:prstGeom>
-          <a:noFill/>
-        </p:spPr>
-        <p:txBody>
-          <a:bodyPr wrap="square">
-            <a:spAutoFit/>
-          </a:bodyPr>
-          <a:lstStyle/>
-          <a:p>
-            <a:r>
-              <a:rPr lang="en-US" sz="1400" dirty="0"/>
-              <a:t>Water Deficit Index (WDI)</a:t>
-            </a:r>
-          </a:p>
-        </p:txBody>
-      </p:sp>
-      <p:pic>
-        <p:nvPicPr>
-          <p:cNvPr id="9" name="Imagen 8">
-            <a:extLst>
-              <a:ext uri="{FF2B5EF4-FFF2-40B4-BE49-F238E27FC236}">
-                <a16:creationId xmlns:a16="http://schemas.microsoft.com/office/drawing/2014/main" id="{550B20AC-8016-47A8-87DB-D112F4742A18}"/>
-              </a:ext>
-            </a:extLst>
-          </p:cNvPr>
-          <p:cNvPicPr>
-            <a:picLocks noChangeAspect="1"/>
-          </p:cNvPicPr>
-          <p:nvPr/>
-        </p:nvPicPr>
-        <p:blipFill>
-          <a:blip r:embed="rId3"/>
-          <a:stretch>
-            <a:fillRect/>
-          </a:stretch>
-        </p:blipFill>
-        <p:spPr>
-          <a:xfrm>
-            <a:off x="4083907" y="3006550"/>
-            <a:ext cx="7172325" cy="1543050"/>
-          </a:xfrm>
-          <a:prstGeom prst="rect">
-            <a:avLst/>
-          </a:prstGeom>
-        </p:spPr>
-      </p:pic>
-      <p:sp>
-        <p:nvSpPr>
-          <p:cNvPr id="3" name="CuadroTexto 2">
-            <a:extLst>
-              <a:ext uri="{FF2B5EF4-FFF2-40B4-BE49-F238E27FC236}">
-                <a16:creationId xmlns:a16="http://schemas.microsoft.com/office/drawing/2014/main" id="{1D298821-E990-4FF6-9D95-F4D0953F8204}"/>
-              </a:ext>
-            </a:extLst>
-          </p:cNvPr>
-          <p:cNvSpPr txBox="1"/>
-          <p:nvPr/>
-        </p:nvSpPr>
-        <p:spPr>
-          <a:xfrm>
-            <a:off x="581046" y="4640809"/>
-            <a:ext cx="2137719" cy="1754326"/>
-          </a:xfrm>
-          <a:prstGeom prst="rect">
-            <a:avLst/>
-          </a:prstGeom>
-          <a:noFill/>
-        </p:spPr>
-        <p:txBody>
-          <a:bodyPr wrap="square" rtlCol="0">
-            <a:spAutoFit/>
-          </a:bodyPr>
-          <a:lstStyle/>
+              <a:rPr lang="es-CL" dirty="0" err="1"/>
+              <a:t>Index</a:t>
+            </a:r>
+            <a:endParaRPr lang="es-CL" dirty="0"/>
+          </a:p>
           <a:p>
             <a:r>
               <a:rPr lang="es-CL" dirty="0"/>
-              <a:t>Detección de cambio hídricos en el sistema agua suelo planta. CWSI solo en cultivos de total cobertura</a:t>
+              <a:t>IC: Color </a:t>
+            </a:r>
+            <a:r>
+              <a:rPr lang="es-CL" dirty="0" err="1"/>
+              <a:t>Index</a:t>
+            </a:r>
+            <a:endParaRPr lang="es-CL" dirty="0"/>
+          </a:p>
+          <a:p>
+            <a:r>
+              <a:rPr lang="es-CL" dirty="0"/>
+              <a:t>IB </a:t>
+            </a:r>
+            <a:r>
+              <a:rPr lang="es-CL" dirty="0" err="1"/>
+              <a:t>Brilliance</a:t>
+            </a:r>
+            <a:r>
+              <a:rPr lang="es-CL" dirty="0"/>
+              <a:t> </a:t>
+            </a:r>
+            <a:r>
+              <a:rPr lang="es-CL" dirty="0" err="1"/>
+              <a:t>Indext</a:t>
+            </a:r>
+            <a:endParaRPr lang="es-CL" dirty="0"/>
+          </a:p>
+          <a:p>
+            <a:r>
+              <a:rPr lang="es-CL" dirty="0"/>
+              <a:t>IB2 </a:t>
+            </a:r>
+            <a:r>
+              <a:rPr lang="es-CL" dirty="0" err="1"/>
+              <a:t>Brilliance</a:t>
+            </a:r>
+            <a:r>
+              <a:rPr lang="es-CL" dirty="0"/>
+              <a:t> </a:t>
+            </a:r>
+            <a:r>
+              <a:rPr lang="es-CL" dirty="0" err="1"/>
+              <a:t>index</a:t>
             </a:r>
             <a:endParaRPr lang="en-US" dirty="0"/>
           </a:p>
@@ -8900,7 +8604,7 @@
     </p:spTree>
     <p:extLst>
       <p:ext uri="{BB962C8B-B14F-4D97-AF65-F5344CB8AC3E}">
-        <p14:creationId xmlns:p14="http://schemas.microsoft.com/office/powerpoint/2010/main" val="1378610220"/>
+        <p14:creationId xmlns:p14="http://schemas.microsoft.com/office/powerpoint/2010/main" val="2157013405"/>
       </p:ext>
     </p:extLst>
   </p:cSld>
@@ -8932,7 +8636,7 @@
           <p:cNvPr id="2" name="Título 1">
             <a:extLst>
               <a:ext uri="{FF2B5EF4-FFF2-40B4-BE49-F238E27FC236}">
-                <a16:creationId xmlns:a16="http://schemas.microsoft.com/office/drawing/2014/main" id="{F22589AF-FFA7-4C78-BEFD-449EBE4BAF00}"/>
+                <a16:creationId xmlns:a16="http://schemas.microsoft.com/office/drawing/2014/main" id="{21BFFF92-75EE-4773-A14D-E6C598545C38}"/>
               </a:ext>
             </a:extLst>
           </p:cNvPr>
@@ -8948,16 +8652,56 @@
           <a:bodyPr/>
           <a:lstStyle/>
           <a:p>
-            <a:endParaRPr lang="en-US"/>
-          </a:p>
-        </p:txBody>
-      </p:sp>
-      <p:sp>
-        <p:nvSpPr>
-          <p:cNvPr id="4" name="TextBox 30">
-            <a:extLst>
-              <a:ext uri="{FF2B5EF4-FFF2-40B4-BE49-F238E27FC236}">
-                <a16:creationId xmlns:a16="http://schemas.microsoft.com/office/drawing/2014/main" id="{E747DA7C-C7A5-4CE3-9B50-2D16E3DFFAE9}"/>
+            <a:endParaRPr lang="es-CL"/>
+          </a:p>
+        </p:txBody>
+      </p:sp>
+      <p:sp>
+        <p:nvSpPr>
+          <p:cNvPr id="3" name="Marcador de contenido 2">
+            <a:extLst>
+              <a:ext uri="{FF2B5EF4-FFF2-40B4-BE49-F238E27FC236}">
+                <a16:creationId xmlns:a16="http://schemas.microsoft.com/office/drawing/2014/main" id="{A4791E4E-FCFE-4F58-BEFD-D60BBEDFF99D}"/>
+              </a:ext>
+            </a:extLst>
+          </p:cNvPr>
+          <p:cNvSpPr>
+            <a:spLocks noGrp="1"/>
+          </p:cNvSpPr>
+          <p:nvPr>
+            <p:ph idx="1"/>
+          </p:nvPr>
+        </p:nvSpPr>
+        <p:spPr>
+          <a:xfrm>
+            <a:off x="6838950" y="1825625"/>
+            <a:ext cx="4514850" cy="4351338"/>
+          </a:xfrm>
+        </p:spPr>
+        <p:txBody>
+          <a:bodyPr/>
+          <a:lstStyle/>
+          <a:p>
+            <a:r>
+              <a:rPr lang="es-ES" b="0" i="0" dirty="0">
+                <a:solidFill>
+                  <a:srgbClr val="3A3A3A"/>
+                </a:solidFill>
+                <a:effectLst/>
+                <a:latin typeface="Roboto"/>
+              </a:rPr>
+              <a:t>Índice de Vegetación de la Diferencia Normalizada Verde (GNDVI) </a:t>
+            </a:r>
+            <a:endParaRPr lang="es-CL" dirty="0"/>
+          </a:p>
+        </p:txBody>
+      </p:sp>
+      <p:sp>
+        <p:nvSpPr>
+          <p:cNvPr id="4" name="TextBox 12">
+            <a:extLst>
+              <a:ext uri="{FF2B5EF4-FFF2-40B4-BE49-F238E27FC236}">
+                <a16:creationId xmlns:a16="http://schemas.microsoft.com/office/drawing/2014/main" id="{203B0990-7DA6-4E10-AE7D-980D61122406}"/>
               </a:ext>
             </a:extLst>
           </p:cNvPr>
@@ -8966,8 +8710,8 @@
         </p:nvSpPr>
         <p:spPr>
           <a:xfrm>
-            <a:off x="1284311" y="2580660"/>
-            <a:ext cx="1792287" cy="307777"/>
+            <a:off x="1032569" y="992917"/>
+            <a:ext cx="1376098" cy="523220"/>
           </a:xfrm>
           <a:prstGeom prst="rect">
             <a:avLst/>
@@ -8995,7 +8739,7 @@
           <a:p>
             <a:r>
               <a:rPr lang="es-419" sz="1400" dirty="0"/>
-              <a:t>Índices de Suelo</a:t>
+              <a:t>Índices de Vegetación</a:t>
             </a:r>
             <a:endParaRPr lang="es-HN" sz="1400" dirty="0"/>
           </a:p>
@@ -9003,25 +8747,24 @@
       </p:sp>
       <p:cxnSp>
         <p:nvCxnSpPr>
-          <p:cNvPr id="5" name="Connector: Elbow 32">
-            <a:extLst>
-              <a:ext uri="{FF2B5EF4-FFF2-40B4-BE49-F238E27FC236}">
-                <a16:creationId xmlns:a16="http://schemas.microsoft.com/office/drawing/2014/main" id="{B445A26D-C7C5-471A-80BF-B933923CBB04}"/>
+          <p:cNvPr id="5" name="Straight Connector 35">
+            <a:extLst>
+              <a:ext uri="{FF2B5EF4-FFF2-40B4-BE49-F238E27FC236}">
+                <a16:creationId xmlns:a16="http://schemas.microsoft.com/office/drawing/2014/main" id="{DC03CC9D-AFB0-4D3D-882F-A014948BF513}"/>
               </a:ext>
             </a:extLst>
           </p:cNvPr>
           <p:cNvCxnSpPr>
             <a:cxnSpLocks/>
-            <a:endCxn id="4" idx="0"/>
           </p:cNvCxnSpPr>
           <p:nvPr/>
         </p:nvCxnSpPr>
         <p:spPr>
           <a:xfrm>
-            <a:off x="254898" y="2382954"/>
-            <a:ext cx="1925557" cy="197706"/>
-          </a:xfrm>
-          <a:prstGeom prst="bentConnector2">
+            <a:off x="1032568" y="1300692"/>
+            <a:ext cx="0" cy="4820446"/>
+          </a:xfrm>
+          <a:prstGeom prst="line">
             <a:avLst/>
           </a:prstGeom>
         </p:spPr>
@@ -9042,10 +8785,10 @@
       </p:cxnSp>
       <p:sp>
         <p:nvSpPr>
-          <p:cNvPr id="6" name="TextBox 102">
-            <a:extLst>
-              <a:ext uri="{FF2B5EF4-FFF2-40B4-BE49-F238E27FC236}">
-                <a16:creationId xmlns:a16="http://schemas.microsoft.com/office/drawing/2014/main" id="{D323D151-2C85-4CE8-8DF0-C81B9ACED7A1}"/>
+          <p:cNvPr id="6" name="TextBox 37">
+            <a:extLst>
+              <a:ext uri="{FF2B5EF4-FFF2-40B4-BE49-F238E27FC236}">
+                <a16:creationId xmlns:a16="http://schemas.microsoft.com/office/drawing/2014/main" id="{FC52C540-50A5-42FF-B7AB-4756327B4033}"/>
               </a:ext>
             </a:extLst>
           </p:cNvPr>
@@ -9054,7 +8797,7 @@
         </p:nvSpPr>
         <p:spPr>
           <a:xfrm>
-            <a:off x="1550378" y="3210855"/>
+            <a:off x="1180329" y="1623111"/>
             <a:ext cx="748382" cy="276999"/>
           </a:xfrm>
           <a:prstGeom prst="rect">
@@ -9083,17 +8826,17 @@
           <a:p>
             <a:r>
               <a:rPr lang="es-HN" sz="1200" dirty="0"/>
-              <a:t>RI</a:t>
-            </a:r>
-          </a:p>
-        </p:txBody>
-      </p:sp>
-      <p:sp>
-        <p:nvSpPr>
-          <p:cNvPr id="7" name="TextBox 104">
-            <a:extLst>
-              <a:ext uri="{FF2B5EF4-FFF2-40B4-BE49-F238E27FC236}">
-                <a16:creationId xmlns:a16="http://schemas.microsoft.com/office/drawing/2014/main" id="{2FE68DC2-553A-454C-854E-9E26D8243ABD}"/>
+              <a:t>NDVI</a:t>
+            </a:r>
+          </a:p>
+        </p:txBody>
+      </p:sp>
+      <p:sp>
+        <p:nvSpPr>
+          <p:cNvPr id="7" name="TextBox 39">
+            <a:extLst>
+              <a:ext uri="{FF2B5EF4-FFF2-40B4-BE49-F238E27FC236}">
+                <a16:creationId xmlns:a16="http://schemas.microsoft.com/office/drawing/2014/main" id="{B095D6E4-A3E0-4F8D-9A7F-E7313D29E291}"/>
               </a:ext>
             </a:extLst>
           </p:cNvPr>
@@ -9102,7 +8845,7 @@
         </p:nvSpPr>
         <p:spPr>
           <a:xfrm>
-            <a:off x="1550378" y="3573378"/>
+            <a:off x="1180329" y="1985633"/>
             <a:ext cx="748382" cy="276999"/>
           </a:xfrm>
           <a:prstGeom prst="rect">
@@ -9131,17 +8874,17 @@
           <a:p>
             <a:r>
               <a:rPr lang="es-HN" sz="1200" dirty="0"/>
-              <a:t>CI</a:t>
-            </a:r>
-          </a:p>
-        </p:txBody>
-      </p:sp>
-      <p:sp>
-        <p:nvSpPr>
-          <p:cNvPr id="8" name="TextBox 106">
-            <a:extLst>
-              <a:ext uri="{FF2B5EF4-FFF2-40B4-BE49-F238E27FC236}">
-                <a16:creationId xmlns:a16="http://schemas.microsoft.com/office/drawing/2014/main" id="{79461CC5-F200-4CF6-8E27-AD4E185B9155}"/>
+              <a:t>GNDVI</a:t>
+            </a:r>
+          </a:p>
+        </p:txBody>
+      </p:sp>
+      <p:sp>
+        <p:nvSpPr>
+          <p:cNvPr id="8" name="TextBox 41">
+            <a:extLst>
+              <a:ext uri="{FF2B5EF4-FFF2-40B4-BE49-F238E27FC236}">
+                <a16:creationId xmlns:a16="http://schemas.microsoft.com/office/drawing/2014/main" id="{58B95368-145D-4D78-8142-8E00B47298AA}"/>
               </a:ext>
             </a:extLst>
           </p:cNvPr>
@@ -9150,7 +8893,7 @@
         </p:nvSpPr>
         <p:spPr>
           <a:xfrm>
-            <a:off x="1550378" y="3935898"/>
+            <a:off x="1180329" y="2348155"/>
             <a:ext cx="748382" cy="276999"/>
           </a:xfrm>
           <a:prstGeom prst="rect">
@@ -9179,17 +8922,17 @@
           <a:p>
             <a:r>
               <a:rPr lang="es-HN" sz="1200" dirty="0"/>
-              <a:t>BI</a:t>
-            </a:r>
-          </a:p>
-        </p:txBody>
-      </p:sp>
-      <p:sp>
-        <p:nvSpPr>
-          <p:cNvPr id="9" name="TextBox 108">
-            <a:extLst>
-              <a:ext uri="{FF2B5EF4-FFF2-40B4-BE49-F238E27FC236}">
-                <a16:creationId xmlns:a16="http://schemas.microsoft.com/office/drawing/2014/main" id="{D2140FA4-E7A0-4184-B68E-5945216B2B4F}"/>
+              <a:t>TNDVI</a:t>
+            </a:r>
+          </a:p>
+        </p:txBody>
+      </p:sp>
+      <p:sp>
+        <p:nvSpPr>
+          <p:cNvPr id="9" name="TextBox 43">
+            <a:extLst>
+              <a:ext uri="{FF2B5EF4-FFF2-40B4-BE49-F238E27FC236}">
+                <a16:creationId xmlns:a16="http://schemas.microsoft.com/office/drawing/2014/main" id="{AD151DB5-3AD2-416A-944C-3E01599CEE54}"/>
               </a:ext>
             </a:extLst>
           </p:cNvPr>
@@ -9198,7 +8941,7 @@
         </p:nvSpPr>
         <p:spPr>
           <a:xfrm>
-            <a:off x="1550378" y="4298418"/>
+            <a:off x="1180329" y="2710677"/>
             <a:ext cx="748382" cy="276999"/>
           </a:xfrm>
           <a:prstGeom prst="rect">
@@ -9227,27 +8970,462 @@
           <a:p>
             <a:r>
               <a:rPr lang="es-HN" sz="1200" dirty="0"/>
-              <a:t>BI2</a:t>
+              <a:t>RVI</a:t>
+            </a:r>
+          </a:p>
+        </p:txBody>
+      </p:sp>
+      <p:sp>
+        <p:nvSpPr>
+          <p:cNvPr id="10" name="TextBox 45">
+            <a:extLst>
+              <a:ext uri="{FF2B5EF4-FFF2-40B4-BE49-F238E27FC236}">
+                <a16:creationId xmlns:a16="http://schemas.microsoft.com/office/drawing/2014/main" id="{A1D15F8E-B226-4DC4-9B30-2989F50B683D}"/>
+              </a:ext>
+            </a:extLst>
+          </p:cNvPr>
+          <p:cNvSpPr txBox="1"/>
+          <p:nvPr/>
+        </p:nvSpPr>
+        <p:spPr>
+          <a:xfrm>
+            <a:off x="1180329" y="3073199"/>
+            <a:ext cx="748382" cy="276999"/>
+          </a:xfrm>
+          <a:prstGeom prst="rect">
+            <a:avLst/>
+          </a:prstGeom>
+        </p:spPr>
+        <p:style>
+          <a:lnRef idx="1">
+            <a:schemeClr val="accent5"/>
+          </a:lnRef>
+          <a:fillRef idx="3">
+            <a:schemeClr val="accent5"/>
+          </a:fillRef>
+          <a:effectRef idx="2">
+            <a:schemeClr val="accent5"/>
+          </a:effectRef>
+          <a:fontRef idx="minor">
+            <a:schemeClr val="lt1"/>
+          </a:fontRef>
+        </p:style>
+        <p:txBody>
+          <a:bodyPr wrap="square" rtlCol="0">
+            <a:spAutoFit/>
+          </a:bodyPr>
+          <a:lstStyle/>
+          <a:p>
+            <a:r>
+              <a:rPr lang="es-HN" sz="1200" dirty="0"/>
+              <a:t>SAVI</a:t>
+            </a:r>
+          </a:p>
+        </p:txBody>
+      </p:sp>
+      <p:sp>
+        <p:nvSpPr>
+          <p:cNvPr id="11" name="TextBox 47">
+            <a:extLst>
+              <a:ext uri="{FF2B5EF4-FFF2-40B4-BE49-F238E27FC236}">
+                <a16:creationId xmlns:a16="http://schemas.microsoft.com/office/drawing/2014/main" id="{D0DCEEA2-52E9-4E63-861E-1DFE8B3BA17C}"/>
+              </a:ext>
+            </a:extLst>
+          </p:cNvPr>
+          <p:cNvSpPr txBox="1"/>
+          <p:nvPr/>
+        </p:nvSpPr>
+        <p:spPr>
+          <a:xfrm>
+            <a:off x="1180329" y="3435721"/>
+            <a:ext cx="748382" cy="276999"/>
+          </a:xfrm>
+          <a:prstGeom prst="rect">
+            <a:avLst/>
+          </a:prstGeom>
+        </p:spPr>
+        <p:style>
+          <a:lnRef idx="1">
+            <a:schemeClr val="accent5"/>
+          </a:lnRef>
+          <a:fillRef idx="3">
+            <a:schemeClr val="accent5"/>
+          </a:fillRef>
+          <a:effectRef idx="2">
+            <a:schemeClr val="accent5"/>
+          </a:effectRef>
+          <a:fontRef idx="minor">
+            <a:schemeClr val="lt1"/>
+          </a:fontRef>
+        </p:style>
+        <p:txBody>
+          <a:bodyPr wrap="square" rtlCol="0">
+            <a:spAutoFit/>
+          </a:bodyPr>
+          <a:lstStyle/>
+          <a:p>
+            <a:r>
+              <a:rPr lang="es-HN" sz="1200" dirty="0"/>
+              <a:t>TSAVI</a:t>
+            </a:r>
+          </a:p>
+        </p:txBody>
+      </p:sp>
+      <p:sp>
+        <p:nvSpPr>
+          <p:cNvPr id="12" name="TextBox 49">
+            <a:extLst>
+              <a:ext uri="{FF2B5EF4-FFF2-40B4-BE49-F238E27FC236}">
+                <a16:creationId xmlns:a16="http://schemas.microsoft.com/office/drawing/2014/main" id="{591A1324-D209-4BA8-B646-352553D2E867}"/>
+              </a:ext>
+            </a:extLst>
+          </p:cNvPr>
+          <p:cNvSpPr txBox="1"/>
+          <p:nvPr/>
+        </p:nvSpPr>
+        <p:spPr>
+          <a:xfrm>
+            <a:off x="1180329" y="3798243"/>
+            <a:ext cx="748382" cy="276999"/>
+          </a:xfrm>
+          <a:prstGeom prst="rect">
+            <a:avLst/>
+          </a:prstGeom>
+        </p:spPr>
+        <p:style>
+          <a:lnRef idx="1">
+            <a:schemeClr val="accent5"/>
+          </a:lnRef>
+          <a:fillRef idx="3">
+            <a:schemeClr val="accent5"/>
+          </a:fillRef>
+          <a:effectRef idx="2">
+            <a:schemeClr val="accent5"/>
+          </a:effectRef>
+          <a:fontRef idx="minor">
+            <a:schemeClr val="lt1"/>
+          </a:fontRef>
+        </p:style>
+        <p:txBody>
+          <a:bodyPr wrap="square" rtlCol="0">
+            <a:spAutoFit/>
+          </a:bodyPr>
+          <a:lstStyle/>
+          <a:p>
+            <a:r>
+              <a:rPr lang="es-HN" sz="1200" dirty="0"/>
+              <a:t>MSAVI2</a:t>
+            </a:r>
+          </a:p>
+        </p:txBody>
+      </p:sp>
+      <p:sp>
+        <p:nvSpPr>
+          <p:cNvPr id="13" name="TextBox 51">
+            <a:extLst>
+              <a:ext uri="{FF2B5EF4-FFF2-40B4-BE49-F238E27FC236}">
+                <a16:creationId xmlns:a16="http://schemas.microsoft.com/office/drawing/2014/main" id="{D7E03418-EF24-44CC-823B-9EC574699BC2}"/>
+              </a:ext>
+            </a:extLst>
+          </p:cNvPr>
+          <p:cNvSpPr txBox="1"/>
+          <p:nvPr/>
+        </p:nvSpPr>
+        <p:spPr>
+          <a:xfrm>
+            <a:off x="1180329" y="4160765"/>
+            <a:ext cx="748382" cy="276999"/>
+          </a:xfrm>
+          <a:prstGeom prst="rect">
+            <a:avLst/>
+          </a:prstGeom>
+        </p:spPr>
+        <p:style>
+          <a:lnRef idx="1">
+            <a:schemeClr val="accent5"/>
+          </a:lnRef>
+          <a:fillRef idx="3">
+            <a:schemeClr val="accent5"/>
+          </a:fillRef>
+          <a:effectRef idx="2">
+            <a:schemeClr val="accent5"/>
+          </a:effectRef>
+          <a:fontRef idx="minor">
+            <a:schemeClr val="lt1"/>
+          </a:fontRef>
+        </p:style>
+        <p:txBody>
+          <a:bodyPr wrap="square" rtlCol="0">
+            <a:spAutoFit/>
+          </a:bodyPr>
+          <a:lstStyle/>
+          <a:p>
+            <a:r>
+              <a:rPr lang="es-HN" sz="1200" dirty="0"/>
+              <a:t>GEMI</a:t>
+            </a:r>
+          </a:p>
+        </p:txBody>
+      </p:sp>
+      <p:sp>
+        <p:nvSpPr>
+          <p:cNvPr id="14" name="TextBox 53">
+            <a:extLst>
+              <a:ext uri="{FF2B5EF4-FFF2-40B4-BE49-F238E27FC236}">
+                <a16:creationId xmlns:a16="http://schemas.microsoft.com/office/drawing/2014/main" id="{13F58F75-7E12-477C-838C-4E53DE3BE7D6}"/>
+              </a:ext>
+            </a:extLst>
+          </p:cNvPr>
+          <p:cNvSpPr txBox="1"/>
+          <p:nvPr/>
+        </p:nvSpPr>
+        <p:spPr>
+          <a:xfrm>
+            <a:off x="1180329" y="4523287"/>
+            <a:ext cx="748382" cy="276999"/>
+          </a:xfrm>
+          <a:prstGeom prst="rect">
+            <a:avLst/>
+          </a:prstGeom>
+        </p:spPr>
+        <p:style>
+          <a:lnRef idx="1">
+            <a:schemeClr val="accent5"/>
+          </a:lnRef>
+          <a:fillRef idx="3">
+            <a:schemeClr val="accent5"/>
+          </a:fillRef>
+          <a:effectRef idx="2">
+            <a:schemeClr val="accent5"/>
+          </a:effectRef>
+          <a:fontRef idx="minor">
+            <a:schemeClr val="lt1"/>
+          </a:fontRef>
+        </p:style>
+        <p:txBody>
+          <a:bodyPr wrap="square" rtlCol="0">
+            <a:spAutoFit/>
+          </a:bodyPr>
+          <a:lstStyle/>
+          <a:p>
+            <a:r>
+              <a:rPr lang="es-HN" sz="1200" dirty="0"/>
+              <a:t>IPVI</a:t>
+            </a:r>
+          </a:p>
+        </p:txBody>
+      </p:sp>
+      <p:sp>
+        <p:nvSpPr>
+          <p:cNvPr id="15" name="TextBox 55">
+            <a:extLst>
+              <a:ext uri="{FF2B5EF4-FFF2-40B4-BE49-F238E27FC236}">
+                <a16:creationId xmlns:a16="http://schemas.microsoft.com/office/drawing/2014/main" id="{A2EBD0F3-5FFD-40D6-A163-ABDC57BCA046}"/>
+              </a:ext>
+            </a:extLst>
+          </p:cNvPr>
+          <p:cNvSpPr txBox="1"/>
+          <p:nvPr/>
+        </p:nvSpPr>
+        <p:spPr>
+          <a:xfrm>
+            <a:off x="1180329" y="4885809"/>
+            <a:ext cx="748382" cy="276999"/>
+          </a:xfrm>
+          <a:prstGeom prst="rect">
+            <a:avLst/>
+          </a:prstGeom>
+        </p:spPr>
+        <p:style>
+          <a:lnRef idx="1">
+            <a:schemeClr val="accent5"/>
+          </a:lnRef>
+          <a:fillRef idx="3">
+            <a:schemeClr val="accent5"/>
+          </a:fillRef>
+          <a:effectRef idx="2">
+            <a:schemeClr val="accent5"/>
+          </a:effectRef>
+          <a:fontRef idx="minor">
+            <a:schemeClr val="lt1"/>
+          </a:fontRef>
+        </p:style>
+        <p:txBody>
+          <a:bodyPr wrap="square" rtlCol="0">
+            <a:spAutoFit/>
+          </a:bodyPr>
+          <a:lstStyle/>
+          <a:p>
+            <a:r>
+              <a:rPr lang="es-HN" sz="1200" dirty="0"/>
+              <a:t>EVI</a:t>
+            </a:r>
+          </a:p>
+        </p:txBody>
+      </p:sp>
+      <p:sp>
+        <p:nvSpPr>
+          <p:cNvPr id="16" name="TextBox 57">
+            <a:extLst>
+              <a:ext uri="{FF2B5EF4-FFF2-40B4-BE49-F238E27FC236}">
+                <a16:creationId xmlns:a16="http://schemas.microsoft.com/office/drawing/2014/main" id="{433BBE1A-3E35-4175-9BB7-2EEC4142E7AD}"/>
+              </a:ext>
+            </a:extLst>
+          </p:cNvPr>
+          <p:cNvSpPr txBox="1"/>
+          <p:nvPr/>
+        </p:nvSpPr>
+        <p:spPr>
+          <a:xfrm>
+            <a:off x="1180329" y="5251419"/>
+            <a:ext cx="748382" cy="276999"/>
+          </a:xfrm>
+          <a:prstGeom prst="rect">
+            <a:avLst/>
+          </a:prstGeom>
+        </p:spPr>
+        <p:style>
+          <a:lnRef idx="1">
+            <a:schemeClr val="accent5"/>
+          </a:lnRef>
+          <a:fillRef idx="3">
+            <a:schemeClr val="accent5"/>
+          </a:fillRef>
+          <a:effectRef idx="2">
+            <a:schemeClr val="accent5"/>
+          </a:effectRef>
+          <a:fontRef idx="minor">
+            <a:schemeClr val="lt1"/>
+          </a:fontRef>
+        </p:style>
+        <p:txBody>
+          <a:bodyPr wrap="square" rtlCol="0">
+            <a:spAutoFit/>
+          </a:bodyPr>
+          <a:lstStyle/>
+          <a:p>
+            <a:r>
+              <a:rPr lang="es-HN" sz="1200" dirty="0"/>
+              <a:t>LAI</a:t>
+            </a:r>
+          </a:p>
+        </p:txBody>
+      </p:sp>
+      <p:sp>
+        <p:nvSpPr>
+          <p:cNvPr id="17" name="TextBox 59">
+            <a:extLst>
+              <a:ext uri="{FF2B5EF4-FFF2-40B4-BE49-F238E27FC236}">
+                <a16:creationId xmlns:a16="http://schemas.microsoft.com/office/drawing/2014/main" id="{3838A53E-BD1E-4CA8-8E57-4C80CBFE3644}"/>
+              </a:ext>
+            </a:extLst>
+          </p:cNvPr>
+          <p:cNvSpPr txBox="1"/>
+          <p:nvPr/>
+        </p:nvSpPr>
+        <p:spPr>
+          <a:xfrm>
+            <a:off x="1180329" y="5617029"/>
+            <a:ext cx="748382" cy="276999"/>
+          </a:xfrm>
+          <a:prstGeom prst="rect">
+            <a:avLst/>
+          </a:prstGeom>
+        </p:spPr>
+        <p:style>
+          <a:lnRef idx="1">
+            <a:schemeClr val="accent5"/>
+          </a:lnRef>
+          <a:fillRef idx="3">
+            <a:schemeClr val="accent5"/>
+          </a:fillRef>
+          <a:effectRef idx="2">
+            <a:schemeClr val="accent5"/>
+          </a:effectRef>
+          <a:fontRef idx="minor">
+            <a:schemeClr val="lt1"/>
+          </a:fontRef>
+        </p:style>
+        <p:txBody>
+          <a:bodyPr wrap="square" rtlCol="0">
+            <a:spAutoFit/>
+          </a:bodyPr>
+          <a:lstStyle/>
+          <a:p>
+            <a:r>
+              <a:rPr lang="es-HN" sz="1200" dirty="0"/>
+              <a:t>SR</a:t>
+            </a:r>
+          </a:p>
+        </p:txBody>
+      </p:sp>
+      <p:sp>
+        <p:nvSpPr>
+          <p:cNvPr id="18" name="TextBox 61">
+            <a:extLst>
+              <a:ext uri="{FF2B5EF4-FFF2-40B4-BE49-F238E27FC236}">
+                <a16:creationId xmlns:a16="http://schemas.microsoft.com/office/drawing/2014/main" id="{166122B5-7CD8-48E3-ADE1-F308363065E8}"/>
+              </a:ext>
+            </a:extLst>
+          </p:cNvPr>
+          <p:cNvSpPr txBox="1"/>
+          <p:nvPr/>
+        </p:nvSpPr>
+        <p:spPr>
+          <a:xfrm>
+            <a:off x="1180329" y="5982639"/>
+            <a:ext cx="748382" cy="276999"/>
+          </a:xfrm>
+          <a:prstGeom prst="rect">
+            <a:avLst/>
+          </a:prstGeom>
+        </p:spPr>
+        <p:style>
+          <a:lnRef idx="1">
+            <a:schemeClr val="accent5"/>
+          </a:lnRef>
+          <a:fillRef idx="3">
+            <a:schemeClr val="accent5"/>
+          </a:fillRef>
+          <a:effectRef idx="2">
+            <a:schemeClr val="accent5"/>
+          </a:effectRef>
+          <a:fontRef idx="minor">
+            <a:schemeClr val="lt1"/>
+          </a:fontRef>
+        </p:style>
+        <p:txBody>
+          <a:bodyPr wrap="square" rtlCol="0">
+            <a:spAutoFit/>
+          </a:bodyPr>
+          <a:lstStyle/>
+          <a:p>
+            <a:r>
+              <a:rPr lang="es-HN" sz="1200" dirty="0"/>
+              <a:t>DVI</a:t>
             </a:r>
           </a:p>
         </p:txBody>
       </p:sp>
       <p:cxnSp>
         <p:nvCxnSpPr>
-          <p:cNvPr id="10" name="Straight Connector 110">
-            <a:extLst>
-              <a:ext uri="{FF2B5EF4-FFF2-40B4-BE49-F238E27FC236}">
-                <a16:creationId xmlns:a16="http://schemas.microsoft.com/office/drawing/2014/main" id="{103478A9-6A67-4591-A82B-FAD6AF6A3C03}"/>
-              </a:ext>
-            </a:extLst>
-          </p:cNvPr>
-          <p:cNvCxnSpPr/>
+          <p:cNvPr id="19" name="Straight Connector 64">
+            <a:extLst>
+              <a:ext uri="{FF2B5EF4-FFF2-40B4-BE49-F238E27FC236}">
+                <a16:creationId xmlns:a16="http://schemas.microsoft.com/office/drawing/2014/main" id="{3A95E7B8-0FF7-4FF6-91C6-1059D7AF5A11}"/>
+              </a:ext>
+            </a:extLst>
+          </p:cNvPr>
+          <p:cNvCxnSpPr>
+            <a:cxnSpLocks/>
+            <a:stCxn id="6" idx="1"/>
+          </p:cNvCxnSpPr>
           <p:nvPr/>
         </p:nvCxnSpPr>
         <p:spPr>
-          <a:xfrm>
-            <a:off x="1284311" y="2888437"/>
-            <a:ext cx="0" cy="1561265"/>
+          <a:xfrm flipH="1" flipV="1">
+            <a:off x="1032568" y="1761610"/>
+            <a:ext cx="147761" cy="1"/>
           </a:xfrm>
           <a:prstGeom prst="line">
             <a:avLst/>
@@ -9270,10 +9448,10 @@
       </p:cxnSp>
       <p:cxnSp>
         <p:nvCxnSpPr>
-          <p:cNvPr id="11" name="Straight Connector 111">
-            <a:extLst>
-              <a:ext uri="{FF2B5EF4-FFF2-40B4-BE49-F238E27FC236}">
-                <a16:creationId xmlns:a16="http://schemas.microsoft.com/office/drawing/2014/main" id="{0D29915B-3700-48BA-86C6-E984D45D1418}"/>
+          <p:cNvPr id="20" name="Straight Connector 66">
+            <a:extLst>
+              <a:ext uri="{FF2B5EF4-FFF2-40B4-BE49-F238E27FC236}">
+                <a16:creationId xmlns:a16="http://schemas.microsoft.com/office/drawing/2014/main" id="{473A253A-0916-45EA-B57B-B6E018671ABC}"/>
               </a:ext>
             </a:extLst>
           </p:cNvPr>
@@ -9284,7 +9462,7 @@
         </p:nvCxnSpPr>
         <p:spPr>
           <a:xfrm flipH="1" flipV="1">
-            <a:off x="1318056" y="3326603"/>
+            <a:off x="1032567" y="2120244"/>
             <a:ext cx="147761" cy="1"/>
           </a:xfrm>
           <a:prstGeom prst="line">
@@ -9308,10 +9486,10 @@
       </p:cxnSp>
       <p:cxnSp>
         <p:nvCxnSpPr>
-          <p:cNvPr id="12" name="Straight Connector 112">
-            <a:extLst>
-              <a:ext uri="{FF2B5EF4-FFF2-40B4-BE49-F238E27FC236}">
-                <a16:creationId xmlns:a16="http://schemas.microsoft.com/office/drawing/2014/main" id="{D5680C68-E9EA-4EE8-AC28-4893B5090A92}"/>
+          <p:cNvPr id="21" name="Straight Connector 67">
+            <a:extLst>
+              <a:ext uri="{FF2B5EF4-FFF2-40B4-BE49-F238E27FC236}">
+                <a16:creationId xmlns:a16="http://schemas.microsoft.com/office/drawing/2014/main" id="{9184C077-491E-4771-A85D-AB50AC8789AB}"/>
               </a:ext>
             </a:extLst>
           </p:cNvPr>
@@ -9322,7 +9500,7 @@
         </p:nvCxnSpPr>
         <p:spPr>
           <a:xfrm flipH="1" flipV="1">
-            <a:off x="1318055" y="3685237"/>
+            <a:off x="1032566" y="2486653"/>
             <a:ext cx="147761" cy="1"/>
           </a:xfrm>
           <a:prstGeom prst="line">
@@ -9346,10 +9524,10 @@
       </p:cxnSp>
       <p:cxnSp>
         <p:nvCxnSpPr>
-          <p:cNvPr id="13" name="Straight Connector 113">
-            <a:extLst>
-              <a:ext uri="{FF2B5EF4-FFF2-40B4-BE49-F238E27FC236}">
-                <a16:creationId xmlns:a16="http://schemas.microsoft.com/office/drawing/2014/main" id="{FC970E14-EC61-4F7B-98C4-1BD51D1F91A6}"/>
+          <p:cNvPr id="22" name="Straight Connector 68">
+            <a:extLst>
+              <a:ext uri="{FF2B5EF4-FFF2-40B4-BE49-F238E27FC236}">
+                <a16:creationId xmlns:a16="http://schemas.microsoft.com/office/drawing/2014/main" id="{D68842E7-B9B0-401E-A946-7724DE52A219}"/>
               </a:ext>
             </a:extLst>
           </p:cNvPr>
@@ -9360,7 +9538,7 @@
         </p:nvCxnSpPr>
         <p:spPr>
           <a:xfrm flipH="1" flipV="1">
-            <a:off x="1318054" y="4051646"/>
+            <a:off x="1032565" y="2861957"/>
             <a:ext cx="147761" cy="1"/>
           </a:xfrm>
           <a:prstGeom prst="line">
@@ -9384,10 +9562,10 @@
       </p:cxnSp>
       <p:cxnSp>
         <p:nvCxnSpPr>
-          <p:cNvPr id="14" name="Straight Connector 114">
-            <a:extLst>
-              <a:ext uri="{FF2B5EF4-FFF2-40B4-BE49-F238E27FC236}">
-                <a16:creationId xmlns:a16="http://schemas.microsoft.com/office/drawing/2014/main" id="{1F093EE8-7BD5-45CD-873A-016CC8CFABE1}"/>
+          <p:cNvPr id="23" name="Straight Connector 69">
+            <a:extLst>
+              <a:ext uri="{FF2B5EF4-FFF2-40B4-BE49-F238E27FC236}">
+                <a16:creationId xmlns:a16="http://schemas.microsoft.com/office/drawing/2014/main" id="{4F4D4175-33AB-47F1-A9B0-8255BA780639}"/>
               </a:ext>
             </a:extLst>
           </p:cNvPr>
@@ -9398,7 +9576,7 @@
         </p:nvCxnSpPr>
         <p:spPr>
           <a:xfrm flipH="1" flipV="1">
-            <a:off x="1318053" y="4426950"/>
+            <a:off x="1032564" y="3210524"/>
             <a:ext cx="147761" cy="1"/>
           </a:xfrm>
           <a:prstGeom prst="line">
@@ -9420,107 +9598,314 @@
           </a:fontRef>
         </p:style>
       </p:cxnSp>
-      <p:sp>
-        <p:nvSpPr>
-          <p:cNvPr id="15" name="CuadroTexto 14">
-            <a:extLst>
-              <a:ext uri="{FF2B5EF4-FFF2-40B4-BE49-F238E27FC236}">
-                <a16:creationId xmlns:a16="http://schemas.microsoft.com/office/drawing/2014/main" id="{AD224357-94EB-4B3C-9421-5F6DABC0FCF3}"/>
-              </a:ext>
-            </a:extLst>
-          </p:cNvPr>
-          <p:cNvSpPr txBox="1"/>
-          <p:nvPr/>
-        </p:nvSpPr>
-        <p:spPr>
-          <a:xfrm>
-            <a:off x="3882687" y="2968283"/>
-            <a:ext cx="2672857" cy="1200329"/>
-          </a:xfrm>
-          <a:prstGeom prst="rect">
-            <a:avLst/>
-          </a:prstGeom>
-          <a:noFill/>
-        </p:spPr>
-        <p:txBody>
-          <a:bodyPr wrap="square" rtlCol="0">
-            <a:spAutoFit/>
-          </a:bodyPr>
-          <a:lstStyle/>
-          <a:p>
-            <a:r>
-              <a:rPr lang="es-CL" dirty="0"/>
-              <a:t>IR: </a:t>
-            </a:r>
-            <a:r>
-              <a:rPr lang="es-CL" dirty="0" err="1"/>
-              <a:t>redness</a:t>
-            </a:r>
-            <a:r>
-              <a:rPr lang="es-CL" dirty="0"/>
-              <a:t> </a:t>
-            </a:r>
-            <a:r>
-              <a:rPr lang="es-CL" dirty="0" err="1"/>
-              <a:t>Index</a:t>
-            </a:r>
-            <a:endParaRPr lang="es-CL" dirty="0"/>
-          </a:p>
-          <a:p>
-            <a:r>
-              <a:rPr lang="es-CL" dirty="0"/>
-              <a:t>IC: Color </a:t>
-            </a:r>
-            <a:r>
-              <a:rPr lang="es-CL" dirty="0" err="1"/>
-              <a:t>Index</a:t>
-            </a:r>
-            <a:endParaRPr lang="es-CL" dirty="0"/>
-          </a:p>
-          <a:p>
-            <a:r>
-              <a:rPr lang="es-CL" dirty="0"/>
-              <a:t>IB </a:t>
-            </a:r>
-            <a:r>
-              <a:rPr lang="es-CL" dirty="0" err="1"/>
-              <a:t>Brilliance</a:t>
-            </a:r>
-            <a:r>
-              <a:rPr lang="es-CL" dirty="0"/>
-              <a:t> </a:t>
-            </a:r>
-            <a:r>
-              <a:rPr lang="es-CL" dirty="0" err="1"/>
-              <a:t>Indext</a:t>
-            </a:r>
-            <a:endParaRPr lang="es-CL" dirty="0"/>
-          </a:p>
-          <a:p>
-            <a:r>
-              <a:rPr lang="es-CL" dirty="0"/>
-              <a:t>IB2 </a:t>
-            </a:r>
-            <a:r>
-              <a:rPr lang="es-CL" dirty="0" err="1"/>
-              <a:t>Brilliance</a:t>
-            </a:r>
-            <a:r>
-              <a:rPr lang="es-CL" dirty="0"/>
-              <a:t> </a:t>
-            </a:r>
-            <a:r>
-              <a:rPr lang="es-CL" dirty="0" err="1"/>
-              <a:t>index</a:t>
-            </a:r>
-            <a:endParaRPr lang="en-US" dirty="0"/>
-          </a:p>
-        </p:txBody>
-      </p:sp>
+      <p:cxnSp>
+        <p:nvCxnSpPr>
+          <p:cNvPr id="24" name="Straight Connector 70">
+            <a:extLst>
+              <a:ext uri="{FF2B5EF4-FFF2-40B4-BE49-F238E27FC236}">
+                <a16:creationId xmlns:a16="http://schemas.microsoft.com/office/drawing/2014/main" id="{4CC372F4-E18B-44AC-B839-BB5C2DD620FE}"/>
+              </a:ext>
+            </a:extLst>
+          </p:cNvPr>
+          <p:cNvCxnSpPr>
+            <a:cxnSpLocks/>
+          </p:cNvCxnSpPr>
+          <p:nvPr/>
+        </p:nvCxnSpPr>
+        <p:spPr>
+          <a:xfrm flipH="1" flipV="1">
+            <a:off x="1032564" y="3569811"/>
+            <a:ext cx="147761" cy="1"/>
+          </a:xfrm>
+          <a:prstGeom prst="line">
+            <a:avLst/>
+          </a:prstGeom>
+        </p:spPr>
+        <p:style>
+          <a:lnRef idx="1">
+            <a:schemeClr val="accent1"/>
+          </a:lnRef>
+          <a:fillRef idx="0">
+            <a:schemeClr val="accent1"/>
+          </a:fillRef>
+          <a:effectRef idx="0">
+            <a:schemeClr val="accent1"/>
+          </a:effectRef>
+          <a:fontRef idx="minor">
+            <a:schemeClr val="tx1"/>
+          </a:fontRef>
+        </p:style>
+      </p:cxnSp>
+      <p:cxnSp>
+        <p:nvCxnSpPr>
+          <p:cNvPr id="25" name="Straight Connector 72">
+            <a:extLst>
+              <a:ext uri="{FF2B5EF4-FFF2-40B4-BE49-F238E27FC236}">
+                <a16:creationId xmlns:a16="http://schemas.microsoft.com/office/drawing/2014/main" id="{12579AB7-0553-4B3C-99C9-562B930344EB}"/>
+              </a:ext>
+            </a:extLst>
+          </p:cNvPr>
+          <p:cNvCxnSpPr>
+            <a:cxnSpLocks/>
+          </p:cNvCxnSpPr>
+          <p:nvPr/>
+        </p:nvCxnSpPr>
+        <p:spPr>
+          <a:xfrm flipH="1" flipV="1">
+            <a:off x="1032563" y="3939057"/>
+            <a:ext cx="147761" cy="1"/>
+          </a:xfrm>
+          <a:prstGeom prst="line">
+            <a:avLst/>
+          </a:prstGeom>
+        </p:spPr>
+        <p:style>
+          <a:lnRef idx="1">
+            <a:schemeClr val="accent1"/>
+          </a:lnRef>
+          <a:fillRef idx="0">
+            <a:schemeClr val="accent1"/>
+          </a:fillRef>
+          <a:effectRef idx="0">
+            <a:schemeClr val="accent1"/>
+          </a:effectRef>
+          <a:fontRef idx="minor">
+            <a:schemeClr val="tx1"/>
+          </a:fontRef>
+        </p:style>
+      </p:cxnSp>
+      <p:cxnSp>
+        <p:nvCxnSpPr>
+          <p:cNvPr id="26" name="Straight Connector 74">
+            <a:extLst>
+              <a:ext uri="{FF2B5EF4-FFF2-40B4-BE49-F238E27FC236}">
+                <a16:creationId xmlns:a16="http://schemas.microsoft.com/office/drawing/2014/main" id="{89370744-56C3-4B29-ABEA-32AE668F3C77}"/>
+              </a:ext>
+            </a:extLst>
+          </p:cNvPr>
+          <p:cNvCxnSpPr>
+            <a:cxnSpLocks/>
+          </p:cNvCxnSpPr>
+          <p:nvPr/>
+        </p:nvCxnSpPr>
+        <p:spPr>
+          <a:xfrm flipH="1" flipV="1">
+            <a:off x="1032562" y="4277622"/>
+            <a:ext cx="147761" cy="1"/>
+          </a:xfrm>
+          <a:prstGeom prst="line">
+            <a:avLst/>
+          </a:prstGeom>
+        </p:spPr>
+        <p:style>
+          <a:lnRef idx="1">
+            <a:schemeClr val="accent1"/>
+          </a:lnRef>
+          <a:fillRef idx="0">
+            <a:schemeClr val="accent1"/>
+          </a:fillRef>
+          <a:effectRef idx="0">
+            <a:schemeClr val="accent1"/>
+          </a:effectRef>
+          <a:fontRef idx="minor">
+            <a:schemeClr val="tx1"/>
+          </a:fontRef>
+        </p:style>
+      </p:cxnSp>
+      <p:cxnSp>
+        <p:nvCxnSpPr>
+          <p:cNvPr id="27" name="Straight Connector 75">
+            <a:extLst>
+              <a:ext uri="{FF2B5EF4-FFF2-40B4-BE49-F238E27FC236}">
+                <a16:creationId xmlns:a16="http://schemas.microsoft.com/office/drawing/2014/main" id="{753B3BB7-A182-457D-A2EA-5038AD28E04C}"/>
+              </a:ext>
+            </a:extLst>
+          </p:cNvPr>
+          <p:cNvCxnSpPr>
+            <a:cxnSpLocks/>
+          </p:cNvCxnSpPr>
+          <p:nvPr/>
+        </p:nvCxnSpPr>
+        <p:spPr>
+          <a:xfrm flipH="1" flipV="1">
+            <a:off x="1032561" y="4692525"/>
+            <a:ext cx="147761" cy="1"/>
+          </a:xfrm>
+          <a:prstGeom prst="line">
+            <a:avLst/>
+          </a:prstGeom>
+        </p:spPr>
+        <p:style>
+          <a:lnRef idx="1">
+            <a:schemeClr val="accent1"/>
+          </a:lnRef>
+          <a:fillRef idx="0">
+            <a:schemeClr val="accent1"/>
+          </a:fillRef>
+          <a:effectRef idx="0">
+            <a:schemeClr val="accent1"/>
+          </a:effectRef>
+          <a:fontRef idx="minor">
+            <a:schemeClr val="tx1"/>
+          </a:fontRef>
+        </p:style>
+      </p:cxnSp>
+      <p:cxnSp>
+        <p:nvCxnSpPr>
+          <p:cNvPr id="28" name="Straight Connector 76">
+            <a:extLst>
+              <a:ext uri="{FF2B5EF4-FFF2-40B4-BE49-F238E27FC236}">
+                <a16:creationId xmlns:a16="http://schemas.microsoft.com/office/drawing/2014/main" id="{65AA44E2-9AA8-4739-AB31-68F74B214B6C}"/>
+              </a:ext>
+            </a:extLst>
+          </p:cNvPr>
+          <p:cNvCxnSpPr>
+            <a:cxnSpLocks/>
+          </p:cNvCxnSpPr>
+          <p:nvPr/>
+        </p:nvCxnSpPr>
+        <p:spPr>
+          <a:xfrm flipH="1" flipV="1">
+            <a:off x="1032561" y="5046167"/>
+            <a:ext cx="147761" cy="1"/>
+          </a:xfrm>
+          <a:prstGeom prst="line">
+            <a:avLst/>
+          </a:prstGeom>
+        </p:spPr>
+        <p:style>
+          <a:lnRef idx="1">
+            <a:schemeClr val="accent1"/>
+          </a:lnRef>
+          <a:fillRef idx="0">
+            <a:schemeClr val="accent1"/>
+          </a:fillRef>
+          <a:effectRef idx="0">
+            <a:schemeClr val="accent1"/>
+          </a:effectRef>
+          <a:fontRef idx="minor">
+            <a:schemeClr val="tx1"/>
+          </a:fontRef>
+        </p:style>
+      </p:cxnSp>
+      <p:cxnSp>
+        <p:nvCxnSpPr>
+          <p:cNvPr id="29" name="Straight Connector 77">
+            <a:extLst>
+              <a:ext uri="{FF2B5EF4-FFF2-40B4-BE49-F238E27FC236}">
+                <a16:creationId xmlns:a16="http://schemas.microsoft.com/office/drawing/2014/main" id="{FEB97DF0-9663-4D15-AF5F-1D7659F21FEA}"/>
+              </a:ext>
+            </a:extLst>
+          </p:cNvPr>
+          <p:cNvCxnSpPr>
+            <a:cxnSpLocks/>
+          </p:cNvCxnSpPr>
+          <p:nvPr/>
+        </p:nvCxnSpPr>
+        <p:spPr>
+          <a:xfrm flipH="1" flipV="1">
+            <a:off x="1032561" y="5389422"/>
+            <a:ext cx="147761" cy="1"/>
+          </a:xfrm>
+          <a:prstGeom prst="line">
+            <a:avLst/>
+          </a:prstGeom>
+        </p:spPr>
+        <p:style>
+          <a:lnRef idx="1">
+            <a:schemeClr val="accent1"/>
+          </a:lnRef>
+          <a:fillRef idx="0">
+            <a:schemeClr val="accent1"/>
+          </a:fillRef>
+          <a:effectRef idx="0">
+            <a:schemeClr val="accent1"/>
+          </a:effectRef>
+          <a:fontRef idx="minor">
+            <a:schemeClr val="tx1"/>
+          </a:fontRef>
+        </p:style>
+      </p:cxnSp>
+      <p:cxnSp>
+        <p:nvCxnSpPr>
+          <p:cNvPr id="30" name="Straight Connector 78">
+            <a:extLst>
+              <a:ext uri="{FF2B5EF4-FFF2-40B4-BE49-F238E27FC236}">
+                <a16:creationId xmlns:a16="http://schemas.microsoft.com/office/drawing/2014/main" id="{5CB339F5-8744-461E-975F-3AE1718F1BB8}"/>
+              </a:ext>
+            </a:extLst>
+          </p:cNvPr>
+          <p:cNvCxnSpPr>
+            <a:cxnSpLocks/>
+          </p:cNvCxnSpPr>
+          <p:nvPr/>
+        </p:nvCxnSpPr>
+        <p:spPr>
+          <a:xfrm flipH="1" flipV="1">
+            <a:off x="1032561" y="5771209"/>
+            <a:ext cx="147761" cy="1"/>
+          </a:xfrm>
+          <a:prstGeom prst="line">
+            <a:avLst/>
+          </a:prstGeom>
+        </p:spPr>
+        <p:style>
+          <a:lnRef idx="1">
+            <a:schemeClr val="accent1"/>
+          </a:lnRef>
+          <a:fillRef idx="0">
+            <a:schemeClr val="accent1"/>
+          </a:fillRef>
+          <a:effectRef idx="0">
+            <a:schemeClr val="accent1"/>
+          </a:effectRef>
+          <a:fontRef idx="minor">
+            <a:schemeClr val="tx1"/>
+          </a:fontRef>
+        </p:style>
+      </p:cxnSp>
+      <p:cxnSp>
+        <p:nvCxnSpPr>
+          <p:cNvPr id="31" name="Straight Connector 79">
+            <a:extLst>
+              <a:ext uri="{FF2B5EF4-FFF2-40B4-BE49-F238E27FC236}">
+                <a16:creationId xmlns:a16="http://schemas.microsoft.com/office/drawing/2014/main" id="{525EA283-6F3E-46EF-99A8-8B99EB17477C}"/>
+              </a:ext>
+            </a:extLst>
+          </p:cNvPr>
+          <p:cNvCxnSpPr>
+            <a:cxnSpLocks/>
+          </p:cNvCxnSpPr>
+          <p:nvPr/>
+        </p:nvCxnSpPr>
+        <p:spPr>
+          <a:xfrm flipH="1" flipV="1">
+            <a:off x="1032560" y="6123267"/>
+            <a:ext cx="147761" cy="1"/>
+          </a:xfrm>
+          <a:prstGeom prst="line">
+            <a:avLst/>
+          </a:prstGeom>
+        </p:spPr>
+        <p:style>
+          <a:lnRef idx="1">
+            <a:schemeClr val="accent1"/>
+          </a:lnRef>
+          <a:fillRef idx="0">
+            <a:schemeClr val="accent1"/>
+          </a:fillRef>
+          <a:effectRef idx="0">
+            <a:schemeClr val="accent1"/>
+          </a:effectRef>
+          <a:fontRef idx="minor">
+            <a:schemeClr val="tx1"/>
+          </a:fontRef>
+        </p:style>
+      </p:cxnSp>
     </p:spTree>
     <p:extLst>
       <p:ext uri="{BB962C8B-B14F-4D97-AF65-F5344CB8AC3E}">
-        <p14:creationId xmlns:p14="http://schemas.microsoft.com/office/powerpoint/2010/main" val="2157013405"/>
+        <p14:creationId xmlns:p14="http://schemas.microsoft.com/office/powerpoint/2010/main" val="1197467110"/>
       </p:ext>
     </p:extLst>
   </p:cSld>
@@ -9813,6 +10198,11 @@
           </p:cNvGraphicFramePr>
           <p:nvPr>
             <p:ph idx="1"/>
+            <p:extLst>
+              <p:ext uri="{D42A27DB-BD31-4B8C-83A1-F6EECF244321}">
+                <p14:modId xmlns:p14="http://schemas.microsoft.com/office/powerpoint/2010/main" val="1752590263"/>
+              </p:ext>
+            </p:extLst>
           </p:nvPr>
         </p:nvGraphicFramePr>
         <p:xfrm>
@@ -9824,14 +10214,14 @@
             <a:tbl>
               <a:tblPr/>
               <a:tblGrid>
-                <a:gridCol w="4443211">
+                <a:gridCol w="4556760">
                   <a:extLst>
                     <a:ext uri="{9D8B030D-6E8A-4147-A177-3AD203B41FA5}">
                       <a16:colId xmlns:a16="http://schemas.microsoft.com/office/drawing/2014/main" val="945635663"/>
                     </a:ext>
                   </a:extLst>
                 </a:gridCol>
-                <a:gridCol w="6072389">
+                <a:gridCol w="5958840">
                   <a:extLst>
                     <a:ext uri="{9D8B030D-6E8A-4147-A177-3AD203B41FA5}">
                       <a16:colId xmlns:a16="http://schemas.microsoft.com/office/drawing/2014/main" val="3203727673"/>
@@ -9969,33 +10359,33 @@
                     <a:p>
                       <a:pPr algn="l"/>
                       <a:r>
-                        <a:rPr lang="en-US">
+                        <a:rPr lang="en-US" dirty="0">
                           <a:effectLst/>
                         </a:rPr>
                         <a:t>Transformed Soil Adjusted Vegetation Index [</a:t>
                       </a:r>
                       <a:r>
-                        <a:rPr lang="en-US">
+                        <a:rPr lang="en-US" dirty="0">
                           <a:effectLst/>
                           <a:hlinkClick r:id="rId3"/>
                         </a:rPr>
                         <a:t>9</a:t>
                       </a:r>
                       <a:r>
-                        <a:rPr lang="en-US">
+                        <a:rPr lang="en-US" dirty="0">
                           <a:effectLst/>
                         </a:rPr>
                         <a:t>, </a:t>
                       </a:r>
                       <a:r>
-                        <a:rPr lang="en-US">
+                        <a:rPr lang="en-US" dirty="0">
                           <a:effectLst/>
                           <a:hlinkClick r:id="rId4"/>
                         </a:rPr>
                         <a:t>8</a:t>
                       </a:r>
                       <a:r>
-                        <a:rPr lang="en-US">
+                        <a:rPr lang="en-US" dirty="0">
                           <a:effectLst/>
                         </a:rPr>
                         <a:t>]</a:t>
@@ -10183,20 +10573,20 @@
                     <a:p>
                       <a:pPr algn="l"/>
                       <a:r>
-                        <a:rPr lang="en-US">
+                        <a:rPr lang="en-US" dirty="0">
                           <a:effectLst/>
                         </a:rPr>
                         <a:t>Modified Soil Adjusted Vegetation Index [</a:t>
                       </a:r>
                       <a:r>
-                        <a:rPr lang="en-US">
+                        <a:rPr lang="en-US" dirty="0">
                           <a:effectLst/>
                           <a:hlinkClick r:id="rId5"/>
                         </a:rPr>
                         <a:t>112</a:t>
                       </a:r>
                       <a:r>
-                        <a:rPr lang="en-US">
+                        <a:rPr lang="en-US" dirty="0">
                           <a:effectLst/>
                         </a:rPr>
                         <a:t>]</a:t>
@@ -10285,20 +10675,20 @@
                     <a:p>
                       <a:pPr algn="l"/>
                       <a:r>
-                        <a:rPr lang="en-US">
+                        <a:rPr lang="en-US" dirty="0">
                           <a:effectLst/>
                         </a:rPr>
                         <a:t>Global Environment Monitoring Index [</a:t>
                       </a:r>
                       <a:r>
-                        <a:rPr lang="en-US">
+                        <a:rPr lang="en-US" dirty="0">
                           <a:effectLst/>
                           <a:hlinkClick r:id="rId6"/>
                         </a:rPr>
                         <a:t>108</a:t>
                       </a:r>
                       <a:r>
-                        <a:rPr lang="en-US">
+                        <a:rPr lang="en-US" dirty="0">
                           <a:effectLst/>
                         </a:rPr>
                         <a:t>]</a:t>
@@ -11045,7 +11435,7 @@
         </p:blipFill>
         <p:spPr>
           <a:xfrm>
-            <a:off x="5474758" y="1392237"/>
+            <a:off x="5480052" y="4068762"/>
             <a:ext cx="6457950" cy="1533525"/>
           </a:xfrm>
           <a:prstGeom prst="rect">
@@ -17758,7 +18148,7 @@
         </p:nvSpPr>
         <p:spPr>
           <a:xfrm>
-            <a:off x="458356" y="3428812"/>
+            <a:off x="489926" y="3390961"/>
             <a:ext cx="748382" cy="276999"/>
           </a:xfrm>
           <a:prstGeom prst="rect">
@@ -17787,7 +18177,7 @@
           <a:p>
             <a:r>
               <a:rPr lang="es-HN" sz="1200" dirty="0"/>
-              <a:t>MNDWI</a:t>
+              <a:t>TVDI</a:t>
             </a:r>
           </a:p>
         </p:txBody>
@@ -17835,7 +18225,7 @@
           <a:p>
             <a:r>
               <a:rPr lang="es-HN" sz="1200" dirty="0"/>
-              <a:t>NDPI</a:t>
+              <a:t>TVMDI</a:t>
             </a:r>
           </a:p>
         </p:txBody>
@@ -18178,8 +18568,8 @@
         </p:nvSpPr>
         <p:spPr>
           <a:xfrm>
-            <a:off x="2813728" y="806211"/>
-            <a:ext cx="5796870" cy="2462213"/>
+            <a:off x="2632864" y="599820"/>
+            <a:ext cx="5796870" cy="2677656"/>
           </a:xfrm>
           <a:prstGeom prst="rect">
             <a:avLst/>
@@ -18193,28 +18583,46 @@
           <a:lstStyle/>
           <a:p>
             <a:r>
+              <a:rPr lang="es-CL" sz="1400" b="1" dirty="0"/>
+              <a:t>NDWI: Indice Diferencial Normalizado de Agua (esta ecuación es igual al NDMI: </a:t>
+            </a:r>
+            <a:r>
+              <a:rPr lang="es-CL" sz="1400" b="1" dirty="0" err="1"/>
+              <a:t>Normalized</a:t>
+            </a:r>
+            <a:r>
+              <a:rPr lang="es-CL" sz="1400" b="1" dirty="0"/>
+              <a:t> </a:t>
+            </a:r>
+            <a:r>
+              <a:rPr lang="es-CL" sz="1400" b="1" dirty="0" err="1"/>
+              <a:t>Difference</a:t>
+            </a:r>
+            <a:r>
+              <a:rPr lang="es-CL" sz="1400" b="1" dirty="0"/>
+              <a:t> </a:t>
+            </a:r>
+            <a:r>
+              <a:rPr lang="es-CL" sz="1400" b="1" dirty="0" err="1"/>
+              <a:t>Moisture</a:t>
+            </a:r>
+            <a:r>
+              <a:rPr lang="es-CL" sz="1400" b="1" dirty="0"/>
+              <a:t> </a:t>
+            </a:r>
+            <a:r>
+              <a:rPr lang="es-CL" sz="1400" b="1" dirty="0" err="1"/>
+              <a:t>Index</a:t>
+            </a:r>
+            <a:r>
+              <a:rPr lang="es-CL" sz="1400" b="1" dirty="0"/>
+              <a:t>)</a:t>
+            </a:r>
+          </a:p>
+          <a:p>
+            <a:r>
               <a:rPr lang="es-CL" sz="1400" dirty="0"/>
-              <a:t>NDWI: </a:t>
-            </a:r>
-            <a:r>
-              <a:rPr lang="es-CL" sz="1400" dirty="0" err="1"/>
-              <a:t>Indice</a:t>
-            </a:r>
-            <a:r>
-              <a:rPr lang="es-CL" sz="1400" dirty="0"/>
-              <a:t> Diferencial Normalizado de Agua</a:t>
-            </a:r>
-          </a:p>
-          <a:p>
-            <a:r>
-              <a:rPr lang="es-CL" sz="1400" dirty="0"/>
-              <a:t>Se utiliza el infrarrojo cercano de onda corta (SWIR) que muestra una alta absorción de luz debido al agua,</a:t>
-            </a:r>
-          </a:p>
-          <a:p>
-            <a:r>
-              <a:rPr lang="es-CL" sz="1400" dirty="0"/>
-              <a:t>Para monitorear los cambio en el contenido de agua líquida en la vegetación</a:t>
+              <a:t>Se utiliza el infrarrojo cercano de onda corta (SWIR) que muestra una alta absorción de luz debido al agua para monitorear los cambio en el contenido de agua líquida en la vegetación.</a:t>
             </a:r>
           </a:p>
           <a:p>
@@ -18226,10 +18634,16 @@
           <a:p>
             <a:r>
               <a:rPr lang="es-CL" sz="1400" dirty="0"/>
-              <a:t>Detección temprana de estrés hídrico (sequía).</a:t>
-            </a:r>
-          </a:p>
-          <a:p>
+              <a:t>i)Detección temprana de estrés hídrico (sequía) y </a:t>
+            </a:r>
+            <a:r>
+              <a:rPr lang="es-CL" sz="1400" dirty="0" err="1"/>
+              <a:t>ii</a:t>
+            </a:r>
+            <a:r>
+              <a:rPr lang="es-CL" sz="1400" dirty="0"/>
+              <a:t>) </a:t>
+            </a:r>
             <a:r>
               <a:rPr lang="es-CL" sz="1400" dirty="0">
                 <a:solidFill>
@@ -18294,7 +18708,7 @@
         </p:blipFill>
         <p:spPr>
           <a:xfrm>
-            <a:off x="8998363" y="519585"/>
+            <a:off x="9022979" y="333073"/>
             <a:ext cx="2466975" cy="866775"/>
           </a:xfrm>
           <a:prstGeom prst="rect">
@@ -18352,8 +18766,8 @@
         </p:nvSpPr>
         <p:spPr>
           <a:xfrm>
-            <a:off x="9091036" y="1414417"/>
-            <a:ext cx="2466975" cy="2462213"/>
+            <a:off x="9091036" y="1230526"/>
+            <a:ext cx="2466975" cy="1938992"/>
           </a:xfrm>
           <a:prstGeom prst="rect">
             <a:avLst/>
@@ -18367,175 +18781,175 @@
           <a:lstStyle/>
           <a:p>
             <a:r>
-              <a:rPr lang="es-CL" sz="1400" dirty="0"/>
+              <a:rPr lang="es-CL" sz="1200" dirty="0"/>
               <a:t>-1-0: no vegetación/ agua</a:t>
             </a:r>
           </a:p>
           <a:p>
             <a:r>
-              <a:rPr lang="es-CL" sz="1400" dirty="0"/>
+              <a:rPr lang="es-CL" sz="1200" dirty="0"/>
               <a:t>0-0.99: vegetación</a:t>
             </a:r>
           </a:p>
           <a:p>
             <a:r>
-              <a:rPr lang="es-CL" sz="1400" dirty="0"/>
+              <a:rPr lang="es-CL" sz="1200" dirty="0"/>
               <a:t>+1: agua</a:t>
             </a:r>
           </a:p>
           <a:p>
             <a:r>
-              <a:rPr lang="en-US" sz="1400" dirty="0"/>
+              <a:rPr lang="en-US" sz="1200" dirty="0"/>
               <a:t>A </a:t>
             </a:r>
             <a:r>
-              <a:rPr lang="en-US" sz="1400" dirty="0" err="1"/>
+              <a:rPr lang="en-US" sz="1200" dirty="0" err="1"/>
               <a:t>medida</a:t>
             </a:r>
             <a:r>
-              <a:rPr lang="en-US" sz="1400" dirty="0"/>
+              <a:rPr lang="en-US" sz="1200" dirty="0"/>
               <a:t> que se </a:t>
             </a:r>
             <a:r>
-              <a:rPr lang="en-US" sz="1400" dirty="0" err="1"/>
+              <a:rPr lang="en-US" sz="1200" dirty="0" err="1"/>
               <a:t>acerca</a:t>
             </a:r>
             <a:r>
-              <a:rPr lang="en-US" sz="1400" dirty="0"/>
+              <a:rPr lang="en-US" sz="1200" dirty="0"/>
               <a:t> a 1 la </a:t>
             </a:r>
             <a:r>
-              <a:rPr lang="en-US" sz="1400" dirty="0" err="1"/>
+              <a:rPr lang="en-US" sz="1200" dirty="0" err="1"/>
               <a:t>vegetación</a:t>
             </a:r>
             <a:r>
-              <a:rPr lang="en-US" sz="1400" dirty="0"/>
+              <a:rPr lang="en-US" sz="1200" dirty="0"/>
               <a:t> </a:t>
             </a:r>
             <a:r>
-              <a:rPr lang="en-US" sz="1400" dirty="0" err="1"/>
+              <a:rPr lang="en-US" sz="1200" dirty="0" err="1"/>
               <a:t>está</a:t>
             </a:r>
             <a:r>
-              <a:rPr lang="en-US" sz="1400" dirty="0"/>
+              <a:rPr lang="en-US" sz="1200" dirty="0"/>
               <a:t> </a:t>
             </a:r>
             <a:r>
-              <a:rPr lang="en-US" sz="1400" dirty="0" err="1"/>
+              <a:rPr lang="en-US" sz="1200" dirty="0" err="1"/>
               <a:t>más</a:t>
             </a:r>
             <a:r>
-              <a:rPr lang="en-US" sz="1400" dirty="0"/>
+              <a:rPr lang="en-US" sz="1200" dirty="0"/>
               <a:t> </a:t>
             </a:r>
             <a:r>
-              <a:rPr lang="en-US" sz="1400" dirty="0" err="1"/>
+              <a:rPr lang="en-US" sz="1200" dirty="0" err="1"/>
               <a:t>hidratada</a:t>
             </a:r>
             <a:r>
-              <a:rPr lang="en-US" sz="1400" dirty="0"/>
+              <a:rPr lang="en-US" sz="1200" dirty="0"/>
               <a:t>.</a:t>
             </a:r>
           </a:p>
           <a:p>
             <a:r>
-              <a:rPr lang="en-US" sz="1400" dirty="0"/>
+              <a:rPr lang="en-US" sz="1200" dirty="0"/>
               <a:t>Los </a:t>
             </a:r>
             <a:r>
-              <a:rPr lang="en-US" sz="1400" dirty="0" err="1"/>
+              <a:rPr lang="en-US" sz="1200" dirty="0" err="1"/>
               <a:t>valores</a:t>
             </a:r>
             <a:r>
-              <a:rPr lang="en-US" sz="1400" dirty="0"/>
+              <a:rPr lang="en-US" sz="1200" dirty="0"/>
               <a:t> </a:t>
             </a:r>
             <a:r>
-              <a:rPr lang="en-US" sz="1400" dirty="0" err="1"/>
+              <a:rPr lang="en-US" sz="1200" dirty="0" err="1"/>
               <a:t>dependen</a:t>
             </a:r>
             <a:r>
-              <a:rPr lang="en-US" sz="1400" dirty="0"/>
+              <a:rPr lang="en-US" sz="1200" dirty="0"/>
               <a:t> de la </a:t>
             </a:r>
             <a:r>
-              <a:rPr lang="en-US" sz="1400" dirty="0" err="1"/>
+              <a:rPr lang="en-US" sz="1200" dirty="0" err="1"/>
               <a:t>cantidad</a:t>
             </a:r>
             <a:r>
-              <a:rPr lang="en-US" sz="1400" dirty="0"/>
+              <a:rPr lang="en-US" sz="1200" dirty="0"/>
               <a:t> de </a:t>
             </a:r>
             <a:r>
-              <a:rPr lang="en-US" sz="1400" dirty="0" err="1"/>
+              <a:rPr lang="en-US" sz="1200" dirty="0" err="1"/>
               <a:t>madera</a:t>
             </a:r>
             <a:r>
-              <a:rPr lang="en-US" sz="1400" dirty="0"/>
+              <a:rPr lang="en-US" sz="1200" dirty="0"/>
               <a:t> dura, el </a:t>
             </a:r>
             <a:r>
-              <a:rPr lang="en-US" sz="1400" dirty="0" err="1"/>
+              <a:rPr lang="en-US" sz="1200" dirty="0" err="1"/>
               <a:t>tipo</a:t>
             </a:r>
             <a:r>
-              <a:rPr lang="en-US" sz="1400" dirty="0"/>
+              <a:rPr lang="en-US" sz="1200" dirty="0"/>
               <a:t> de </a:t>
             </a:r>
             <a:r>
-              <a:rPr lang="en-US" sz="1400" dirty="0" err="1"/>
+              <a:rPr lang="en-US" sz="1200" dirty="0" err="1"/>
               <a:t>vegetación</a:t>
             </a:r>
             <a:r>
-              <a:rPr lang="en-US" sz="1400" dirty="0"/>
+              <a:rPr lang="en-US" sz="1200" dirty="0"/>
               <a:t> y </a:t>
             </a:r>
             <a:r>
-              <a:rPr lang="en-US" sz="1400" dirty="0" err="1"/>
+              <a:rPr lang="en-US" sz="1200" dirty="0" err="1"/>
               <a:t>cobertura</a:t>
             </a:r>
             <a:r>
-              <a:rPr lang="en-US" sz="1400" dirty="0"/>
+              <a:rPr lang="en-US" sz="1200" dirty="0"/>
               <a:t>. Durante un </a:t>
             </a:r>
             <a:r>
-              <a:rPr lang="en-US" sz="1400" dirty="0" err="1"/>
+              <a:rPr lang="en-US" sz="1200" dirty="0" err="1"/>
               <a:t>período</a:t>
             </a:r>
             <a:r>
-              <a:rPr lang="en-US" sz="1400" dirty="0"/>
+              <a:rPr lang="en-US" sz="1200" dirty="0"/>
               <a:t> de </a:t>
             </a:r>
             <a:r>
-              <a:rPr lang="en-US" sz="1400" dirty="0" err="1"/>
+              <a:rPr lang="en-US" sz="1200" dirty="0" err="1"/>
               <a:t>estres</a:t>
             </a:r>
             <a:r>
-              <a:rPr lang="en-US" sz="1400" dirty="0"/>
+              <a:rPr lang="en-US" sz="1200" dirty="0"/>
               <a:t> </a:t>
             </a:r>
             <a:r>
-              <a:rPr lang="en-US" sz="1400" dirty="0" err="1"/>
+              <a:rPr lang="en-US" sz="1200" dirty="0" err="1"/>
               <a:t>hídrico</a:t>
             </a:r>
             <a:r>
-              <a:rPr lang="en-US" sz="1400" dirty="0"/>
+              <a:rPr lang="en-US" sz="1200" dirty="0"/>
               <a:t> el valor del NDWI </a:t>
             </a:r>
             <a:r>
-              <a:rPr lang="en-US" sz="1400" dirty="0" err="1"/>
+              <a:rPr lang="en-US" sz="1200" dirty="0" err="1"/>
               <a:t>disminuirá</a:t>
             </a:r>
-            <a:endParaRPr lang="en-US" sz="1400" dirty="0"/>
-          </a:p>
-        </p:txBody>
-      </p:sp>
-      <p:sp>
-        <p:nvSpPr>
-          <p:cNvPr id="8" name="CuadroTexto 7">
-            <a:extLst>
-              <a:ext uri="{FF2B5EF4-FFF2-40B4-BE49-F238E27FC236}">
-                <a16:creationId xmlns:a16="http://schemas.microsoft.com/office/drawing/2014/main" id="{B4346055-C5AF-4969-B888-FAF0FC2F087F}"/>
+            <a:endParaRPr lang="en-US" sz="1200" dirty="0"/>
+          </a:p>
+        </p:txBody>
+      </p:sp>
+      <p:sp>
+        <p:nvSpPr>
+          <p:cNvPr id="32" name="CuadroTexto 31">
+            <a:extLst>
+              <a:ext uri="{FF2B5EF4-FFF2-40B4-BE49-F238E27FC236}">
+                <a16:creationId xmlns:a16="http://schemas.microsoft.com/office/drawing/2014/main" id="{C014B332-A640-446A-A2E4-1C3EAA502254}"/>
               </a:ext>
             </a:extLst>
           </p:cNvPr>
@@ -18544,8 +18958,8 @@
         </p:nvSpPr>
         <p:spPr>
           <a:xfrm>
-            <a:off x="5400680" y="4149374"/>
-            <a:ext cx="5667370" cy="830997"/>
+            <a:off x="2813728" y="3388771"/>
+            <a:ext cx="3945328" cy="1384995"/>
           </a:xfrm>
           <a:prstGeom prst="rect">
             <a:avLst/>
@@ -18559,12 +18973,291 @@
           <a:lstStyle/>
           <a:p>
             <a:r>
-              <a:rPr lang="es-CL" sz="1600" dirty="0"/>
-              <a:t>Aquí debemos agregar el histórico del NDWI e incluir gráficos (para comparar el valor de temporadas anteriores con la presente temporada  (esto puede ir en una pestaña “ ver histórico”).</a:t>
-            </a:r>
-          </a:p>
-        </p:txBody>
-      </p:sp>
+              <a:rPr lang="es-CL" sz="1400" dirty="0"/>
+              <a:t> </a:t>
+            </a:r>
+            <a:r>
+              <a:rPr lang="es-CL" sz="1400" b="1" dirty="0"/>
+              <a:t>TVDI: Transformed </a:t>
+            </a:r>
+            <a:r>
+              <a:rPr lang="es-CL" sz="1400" b="1" dirty="0" err="1"/>
+              <a:t>difference</a:t>
+            </a:r>
+            <a:r>
+              <a:rPr lang="es-CL" sz="1400" b="1" dirty="0"/>
+              <a:t> </a:t>
+            </a:r>
+            <a:r>
+              <a:rPr lang="es-CL" sz="1400" b="1" dirty="0" err="1"/>
+              <a:t>vegetation</a:t>
+            </a:r>
+            <a:r>
+              <a:rPr lang="es-CL" sz="1400" b="1" dirty="0"/>
+              <a:t> </a:t>
+            </a:r>
+            <a:r>
+              <a:rPr lang="es-CL" sz="1400" b="1" dirty="0" err="1"/>
+              <a:t>index</a:t>
+            </a:r>
+            <a:r>
+              <a:rPr lang="es-CL" sz="1400" b="1" dirty="0"/>
+              <a:t> (Indice diferencial transformación de vegetación). Desarrollado para estableces el estado de humedad (sequedad) del sistema suelo-planta.</a:t>
+            </a:r>
+          </a:p>
+          <a:p>
+            <a:r>
+              <a:rPr lang="es-CL" sz="1400" dirty="0"/>
+              <a:t>Objetivo: Detección de cambios hídricos en el sistema agua suelo planta. </a:t>
+            </a:r>
+            <a:endParaRPr lang="en-US" sz="1400" dirty="0"/>
+          </a:p>
+        </p:txBody>
+      </p:sp>
+      <p:sp>
+        <p:nvSpPr>
+          <p:cNvPr id="33" name="CuadroTexto 32">
+            <a:extLst>
+              <a:ext uri="{FF2B5EF4-FFF2-40B4-BE49-F238E27FC236}">
+                <a16:creationId xmlns:a16="http://schemas.microsoft.com/office/drawing/2014/main" id="{B0510B39-4D6B-49B0-A016-24F3280E193B}"/>
+              </a:ext>
+            </a:extLst>
+          </p:cNvPr>
+          <p:cNvSpPr txBox="1"/>
+          <p:nvPr/>
+        </p:nvSpPr>
+        <p:spPr>
+          <a:xfrm>
+            <a:off x="2734855" y="4876819"/>
+            <a:ext cx="6098058" cy="523220"/>
+          </a:xfrm>
+          <a:prstGeom prst="rect">
+            <a:avLst/>
+          </a:prstGeom>
+          <a:noFill/>
+        </p:spPr>
+        <p:txBody>
+          <a:bodyPr wrap="square">
+            <a:spAutoFit/>
+          </a:bodyPr>
+          <a:lstStyle/>
+          <a:p>
+            <a:r>
+              <a:rPr lang="en-US" sz="1400" b="1" dirty="0"/>
+              <a:t>Temperature–Vegetation Dryness Index (TDVI).</a:t>
+            </a:r>
+          </a:p>
+          <a:p>
+            <a:r>
+              <a:rPr lang="en-US" sz="1400" b="1" dirty="0" err="1"/>
+              <a:t>Objetivo</a:t>
+            </a:r>
+            <a:r>
+              <a:rPr lang="en-US" sz="1400" b="1" dirty="0"/>
+              <a:t>: Monitoreo de </a:t>
+            </a:r>
+            <a:r>
+              <a:rPr lang="en-US" sz="1400" b="1" dirty="0" err="1"/>
+              <a:t>sequía</a:t>
+            </a:r>
+            <a:r>
+              <a:rPr lang="en-US" sz="1400" b="1" dirty="0"/>
+              <a:t>.</a:t>
+            </a:r>
+          </a:p>
+        </p:txBody>
+      </p:sp>
+      <p:pic>
+        <p:nvPicPr>
+          <p:cNvPr id="34" name="Imagen 33">
+            <a:extLst>
+              <a:ext uri="{FF2B5EF4-FFF2-40B4-BE49-F238E27FC236}">
+                <a16:creationId xmlns:a16="http://schemas.microsoft.com/office/drawing/2014/main" id="{B23D7C79-0B3F-4C40-9829-021E0286AB4E}"/>
+              </a:ext>
+            </a:extLst>
+          </p:cNvPr>
+          <p:cNvPicPr>
+            <a:picLocks noChangeAspect="1"/>
+          </p:cNvPicPr>
+          <p:nvPr/>
+        </p:nvPicPr>
+        <p:blipFill>
+          <a:blip r:embed="rId3"/>
+          <a:stretch>
+            <a:fillRect/>
+          </a:stretch>
+        </p:blipFill>
+        <p:spPr>
+          <a:xfrm>
+            <a:off x="6813179" y="4016263"/>
+            <a:ext cx="5429250" cy="2569502"/>
+          </a:xfrm>
+          <a:prstGeom prst="rect">
+            <a:avLst/>
+          </a:prstGeom>
+        </p:spPr>
+      </p:pic>
+      <p:pic>
+        <p:nvPicPr>
+          <p:cNvPr id="13" name="Imagen 12">
+            <a:extLst>
+              <a:ext uri="{FF2B5EF4-FFF2-40B4-BE49-F238E27FC236}">
+                <a16:creationId xmlns:a16="http://schemas.microsoft.com/office/drawing/2014/main" id="{F935798F-B876-4BA3-A097-5FEB3D138EAB}"/>
+              </a:ext>
+            </a:extLst>
+          </p:cNvPr>
+          <p:cNvPicPr>
+            <a:picLocks noChangeAspect="1"/>
+          </p:cNvPicPr>
+          <p:nvPr/>
+        </p:nvPicPr>
+        <p:blipFill>
+          <a:blip r:embed="rId4"/>
+          <a:stretch>
+            <a:fillRect/>
+          </a:stretch>
+        </p:blipFill>
+        <p:spPr>
+          <a:xfrm>
+            <a:off x="7077179" y="3016653"/>
+            <a:ext cx="3105150" cy="800100"/>
+          </a:xfrm>
+          <a:prstGeom prst="rect">
+            <a:avLst/>
+          </a:prstGeom>
+        </p:spPr>
+      </p:pic>
+      <p:sp>
+        <p:nvSpPr>
+          <p:cNvPr id="38" name="CuadroTexto 37">
+            <a:extLst>
+              <a:ext uri="{FF2B5EF4-FFF2-40B4-BE49-F238E27FC236}">
+                <a16:creationId xmlns:a16="http://schemas.microsoft.com/office/drawing/2014/main" id="{8F2FBFF0-FB36-4F68-AF96-61ECD5F6DA30}"/>
+              </a:ext>
+            </a:extLst>
+          </p:cNvPr>
+          <p:cNvSpPr txBox="1"/>
+          <p:nvPr/>
+        </p:nvSpPr>
+        <p:spPr>
+          <a:xfrm>
+            <a:off x="1381763" y="5858941"/>
+            <a:ext cx="6098058" cy="523220"/>
+          </a:xfrm>
+          <a:prstGeom prst="rect">
+            <a:avLst/>
+          </a:prstGeom>
+          <a:noFill/>
+        </p:spPr>
+        <p:txBody>
+          <a:bodyPr wrap="square">
+            <a:spAutoFit/>
+          </a:bodyPr>
+          <a:lstStyle/>
+          <a:p>
+            <a:r>
+              <a:rPr lang="en-US" sz="1400" b="1" dirty="0"/>
+              <a:t>Temperature–Vegetation Soil Moisture Dryness Index (TVMDI).</a:t>
+            </a:r>
+          </a:p>
+          <a:p>
+            <a:r>
+              <a:rPr lang="en-US" sz="1400" b="1" dirty="0" err="1"/>
+              <a:t>Objetivo</a:t>
+            </a:r>
+            <a:r>
+              <a:rPr lang="en-US" sz="1400" b="1" dirty="0"/>
+              <a:t>: Monitoreo de </a:t>
+            </a:r>
+            <a:r>
+              <a:rPr lang="en-US" sz="1400" b="1" dirty="0" err="1"/>
+              <a:t>sequía</a:t>
+            </a:r>
+            <a:r>
+              <a:rPr lang="en-US" sz="1400" b="1" dirty="0"/>
+              <a:t>.</a:t>
+            </a:r>
+          </a:p>
+        </p:txBody>
+      </p:sp>
+      <p:sp>
+        <p:nvSpPr>
+          <p:cNvPr id="39" name="TextBox 87">
+            <a:extLst>
+              <a:ext uri="{FF2B5EF4-FFF2-40B4-BE49-F238E27FC236}">
+                <a16:creationId xmlns:a16="http://schemas.microsoft.com/office/drawing/2014/main" id="{B1E69033-169F-4EB4-816D-39817423943C}"/>
+              </a:ext>
+            </a:extLst>
+          </p:cNvPr>
+          <p:cNvSpPr txBox="1"/>
+          <p:nvPr/>
+        </p:nvSpPr>
+        <p:spPr>
+          <a:xfrm>
+            <a:off x="481991" y="3747476"/>
+            <a:ext cx="748382" cy="276999"/>
+          </a:xfrm>
+          <a:prstGeom prst="rect">
+            <a:avLst/>
+          </a:prstGeom>
+        </p:spPr>
+        <p:style>
+          <a:lnRef idx="1">
+            <a:schemeClr val="accent5"/>
+          </a:lnRef>
+          <a:fillRef idx="3">
+            <a:schemeClr val="accent5"/>
+          </a:fillRef>
+          <a:effectRef idx="2">
+            <a:schemeClr val="accent5"/>
+          </a:effectRef>
+          <a:fontRef idx="minor">
+            <a:schemeClr val="lt1"/>
+          </a:fontRef>
+        </p:style>
+        <p:txBody>
+          <a:bodyPr wrap="square" rtlCol="0">
+            <a:spAutoFit/>
+          </a:bodyPr>
+          <a:lstStyle/>
+          <a:p>
+            <a:r>
+              <a:rPr lang="es-HN" sz="1200" dirty="0"/>
+              <a:t>TVDI2</a:t>
+            </a:r>
+          </a:p>
+        </p:txBody>
+      </p:sp>
+      <p:pic>
+        <p:nvPicPr>
+          <p:cNvPr id="41" name="Imagen 40">
+            <a:extLst>
+              <a:ext uri="{FF2B5EF4-FFF2-40B4-BE49-F238E27FC236}">
+                <a16:creationId xmlns:a16="http://schemas.microsoft.com/office/drawing/2014/main" id="{4FDDA766-B439-4184-B4C0-A2E937F1DEBA}"/>
+              </a:ext>
+            </a:extLst>
+          </p:cNvPr>
+          <p:cNvPicPr>
+            <a:picLocks noChangeAspect="1"/>
+          </p:cNvPicPr>
+          <p:nvPr/>
+        </p:nvPicPr>
+        <p:blipFill>
+          <a:blip r:embed="rId5"/>
+          <a:stretch>
+            <a:fillRect/>
+          </a:stretch>
+        </p:blipFill>
+        <p:spPr>
+          <a:xfrm>
+            <a:off x="247637" y="1243386"/>
+            <a:ext cx="3693332" cy="307778"/>
+          </a:xfrm>
+          <a:prstGeom prst="rect">
+            <a:avLst/>
+          </a:prstGeom>
+        </p:spPr>
+      </p:pic>
     </p:spTree>
     <p:extLst>
       <p:ext uri="{BB962C8B-B14F-4D97-AF65-F5344CB8AC3E}">
@@ -19275,15 +19968,7 @@
           <a:p>
             <a:r>
               <a:rPr lang="es-CL" sz="1400" dirty="0"/>
-              <a:t>NDWI: </a:t>
-            </a:r>
-            <a:r>
-              <a:rPr lang="es-CL" sz="1400" dirty="0" err="1"/>
-              <a:t>Indice</a:t>
-            </a:r>
-            <a:r>
-              <a:rPr lang="es-CL" sz="1400" dirty="0"/>
-              <a:t> Diferencial Normalizado de Agua</a:t>
+              <a:t>NDWI: Indice Diferencial Normalizado de Agua</a:t>
             </a:r>
           </a:p>
           <a:p>
@@ -19295,7 +19980,7 @@
           <a:p>
             <a:r>
               <a:rPr lang="es-CL" sz="1400" dirty="0"/>
-              <a:t>Objetivo: </a:t>
+              <a:t>Objetivo: i) </a:t>
             </a:r>
             <a:r>
               <a:rPr lang="es-ES" sz="1400" b="0" i="0" dirty="0">
@@ -19305,10 +19990,28 @@
                 <a:effectLst/>
                 <a:latin typeface="Open Sans" panose="020B0606030504020204" pitchFamily="34" charset="0"/>
               </a:rPr>
-              <a:t>Identificar y evaluar áreas con gran saturación de agua y cambios en masas de agua.</a:t>
-            </a:r>
-          </a:p>
-          <a:p>
+              <a:t>Identificar y evaluar áreas con gran saturación de agua y cambios en masas de agua, y </a:t>
+            </a:r>
+            <a:r>
+              <a:rPr lang="es-ES" sz="1400" b="0" i="0" dirty="0" err="1">
+                <a:solidFill>
+                  <a:srgbClr val="212A33"/>
+                </a:solidFill>
+                <a:effectLst/>
+                <a:latin typeface="Open Sans" panose="020B0606030504020204" pitchFamily="34" charset="0"/>
+              </a:rPr>
+              <a:t>ii</a:t>
+            </a:r>
+            <a:r>
+              <a:rPr lang="es-ES" sz="1400" b="0" i="0" dirty="0">
+                <a:solidFill>
+                  <a:srgbClr val="212A33"/>
+                </a:solidFill>
+                <a:effectLst/>
+                <a:latin typeface="Open Sans" panose="020B0606030504020204" pitchFamily="34" charset="0"/>
+              </a:rPr>
+              <a:t>)</a:t>
+            </a:r>
             <a:r>
               <a:rPr lang="es-ES" sz="1400" dirty="0">
                 <a:solidFill>
@@ -19549,15 +20252,7 @@
           <a:p>
             <a:r>
               <a:rPr lang="es-CL" sz="1400" dirty="0"/>
-              <a:t>MNDWI: </a:t>
-            </a:r>
-            <a:r>
-              <a:rPr lang="es-CL" sz="1400" dirty="0" err="1"/>
-              <a:t>Indice</a:t>
-            </a:r>
-            <a:r>
-              <a:rPr lang="es-CL" sz="1400" dirty="0"/>
-              <a:t> Diferencial Normalizado de Agua Modificado.</a:t>
+              <a:t>MNDWI: Indice Diferencial Normalizado de Agua Modificado.</a:t>
             </a:r>
           </a:p>
           <a:p>
@@ -19676,326 +20371,6 @@
           </a:p>
         </p:txBody>
       </p:sp>
-      <p:graphicFrame>
-        <p:nvGraphicFramePr>
-          <p:cNvPr id="4" name="Tabla 4">
-            <a:extLst>
-              <a:ext uri="{FF2B5EF4-FFF2-40B4-BE49-F238E27FC236}">
-                <a16:creationId xmlns:a16="http://schemas.microsoft.com/office/drawing/2014/main" id="{AD38DEC9-A33C-4B57-85D7-F9F73A870397}"/>
-              </a:ext>
-            </a:extLst>
-          </p:cNvPr>
-          <p:cNvGraphicFramePr>
-            <a:graphicFrameLocks noGrp="1"/>
-          </p:cNvGraphicFramePr>
-          <p:nvPr>
-            <p:ph idx="1"/>
-            <p:extLst>
-              <p:ext uri="{D42A27DB-BD31-4B8C-83A1-F6EECF244321}">
-                <p14:modId xmlns:p14="http://schemas.microsoft.com/office/powerpoint/2010/main" val="1152427956"/>
-              </p:ext>
-            </p:extLst>
-          </p:nvPr>
-        </p:nvGraphicFramePr>
-        <p:xfrm>
-          <a:off x="838200" y="1825625"/>
-          <a:ext cx="10515598" cy="1991360"/>
-        </p:xfrm>
-        <a:graphic>
-          <a:graphicData uri="http://schemas.openxmlformats.org/drawingml/2006/table">
-            <a:tbl>
-              <a:tblPr firstRow="1" bandRow="1">
-                <a:tableStyleId>{5C22544A-7EE6-4342-B048-85BDC9FD1C3A}</a:tableStyleId>
-              </a:tblPr>
-              <a:tblGrid>
-                <a:gridCol w="904103">
-                  <a:extLst>
-                    <a:ext uri="{9D8B030D-6E8A-4147-A177-3AD203B41FA5}">
-                      <a16:colId xmlns:a16="http://schemas.microsoft.com/office/drawing/2014/main" val="736968101"/>
-                    </a:ext>
-                  </a:extLst>
-                </a:gridCol>
-                <a:gridCol w="2261286">
-                  <a:extLst>
-                    <a:ext uri="{9D8B030D-6E8A-4147-A177-3AD203B41FA5}">
-                      <a16:colId xmlns:a16="http://schemas.microsoft.com/office/drawing/2014/main" val="3931947861"/>
-                    </a:ext>
-                  </a:extLst>
-                </a:gridCol>
-                <a:gridCol w="5795319">
-                  <a:extLst>
-                    <a:ext uri="{9D8B030D-6E8A-4147-A177-3AD203B41FA5}">
-                      <a16:colId xmlns:a16="http://schemas.microsoft.com/office/drawing/2014/main" val="3324385475"/>
-                    </a:ext>
-                  </a:extLst>
-                </a:gridCol>
-                <a:gridCol w="1554890">
-                  <a:extLst>
-                    <a:ext uri="{9D8B030D-6E8A-4147-A177-3AD203B41FA5}">
-                      <a16:colId xmlns:a16="http://schemas.microsoft.com/office/drawing/2014/main" val="2062850750"/>
-                    </a:ext>
-                  </a:extLst>
-                </a:gridCol>
-              </a:tblGrid>
-              <a:tr h="370840">
-                <a:tc>
-                  <a:txBody>
-                    <a:bodyPr/>
-                    <a:lstStyle/>
-                    <a:p>
-                      <a:endParaRPr lang="en-US" sz="1400" dirty="0"/>
-                    </a:p>
-                  </a:txBody>
-                  <a:tcPr/>
-                </a:tc>
-                <a:tc>
-                  <a:txBody>
-                    <a:bodyPr/>
-                    <a:lstStyle/>
-                    <a:p>
-                      <a:endParaRPr lang="en-US" sz="1400"/>
-                    </a:p>
-                  </a:txBody>
-                  <a:tcPr/>
-                </a:tc>
-                <a:tc>
-                  <a:txBody>
-                    <a:bodyPr/>
-                    <a:lstStyle/>
-                    <a:p>
-                      <a:endParaRPr lang="en-US" sz="1400" dirty="0"/>
-                    </a:p>
-                  </a:txBody>
-                  <a:tcPr/>
-                </a:tc>
-                <a:tc>
-                  <a:txBody>
-                    <a:bodyPr/>
-                    <a:lstStyle/>
-                    <a:p>
-                      <a:endParaRPr lang="en-US" sz="1400" dirty="0"/>
-                    </a:p>
-                  </a:txBody>
-                  <a:tcPr/>
-                </a:tc>
-                <a:extLst>
-                  <a:ext uri="{0D108BD9-81ED-4DB2-BD59-A6C34878D82A}">
-                    <a16:rowId xmlns:a16="http://schemas.microsoft.com/office/drawing/2014/main" val="456579648"/>
-                  </a:ext>
-                </a:extLst>
-              </a:tr>
-              <a:tr h="370840">
-                <a:tc>
-                  <a:txBody>
-                    <a:bodyPr/>
-                    <a:lstStyle/>
-                    <a:p>
-                      <a:r>
-                        <a:rPr lang="en-US" sz="1400" dirty="0"/>
-                        <a:t>NDWI</a:t>
-                      </a:r>
-                    </a:p>
-                  </a:txBody>
-                  <a:tcPr/>
-                </a:tc>
-                <a:tc>
-                  <a:txBody>
-                    <a:bodyPr/>
-                    <a:lstStyle/>
-                    <a:p>
-                      <a:r>
-                        <a:rPr lang="es-CL" sz="1400" dirty="0"/>
-                        <a:t>Índice Diferencial Normalizado de Agua</a:t>
-                      </a:r>
-                      <a:endParaRPr lang="en-US" sz="1400" dirty="0"/>
-                    </a:p>
-                  </a:txBody>
-                  <a:tcPr/>
-                </a:tc>
-                <a:tc>
-                  <a:txBody>
-                    <a:bodyPr/>
-                    <a:lstStyle/>
-                    <a:p>
-                      <a:r>
-                        <a:rPr lang="es-CL" sz="1400" dirty="0"/>
-                        <a:t>Este índice es para monitoreo de agua líquida de vegetación.</a:t>
-                      </a:r>
-                    </a:p>
-                    <a:p>
-                      <a:r>
-                        <a:rPr lang="es-CL" sz="1400" dirty="0"/>
-                        <a:t>Hidratación de la vegetación y humedad del suelo.</a:t>
-                      </a:r>
-                    </a:p>
-                    <a:p>
-                      <a:endParaRPr lang="en-US" sz="1400" dirty="0"/>
-                    </a:p>
-                  </a:txBody>
-                  <a:tcPr/>
-                </a:tc>
-                <a:tc>
-                  <a:txBody>
-                    <a:bodyPr/>
-                    <a:lstStyle/>
-                    <a:p>
-                      <a:endParaRPr lang="en-US" sz="1400" dirty="0"/>
-                    </a:p>
-                  </a:txBody>
-                  <a:tcPr/>
-                </a:tc>
-                <a:extLst>
-                  <a:ext uri="{0D108BD9-81ED-4DB2-BD59-A6C34878D82A}">
-                    <a16:rowId xmlns:a16="http://schemas.microsoft.com/office/drawing/2014/main" val="2592847059"/>
-                  </a:ext>
-                </a:extLst>
-              </a:tr>
-              <a:tr h="370840">
-                <a:tc>
-                  <a:txBody>
-                    <a:bodyPr/>
-                    <a:lstStyle/>
-                    <a:p>
-                      <a:r>
-                        <a:rPr lang="es-CL" sz="1400" dirty="0"/>
-                        <a:t>NDWI2</a:t>
-                      </a:r>
-                      <a:endParaRPr lang="en-US" sz="1400" dirty="0"/>
-                    </a:p>
-                  </a:txBody>
-                  <a:tcPr/>
-                </a:tc>
-                <a:tc>
-                  <a:txBody>
-                    <a:bodyPr/>
-                    <a:lstStyle/>
-                    <a:p>
-                      <a:pPr marL="0" marR="0" lvl="0" indent="0" algn="l" defTabSz="914400" rtl="0" eaLnBrk="1" fontAlgn="auto" latinLnBrk="0" hangingPunct="1">
-                        <a:lnSpc>
-                          <a:spcPct val="100000"/>
-                        </a:lnSpc>
-                        <a:spcBef>
-                          <a:spcPts val="0"/>
-                        </a:spcBef>
-                        <a:spcAft>
-                          <a:spcPts val="0"/>
-                        </a:spcAft>
-                        <a:buClrTx/>
-                        <a:buSzTx/>
-                        <a:buFontTx/>
-                        <a:buNone/>
-                        <a:tabLst/>
-                        <a:defRPr/>
-                      </a:pPr>
-                      <a:r>
-                        <a:rPr lang="es-CL" sz="1400" dirty="0"/>
-                        <a:t>Índice Diferencial Normalizado de Agua</a:t>
-                      </a:r>
-                      <a:endParaRPr lang="en-US" sz="1400" dirty="0"/>
-                    </a:p>
-                  </a:txBody>
-                  <a:tcPr/>
-                </a:tc>
-                <a:tc>
-                  <a:txBody>
-                    <a:bodyPr/>
-                    <a:lstStyle/>
-                    <a:p>
-                      <a:r>
-                        <a:rPr lang="es-CL" sz="1400" dirty="0"/>
-                        <a:t>Hidratación de la vegetación y humedad del suelo.</a:t>
-                      </a:r>
-                    </a:p>
-                    <a:p>
-                      <a:endParaRPr lang="en-US" sz="1400" dirty="0"/>
-                    </a:p>
-                  </a:txBody>
-                  <a:tcPr/>
-                </a:tc>
-                <a:tc>
-                  <a:txBody>
-                    <a:bodyPr/>
-                    <a:lstStyle/>
-                    <a:p>
-                      <a:endParaRPr lang="en-US" sz="1400" dirty="0"/>
-                    </a:p>
-                  </a:txBody>
-                  <a:tcPr/>
-                </a:tc>
-                <a:extLst>
-                  <a:ext uri="{0D108BD9-81ED-4DB2-BD59-A6C34878D82A}">
-                    <a16:rowId xmlns:a16="http://schemas.microsoft.com/office/drawing/2014/main" val="1776785300"/>
-                  </a:ext>
-                </a:extLst>
-              </a:tr>
-              <a:tr h="370840">
-                <a:tc>
-                  <a:txBody>
-                    <a:bodyPr/>
-                    <a:lstStyle/>
-                    <a:p>
-                      <a:endParaRPr lang="en-US" sz="1400" dirty="0"/>
-                    </a:p>
-                  </a:txBody>
-                  <a:tcPr/>
-                </a:tc>
-                <a:tc>
-                  <a:txBody>
-                    <a:bodyPr/>
-                    <a:lstStyle/>
-                    <a:p>
-                      <a:pPr marL="0" marR="0" lvl="0" indent="0" algn="l" defTabSz="914400" rtl="0" eaLnBrk="1" fontAlgn="auto" latinLnBrk="0" hangingPunct="1">
-                        <a:lnSpc>
-                          <a:spcPct val="100000"/>
-                        </a:lnSpc>
-                        <a:spcBef>
-                          <a:spcPts val="0"/>
-                        </a:spcBef>
-                        <a:spcAft>
-                          <a:spcPts val="0"/>
-                        </a:spcAft>
-                        <a:buClrTx/>
-                        <a:buSzTx/>
-                        <a:buFontTx/>
-                        <a:buNone/>
-                        <a:tabLst/>
-                        <a:defRPr/>
-                      </a:pPr>
-                      <a:endParaRPr lang="en-US" sz="1400" dirty="0"/>
-                    </a:p>
-                  </a:txBody>
-                  <a:tcPr/>
-                </a:tc>
-                <a:tc>
-                  <a:txBody>
-                    <a:bodyPr/>
-                    <a:lstStyle/>
-                    <a:p>
-                      <a:endParaRPr lang="en-US" sz="1400" dirty="0"/>
-                    </a:p>
-                  </a:txBody>
-                  <a:tcPr/>
-                </a:tc>
-                <a:tc>
-                  <a:txBody>
-                    <a:bodyPr/>
-                    <a:lstStyle/>
-                    <a:p>
-                      <a:endParaRPr lang="en-US" sz="1400" dirty="0"/>
-                    </a:p>
-                  </a:txBody>
-                  <a:tcPr/>
-                </a:tc>
-                <a:extLst>
-                  <a:ext uri="{0D108BD9-81ED-4DB2-BD59-A6C34878D82A}">
-                    <a16:rowId xmlns:a16="http://schemas.microsoft.com/office/drawing/2014/main" val="1365593165"/>
-                  </a:ext>
-                </a:extLst>
-              </a:tr>
-            </a:tbl>
-          </a:graphicData>
-        </a:graphic>
-      </p:graphicFrame>
       <p:pic>
         <p:nvPicPr>
           <p:cNvPr id="6" name="Imagen 5">
@@ -20084,6 +20459,31 @@
           </a:prstGeom>
         </p:spPr>
       </p:pic>
+      <p:sp>
+        <p:nvSpPr>
+          <p:cNvPr id="5" name="Marcador de contenido 4">
+            <a:extLst>
+              <a:ext uri="{FF2B5EF4-FFF2-40B4-BE49-F238E27FC236}">
+                <a16:creationId xmlns:a16="http://schemas.microsoft.com/office/drawing/2014/main" id="{49300714-4532-4601-9CEC-04C25D592880}"/>
+              </a:ext>
+            </a:extLst>
+          </p:cNvPr>
+          <p:cNvSpPr>
+            <a:spLocks noGrp="1"/>
+          </p:cNvSpPr>
+          <p:nvPr>
+            <p:ph idx="1"/>
+          </p:nvPr>
+        </p:nvSpPr>
+        <p:spPr/>
+        <p:txBody>
+          <a:bodyPr/>
+          <a:lstStyle/>
+          <a:p>
+            <a:endParaRPr lang="es-CL"/>
+          </a:p>
+        </p:txBody>
+      </p:sp>
     </p:spTree>
     <p:extLst>
       <p:ext uri="{BB962C8B-B14F-4D97-AF65-F5344CB8AC3E}">
@@ -20774,7 +21174,7 @@
         <p:spPr>
           <a:xfrm>
             <a:off x="3024579" y="1174812"/>
-            <a:ext cx="4969765" cy="1600438"/>
+            <a:ext cx="4969765" cy="1384995"/>
           </a:xfrm>
           <a:prstGeom prst="rect">
             <a:avLst/>
@@ -20789,27 +21189,21 @@
           <a:p>
             <a:r>
               <a:rPr lang="es-CL" sz="1400" dirty="0"/>
-              <a:t>NDPI: </a:t>
+              <a:t>NDPI: Indice  Diferencial Normalizado de Fenología</a:t>
+            </a:r>
+          </a:p>
+          <a:p>
+            <a:r>
+              <a:rPr lang="es-CL" sz="1400" dirty="0"/>
+              <a:t>Objetivo: i)Monitoreo de vegetación verde en regiones cubiertas por nieve, </a:t>
             </a:r>
             <a:r>
               <a:rPr lang="es-CL" sz="1400" dirty="0" err="1"/>
-              <a:t>Indice</a:t>
+              <a:t>ii</a:t>
             </a:r>
             <a:r>
               <a:rPr lang="es-CL" sz="1400" dirty="0"/>
-              <a:t>  Diferencial Normalizado de Fenología</a:t>
-            </a:r>
-          </a:p>
-          <a:p>
-            <a:r>
-              <a:rPr lang="es-CL" sz="1400" dirty="0"/>
-              <a:t>Objetivo: Monitoreo de vegetación verde en regiones cubiertas por nieve.</a:t>
-            </a:r>
-          </a:p>
-          <a:p>
-            <a:r>
-              <a:rPr lang="es-CL" sz="1400" dirty="0"/>
-              <a:t>Monitoreo brotación primavera</a:t>
+              <a:t>) Monitoreo brotación primavera</a:t>
             </a:r>
           </a:p>
           <a:p>
@@ -21445,7 +21839,7 @@
         <p:spPr>
           <a:xfrm>
             <a:off x="2756409" y="1116470"/>
-            <a:ext cx="4907294" cy="1384995"/>
+            <a:ext cx="4907294" cy="1169551"/>
           </a:xfrm>
           <a:prstGeom prst="rect">
             <a:avLst/>
@@ -21465,87 +21859,7 @@
                 </a:solidFill>
                 <a:latin typeface="Open Sans" panose="020B0606030504020204" pitchFamily="34" charset="0"/>
               </a:rPr>
-              <a:t>Normalized </a:t>
-            </a:r>
-            <a:r>
-              <a:rPr lang="es-CL" sz="1400" dirty="0" err="1">
-                <a:solidFill>
-                  <a:srgbClr val="212A33"/>
-                </a:solidFill>
-                <a:latin typeface="Open Sans" panose="020B0606030504020204" pitchFamily="34" charset="0"/>
-              </a:rPr>
-              <a:t>Difference</a:t>
-            </a:r>
-            <a:r>
-              <a:rPr lang="es-CL" sz="1400" dirty="0">
-                <a:solidFill>
-                  <a:srgbClr val="212A33"/>
-                </a:solidFill>
-                <a:latin typeface="Open Sans" panose="020B0606030504020204" pitchFamily="34" charset="0"/>
-              </a:rPr>
-              <a:t> </a:t>
-            </a:r>
-            <a:r>
-              <a:rPr lang="es-CL" sz="1400" dirty="0" err="1">
-                <a:solidFill>
-                  <a:srgbClr val="212A33"/>
-                </a:solidFill>
-                <a:latin typeface="Open Sans" panose="020B0606030504020204" pitchFamily="34" charset="0"/>
-              </a:rPr>
-              <a:t>Pond</a:t>
-            </a:r>
-            <a:r>
-              <a:rPr lang="es-CL" sz="1400" dirty="0">
-                <a:solidFill>
-                  <a:srgbClr val="212A33"/>
-                </a:solidFill>
-                <a:latin typeface="Open Sans" panose="020B0606030504020204" pitchFamily="34" charset="0"/>
-              </a:rPr>
-              <a:t> </a:t>
-            </a:r>
-            <a:r>
-              <a:rPr lang="es-CL" sz="1400" dirty="0" err="1">
-                <a:solidFill>
-                  <a:srgbClr val="212A33"/>
-                </a:solidFill>
-                <a:latin typeface="Open Sans" panose="020B0606030504020204" pitchFamily="34" charset="0"/>
-              </a:rPr>
-              <a:t>Index</a:t>
-            </a:r>
-            <a:endParaRPr lang="es-CL" sz="1400" dirty="0">
-              <a:solidFill>
-                <a:srgbClr val="212A33"/>
-              </a:solidFill>
-              <a:latin typeface="Open Sans" panose="020B0606030504020204" pitchFamily="34" charset="0"/>
-            </a:endParaRPr>
-          </a:p>
-          <a:p>
-            <a:r>
-              <a:rPr lang="es-CL" sz="1400" dirty="0">
-                <a:solidFill>
-                  <a:srgbClr val="212A33"/>
-                </a:solidFill>
-                <a:latin typeface="Open Sans" panose="020B0606030504020204" pitchFamily="34" charset="0"/>
-              </a:rPr>
-              <a:t>NDPI: </a:t>
-            </a:r>
-            <a:r>
-              <a:rPr lang="es-CL" sz="1400" dirty="0" err="1">
-                <a:solidFill>
-                  <a:srgbClr val="212A33"/>
-                </a:solidFill>
-                <a:latin typeface="Open Sans" panose="020B0606030504020204" pitchFamily="34" charset="0"/>
-              </a:rPr>
-              <a:t>Indice</a:t>
-            </a:r>
-            <a:r>
-              <a:rPr lang="es-CL" sz="1400" dirty="0">
-                <a:solidFill>
-                  <a:srgbClr val="212A33"/>
-                </a:solidFill>
-                <a:latin typeface="Open Sans" panose="020B0606030504020204" pitchFamily="34" charset="0"/>
-              </a:rPr>
-              <a:t> Diferencial Normalizado de Estanques.</a:t>
+              <a:t>NDPI: Indice Diferencial Normalizado de Estanques.</a:t>
             </a:r>
           </a:p>
           <a:p>
@@ -21582,18 +21896,7 @@
                 </a:solidFill>
                 <a:latin typeface="Open Sans" panose="020B0606030504020204" pitchFamily="34" charset="0"/>
               </a:rPr>
-              <a:t> terrestre y acuática.</a:t>
-            </a:r>
-          </a:p>
-          <a:p>
-            <a:r>
-              <a:rPr lang="es-CL" sz="1400" dirty="0">
-                <a:solidFill>
-                  <a:srgbClr val="212A33"/>
-                </a:solidFill>
-                <a:latin typeface="Open Sans" panose="020B0606030504020204" pitchFamily="34" charset="0"/>
-              </a:rPr>
-              <a:t>Mejor diferenciación entre la vegetación acuática y de pantano y humedales de la vegetación normal.</a:t>
+              <a:t> terrestre y acuática. Mejor diferenciación entre la vegetación acuática y de pantano y humedales de la vegetación normal.</a:t>
             </a:r>
           </a:p>
         </p:txBody>
@@ -21790,7 +22093,7 @@
           <a:p>
             <a:r>
               <a:rPr lang="es-419" sz="1400" dirty="0"/>
-              <a:t>Índices de Humedad</a:t>
+              <a:t>Índice de Labranza</a:t>
             </a:r>
             <a:endParaRPr lang="es-HN" sz="1400" dirty="0"/>
           </a:p>
@@ -21852,7 +22155,7 @@
         <p:spPr>
           <a:xfrm>
             <a:off x="355500" y="1481666"/>
-            <a:ext cx="0" cy="2269118"/>
+            <a:ext cx="0" cy="455616"/>
           </a:xfrm>
           <a:prstGeom prst="line">
             <a:avLst/>
@@ -21875,10 +22178,10 @@
       </p:cxnSp>
       <p:sp>
         <p:nvSpPr>
-          <p:cNvPr id="84" name="TextBox 83">
-            <a:extLst>
-              <a:ext uri="{FF2B5EF4-FFF2-40B4-BE49-F238E27FC236}">
-                <a16:creationId xmlns:a16="http://schemas.microsoft.com/office/drawing/2014/main" id="{BFFCDECA-C04B-4C1A-B418-915EF11ECC93}"/>
+          <p:cNvPr id="92" name="TextBox 91">
+            <a:extLst>
+              <a:ext uri="{FF2B5EF4-FFF2-40B4-BE49-F238E27FC236}">
+                <a16:creationId xmlns:a16="http://schemas.microsoft.com/office/drawing/2014/main" id="{EB9BF13C-6787-4BB3-B311-EA3ECC91FAE8}"/>
               </a:ext>
             </a:extLst>
           </p:cNvPr>
@@ -21887,12 +22190,15 @@
         </p:nvSpPr>
         <p:spPr>
           <a:xfrm>
-            <a:off x="577401" y="1804084"/>
+            <a:off x="524119" y="1798783"/>
             <a:ext cx="748382" cy="276999"/>
           </a:xfrm>
           <a:prstGeom prst="rect">
             <a:avLst/>
           </a:prstGeom>
+          <a:solidFill>
+            <a:schemeClr val="accent2"/>
+          </a:solidFill>
         </p:spPr>
         <p:style>
           <a:lnRef idx="1">
@@ -21916,249 +22222,6 @@
           <a:p>
             <a:r>
               <a:rPr lang="es-HN" sz="1200" dirty="0"/>
-              <a:t>NDWI</a:t>
-            </a:r>
-          </a:p>
-        </p:txBody>
-      </p:sp>
-      <p:sp>
-        <p:nvSpPr>
-          <p:cNvPr id="86" name="TextBox 85">
-            <a:extLst>
-              <a:ext uri="{FF2B5EF4-FFF2-40B4-BE49-F238E27FC236}">
-                <a16:creationId xmlns:a16="http://schemas.microsoft.com/office/drawing/2014/main" id="{EC45C577-9CBE-4143-9587-02057055E0FE}"/>
-              </a:ext>
-            </a:extLst>
-          </p:cNvPr>
-          <p:cNvSpPr txBox="1"/>
-          <p:nvPr/>
-        </p:nvSpPr>
-        <p:spPr>
-          <a:xfrm>
-            <a:off x="577401" y="2166607"/>
-            <a:ext cx="748382" cy="276999"/>
-          </a:xfrm>
-          <a:prstGeom prst="rect">
-            <a:avLst/>
-          </a:prstGeom>
-        </p:spPr>
-        <p:style>
-          <a:lnRef idx="1">
-            <a:schemeClr val="accent5"/>
-          </a:lnRef>
-          <a:fillRef idx="3">
-            <a:schemeClr val="accent5"/>
-          </a:fillRef>
-          <a:effectRef idx="2">
-            <a:schemeClr val="accent5"/>
-          </a:effectRef>
-          <a:fontRef idx="minor">
-            <a:schemeClr val="lt1"/>
-          </a:fontRef>
-        </p:style>
-        <p:txBody>
-          <a:bodyPr wrap="square" rtlCol="0">
-            <a:spAutoFit/>
-          </a:bodyPr>
-          <a:lstStyle/>
-          <a:p>
-            <a:r>
-              <a:rPr lang="es-HN" sz="1200" dirty="0"/>
-              <a:t>NDWI2</a:t>
-            </a:r>
-          </a:p>
-        </p:txBody>
-      </p:sp>
-      <p:sp>
-        <p:nvSpPr>
-          <p:cNvPr id="88" name="TextBox 87">
-            <a:extLst>
-              <a:ext uri="{FF2B5EF4-FFF2-40B4-BE49-F238E27FC236}">
-                <a16:creationId xmlns:a16="http://schemas.microsoft.com/office/drawing/2014/main" id="{F81121C0-F22E-4A37-B1AF-9CADFD72C1F3}"/>
-              </a:ext>
-            </a:extLst>
-          </p:cNvPr>
-          <p:cNvSpPr txBox="1"/>
-          <p:nvPr/>
-        </p:nvSpPr>
-        <p:spPr>
-          <a:xfrm>
-            <a:off x="577401" y="2529127"/>
-            <a:ext cx="748382" cy="276999"/>
-          </a:xfrm>
-          <a:prstGeom prst="rect">
-            <a:avLst/>
-          </a:prstGeom>
-        </p:spPr>
-        <p:style>
-          <a:lnRef idx="1">
-            <a:schemeClr val="accent5"/>
-          </a:lnRef>
-          <a:fillRef idx="3">
-            <a:schemeClr val="accent5"/>
-          </a:fillRef>
-          <a:effectRef idx="2">
-            <a:schemeClr val="accent5"/>
-          </a:effectRef>
-          <a:fontRef idx="minor">
-            <a:schemeClr val="lt1"/>
-          </a:fontRef>
-        </p:style>
-        <p:txBody>
-          <a:bodyPr wrap="square" rtlCol="0">
-            <a:spAutoFit/>
-          </a:bodyPr>
-          <a:lstStyle/>
-          <a:p>
-            <a:r>
-              <a:rPr lang="es-HN" sz="1200" dirty="0"/>
-              <a:t>MNDWI</a:t>
-            </a:r>
-          </a:p>
-        </p:txBody>
-      </p:sp>
-      <p:sp>
-        <p:nvSpPr>
-          <p:cNvPr id="90" name="TextBox 89">
-            <a:extLst>
-              <a:ext uri="{FF2B5EF4-FFF2-40B4-BE49-F238E27FC236}">
-                <a16:creationId xmlns:a16="http://schemas.microsoft.com/office/drawing/2014/main" id="{40E8B9E7-59F2-4168-B1F1-D34AD46A617F}"/>
-              </a:ext>
-            </a:extLst>
-          </p:cNvPr>
-          <p:cNvSpPr txBox="1"/>
-          <p:nvPr/>
-        </p:nvSpPr>
-        <p:spPr>
-          <a:xfrm>
-            <a:off x="577401" y="2891647"/>
-            <a:ext cx="748382" cy="276999"/>
-          </a:xfrm>
-          <a:prstGeom prst="rect">
-            <a:avLst/>
-          </a:prstGeom>
-        </p:spPr>
-        <p:style>
-          <a:lnRef idx="1">
-            <a:schemeClr val="accent5"/>
-          </a:lnRef>
-          <a:fillRef idx="3">
-            <a:schemeClr val="accent5"/>
-          </a:fillRef>
-          <a:effectRef idx="2">
-            <a:schemeClr val="accent5"/>
-          </a:effectRef>
-          <a:fontRef idx="minor">
-            <a:schemeClr val="lt1"/>
-          </a:fontRef>
-        </p:style>
-        <p:txBody>
-          <a:bodyPr wrap="square" rtlCol="0">
-            <a:spAutoFit/>
-          </a:bodyPr>
-          <a:lstStyle/>
-          <a:p>
-            <a:r>
-              <a:rPr lang="es-HN" sz="1200" dirty="0"/>
-              <a:t>NDPI</a:t>
-            </a:r>
-          </a:p>
-        </p:txBody>
-      </p:sp>
-      <p:sp>
-        <p:nvSpPr>
-          <p:cNvPr id="92" name="TextBox 91">
-            <a:extLst>
-              <a:ext uri="{FF2B5EF4-FFF2-40B4-BE49-F238E27FC236}">
-                <a16:creationId xmlns:a16="http://schemas.microsoft.com/office/drawing/2014/main" id="{EB9BF13C-6787-4BB3-B311-EA3ECC91FAE8}"/>
-              </a:ext>
-            </a:extLst>
-          </p:cNvPr>
-          <p:cNvSpPr txBox="1"/>
-          <p:nvPr/>
-        </p:nvSpPr>
-        <p:spPr>
-          <a:xfrm>
-            <a:off x="577401" y="3252998"/>
-            <a:ext cx="748382" cy="276999"/>
-          </a:xfrm>
-          <a:prstGeom prst="rect">
-            <a:avLst/>
-          </a:prstGeom>
-          <a:solidFill>
-            <a:schemeClr val="accent2"/>
-          </a:solidFill>
-        </p:spPr>
-        <p:style>
-          <a:lnRef idx="1">
-            <a:schemeClr val="accent5"/>
-          </a:lnRef>
-          <a:fillRef idx="3">
-            <a:schemeClr val="accent5"/>
-          </a:fillRef>
-          <a:effectRef idx="2">
-            <a:schemeClr val="accent5"/>
-          </a:effectRef>
-          <a:fontRef idx="minor">
-            <a:schemeClr val="lt1"/>
-          </a:fontRef>
-        </p:style>
-        <p:txBody>
-          <a:bodyPr wrap="square" rtlCol="0">
-            <a:spAutoFit/>
-          </a:bodyPr>
-          <a:lstStyle/>
-          <a:p>
-            <a:r>
-              <a:rPr lang="es-HN" sz="1200" dirty="0"/>
-              <a:t>NDTI</a:t>
-            </a:r>
-          </a:p>
-        </p:txBody>
-      </p:sp>
-      <p:sp>
-        <p:nvSpPr>
-          <p:cNvPr id="94" name="TextBox 93">
-            <a:extLst>
-              <a:ext uri="{FF2B5EF4-FFF2-40B4-BE49-F238E27FC236}">
-                <a16:creationId xmlns:a16="http://schemas.microsoft.com/office/drawing/2014/main" id="{7863D3F8-E646-4C5B-A659-9507F3BE18CC}"/>
-              </a:ext>
-            </a:extLst>
-          </p:cNvPr>
-          <p:cNvSpPr txBox="1"/>
-          <p:nvPr/>
-        </p:nvSpPr>
-        <p:spPr>
-          <a:xfrm>
-            <a:off x="577401" y="3639093"/>
-            <a:ext cx="748382" cy="276999"/>
-          </a:xfrm>
-          <a:prstGeom prst="rect">
-            <a:avLst/>
-          </a:prstGeom>
-        </p:spPr>
-        <p:style>
-          <a:lnRef idx="1">
-            <a:schemeClr val="accent5"/>
-          </a:lnRef>
-          <a:fillRef idx="3">
-            <a:schemeClr val="accent5"/>
-          </a:fillRef>
-          <a:effectRef idx="2">
-            <a:schemeClr val="accent5"/>
-          </a:effectRef>
-          <a:fontRef idx="minor">
-            <a:schemeClr val="lt1"/>
-          </a:fontRef>
-        </p:style>
-        <p:txBody>
-          <a:bodyPr wrap="square" rtlCol="0">
-            <a:spAutoFit/>
-          </a:bodyPr>
-          <a:lstStyle/>
-          <a:p>
-            <a:r>
-              <a:rPr lang="es-HN" sz="1200" dirty="0"/>
               <a:t>NDTI</a:t>
             </a:r>
           </a:p>
@@ -22202,196 +22265,6 @@
           </a:fontRef>
         </p:style>
       </p:cxnSp>
-      <p:cxnSp>
-        <p:nvCxnSpPr>
-          <p:cNvPr id="97" name="Straight Connector 96">
-            <a:extLst>
-              <a:ext uri="{FF2B5EF4-FFF2-40B4-BE49-F238E27FC236}">
-                <a16:creationId xmlns:a16="http://schemas.microsoft.com/office/drawing/2014/main" id="{DE064451-9279-4021-872E-FB0C83EBA992}"/>
-              </a:ext>
-            </a:extLst>
-          </p:cNvPr>
-          <p:cNvCxnSpPr>
-            <a:cxnSpLocks/>
-          </p:cNvCxnSpPr>
-          <p:nvPr/>
-        </p:nvCxnSpPr>
-        <p:spPr>
-          <a:xfrm flipH="1" flipV="1">
-            <a:off x="331426" y="2303490"/>
-            <a:ext cx="147761" cy="1"/>
-          </a:xfrm>
-          <a:prstGeom prst="line">
-            <a:avLst/>
-          </a:prstGeom>
-        </p:spPr>
-        <p:style>
-          <a:lnRef idx="1">
-            <a:schemeClr val="accent1"/>
-          </a:lnRef>
-          <a:fillRef idx="0">
-            <a:schemeClr val="accent1"/>
-          </a:fillRef>
-          <a:effectRef idx="0">
-            <a:schemeClr val="accent1"/>
-          </a:effectRef>
-          <a:fontRef idx="minor">
-            <a:schemeClr val="tx1"/>
-          </a:fontRef>
-        </p:style>
-      </p:cxnSp>
-      <p:cxnSp>
-        <p:nvCxnSpPr>
-          <p:cNvPr id="98" name="Straight Connector 97">
-            <a:extLst>
-              <a:ext uri="{FF2B5EF4-FFF2-40B4-BE49-F238E27FC236}">
-                <a16:creationId xmlns:a16="http://schemas.microsoft.com/office/drawing/2014/main" id="{CB350C15-108D-4456-B4B9-EDF9A355A328}"/>
-              </a:ext>
-            </a:extLst>
-          </p:cNvPr>
-          <p:cNvCxnSpPr>
-            <a:cxnSpLocks/>
-          </p:cNvCxnSpPr>
-          <p:nvPr/>
-        </p:nvCxnSpPr>
-        <p:spPr>
-          <a:xfrm flipH="1" flipV="1">
-            <a:off x="331425" y="2669899"/>
-            <a:ext cx="147761" cy="1"/>
-          </a:xfrm>
-          <a:prstGeom prst="line">
-            <a:avLst/>
-          </a:prstGeom>
-        </p:spPr>
-        <p:style>
-          <a:lnRef idx="1">
-            <a:schemeClr val="accent1"/>
-          </a:lnRef>
-          <a:fillRef idx="0">
-            <a:schemeClr val="accent1"/>
-          </a:fillRef>
-          <a:effectRef idx="0">
-            <a:schemeClr val="accent1"/>
-          </a:effectRef>
-          <a:fontRef idx="minor">
-            <a:schemeClr val="tx1"/>
-          </a:fontRef>
-        </p:style>
-      </p:cxnSp>
-      <p:cxnSp>
-        <p:nvCxnSpPr>
-          <p:cNvPr id="99" name="Straight Connector 98">
-            <a:extLst>
-              <a:ext uri="{FF2B5EF4-FFF2-40B4-BE49-F238E27FC236}">
-                <a16:creationId xmlns:a16="http://schemas.microsoft.com/office/drawing/2014/main" id="{950180C0-8AA2-4987-A111-36630305C04E}"/>
-              </a:ext>
-            </a:extLst>
-          </p:cNvPr>
-          <p:cNvCxnSpPr>
-            <a:cxnSpLocks/>
-          </p:cNvCxnSpPr>
-          <p:nvPr/>
-        </p:nvCxnSpPr>
-        <p:spPr>
-          <a:xfrm flipH="1" flipV="1">
-            <a:off x="331424" y="3045203"/>
-            <a:ext cx="147761" cy="1"/>
-          </a:xfrm>
-          <a:prstGeom prst="line">
-            <a:avLst/>
-          </a:prstGeom>
-        </p:spPr>
-        <p:style>
-          <a:lnRef idx="1">
-            <a:schemeClr val="accent1"/>
-          </a:lnRef>
-          <a:fillRef idx="0">
-            <a:schemeClr val="accent1"/>
-          </a:fillRef>
-          <a:effectRef idx="0">
-            <a:schemeClr val="accent1"/>
-          </a:effectRef>
-          <a:fontRef idx="minor">
-            <a:schemeClr val="tx1"/>
-          </a:fontRef>
-        </p:style>
-      </p:cxnSp>
-      <p:cxnSp>
-        <p:nvCxnSpPr>
-          <p:cNvPr id="100" name="Straight Connector 99">
-            <a:extLst>
-              <a:ext uri="{FF2B5EF4-FFF2-40B4-BE49-F238E27FC236}">
-                <a16:creationId xmlns:a16="http://schemas.microsoft.com/office/drawing/2014/main" id="{A5A76FC1-16B7-4C99-BF2F-23A1A88823A8}"/>
-              </a:ext>
-            </a:extLst>
-          </p:cNvPr>
-          <p:cNvCxnSpPr>
-            <a:cxnSpLocks/>
-          </p:cNvCxnSpPr>
-          <p:nvPr/>
-        </p:nvCxnSpPr>
-        <p:spPr>
-          <a:xfrm flipH="1" flipV="1">
-            <a:off x="331423" y="3393770"/>
-            <a:ext cx="147761" cy="1"/>
-          </a:xfrm>
-          <a:prstGeom prst="line">
-            <a:avLst/>
-          </a:prstGeom>
-        </p:spPr>
-        <p:style>
-          <a:lnRef idx="1">
-            <a:schemeClr val="accent1"/>
-          </a:lnRef>
-          <a:fillRef idx="0">
-            <a:schemeClr val="accent1"/>
-          </a:fillRef>
-          <a:effectRef idx="0">
-            <a:schemeClr val="accent1"/>
-          </a:effectRef>
-          <a:fontRef idx="minor">
-            <a:schemeClr val="tx1"/>
-          </a:fontRef>
-        </p:style>
-      </p:cxnSp>
-      <p:cxnSp>
-        <p:nvCxnSpPr>
-          <p:cNvPr id="101" name="Straight Connector 100">
-            <a:extLst>
-              <a:ext uri="{FF2B5EF4-FFF2-40B4-BE49-F238E27FC236}">
-                <a16:creationId xmlns:a16="http://schemas.microsoft.com/office/drawing/2014/main" id="{82365663-F05D-4CC0-A0E9-058285C05BF8}"/>
-              </a:ext>
-            </a:extLst>
-          </p:cNvPr>
-          <p:cNvCxnSpPr>
-            <a:cxnSpLocks/>
-          </p:cNvCxnSpPr>
-          <p:nvPr/>
-        </p:nvCxnSpPr>
-        <p:spPr>
-          <a:xfrm flipH="1" flipV="1">
-            <a:off x="331423" y="3753057"/>
-            <a:ext cx="147761" cy="1"/>
-          </a:xfrm>
-          <a:prstGeom prst="line">
-            <a:avLst/>
-          </a:prstGeom>
-        </p:spPr>
-        <p:style>
-          <a:lnRef idx="1">
-            <a:schemeClr val="accent1"/>
-          </a:lnRef>
-          <a:fillRef idx="0">
-            <a:schemeClr val="accent1"/>
-          </a:fillRef>
-          <a:effectRef idx="0">
-            <a:schemeClr val="accent1"/>
-          </a:effectRef>
-          <a:fontRef idx="minor">
-            <a:schemeClr val="tx1"/>
-          </a:fontRef>
-        </p:style>
-      </p:cxnSp>
       <p:sp>
         <p:nvSpPr>
           <p:cNvPr id="72" name="CuadroTexto 71">
@@ -22406,7 +22279,7 @@
         </p:nvSpPr>
         <p:spPr>
           <a:xfrm>
-            <a:off x="3938954" y="3750784"/>
+            <a:off x="4100879" y="2823683"/>
             <a:ext cx="6099716" cy="369332"/>
           </a:xfrm>
           <a:prstGeom prst="rect">
@@ -22442,8 +22315,8 @@
         </p:nvSpPr>
         <p:spPr>
           <a:xfrm>
-            <a:off x="3457428" y="3447731"/>
-            <a:ext cx="6096000" cy="646331"/>
+            <a:off x="3346296" y="403014"/>
+            <a:ext cx="6096000" cy="1169551"/>
           </a:xfrm>
           <a:prstGeom prst="rect">
             <a:avLst/>
@@ -22457,42 +22330,166 @@
           <a:lstStyle/>
           <a:p>
             <a:r>
-              <a:rPr lang="en-US" dirty="0"/>
-              <a:t>Normalized Difference Tillage Index</a:t>
-            </a:r>
-          </a:p>
-          <a:p>
-            <a:r>
-              <a:rPr lang="en-US" dirty="0" err="1"/>
-              <a:t>Monitoreo</a:t>
-            </a:r>
-            <a:r>
-              <a:rPr lang="en-US" dirty="0"/>
-              <a:t> para </a:t>
-            </a:r>
-            <a:r>
-              <a:rPr lang="en-US" dirty="0" err="1"/>
-              <a:t>estimaciòn</a:t>
-            </a:r>
-            <a:r>
-              <a:rPr lang="en-US" dirty="0"/>
+              <a:rPr lang="en-US" sz="1400" dirty="0"/>
+              <a:t>Normalized Difference Tillage Index (Indice </a:t>
+            </a:r>
+            <a:r>
+              <a:rPr lang="en-US" sz="1400" dirty="0" err="1"/>
+              <a:t>Diferencial</a:t>
+            </a:r>
+            <a:r>
+              <a:rPr lang="en-US" sz="1400" dirty="0"/>
+              <a:t> </a:t>
+            </a:r>
+            <a:r>
+              <a:rPr lang="en-US" sz="1400" dirty="0" err="1"/>
+              <a:t>Normalizado</a:t>
+            </a:r>
+            <a:r>
+              <a:rPr lang="en-US" sz="1400" dirty="0"/>
               <a:t> de </a:t>
             </a:r>
             <a:r>
-              <a:rPr lang="en-US" dirty="0" err="1"/>
+              <a:rPr lang="en-US" sz="1400" dirty="0" err="1"/>
+              <a:t>Labranza</a:t>
+            </a:r>
+            <a:r>
+              <a:rPr lang="en-US" sz="1400" dirty="0"/>
+              <a:t>)</a:t>
+            </a:r>
+          </a:p>
+          <a:p>
+            <a:r>
+              <a:rPr lang="en-US" sz="1400" dirty="0"/>
+              <a:t>NDTI: Indice </a:t>
+            </a:r>
+            <a:r>
+              <a:rPr lang="en-US" sz="1400" dirty="0" err="1"/>
+              <a:t>Diferencial</a:t>
+            </a:r>
+            <a:r>
+              <a:rPr lang="en-US" sz="1400" dirty="0"/>
+              <a:t> </a:t>
+            </a:r>
+            <a:r>
+              <a:rPr lang="en-US" sz="1400" dirty="0" err="1"/>
+              <a:t>Normalizado</a:t>
+            </a:r>
+            <a:r>
+              <a:rPr lang="en-US" sz="1400" dirty="0"/>
+              <a:t> de </a:t>
+            </a:r>
+            <a:r>
+              <a:rPr lang="en-US" sz="1400" dirty="0" err="1"/>
+              <a:t>Labranza</a:t>
+            </a:r>
+            <a:r>
+              <a:rPr lang="en-US" sz="1400" dirty="0"/>
+              <a:t>.</a:t>
+            </a:r>
+          </a:p>
+          <a:p>
+            <a:r>
+              <a:rPr lang="en-US" sz="1400" dirty="0" err="1"/>
+              <a:t>Objetivo</a:t>
+            </a:r>
+            <a:r>
+              <a:rPr lang="en-US" sz="1400" dirty="0"/>
+              <a:t>:</a:t>
+            </a:r>
+          </a:p>
+          <a:p>
+            <a:r>
+              <a:rPr lang="en-US" sz="1400" dirty="0"/>
+              <a:t>Monitoreo para </a:t>
+            </a:r>
+            <a:r>
+              <a:rPr lang="en-US" sz="1400" dirty="0" err="1"/>
+              <a:t>estimación</a:t>
+            </a:r>
+            <a:r>
+              <a:rPr lang="en-US" sz="1400" dirty="0"/>
+              <a:t> de </a:t>
+            </a:r>
+            <a:r>
+              <a:rPr lang="en-US" sz="1400" dirty="0" err="1"/>
               <a:t>cubierta</a:t>
             </a:r>
             <a:r>
-              <a:rPr lang="en-US" dirty="0"/>
-              <a:t> (</a:t>
-            </a:r>
-            <a:r>
-              <a:rPr lang="en-US" dirty="0" err="1"/>
-              <a:t>residuos</a:t>
-            </a:r>
-            <a:r>
-              <a:rPr lang="en-US" dirty="0"/>
-              <a:t>)</a:t>
+              <a:rPr lang="en-US" sz="1400" dirty="0"/>
+              <a:t> de </a:t>
+            </a:r>
+            <a:r>
+              <a:rPr lang="en-US" sz="1400" dirty="0" err="1"/>
+              <a:t>suelo</a:t>
+            </a:r>
+            <a:r>
+              <a:rPr lang="en-US" sz="1400" dirty="0"/>
+              <a:t>. </a:t>
+            </a:r>
+            <a:r>
+              <a:rPr lang="en-US" sz="1400" dirty="0" err="1"/>
+              <a:t>En</a:t>
+            </a:r>
+            <a:r>
+              <a:rPr lang="en-US" sz="1400" dirty="0"/>
+              <a:t> tierras </a:t>
+            </a:r>
+            <a:r>
+              <a:rPr lang="en-US" sz="1400" dirty="0" err="1"/>
+              <a:t>agrícolas</a:t>
+            </a:r>
+            <a:r>
+              <a:rPr lang="en-US" sz="1400" dirty="0"/>
+              <a:t> </a:t>
+            </a:r>
+            <a:r>
+              <a:rPr lang="en-US" sz="1400" dirty="0" err="1"/>
+              <a:t>puede</a:t>
+            </a:r>
+            <a:r>
+              <a:rPr lang="en-US" sz="1400" dirty="0"/>
+              <a:t> </a:t>
+            </a:r>
+            <a:r>
+              <a:rPr lang="en-US" sz="1400" dirty="0" err="1"/>
+              <a:t>diferenciar</a:t>
+            </a:r>
+            <a:r>
+              <a:rPr lang="en-US" sz="1400" dirty="0"/>
+              <a:t> </a:t>
+            </a:r>
+            <a:r>
+              <a:rPr lang="en-US" sz="1400" dirty="0" err="1"/>
+              <a:t>agricultura</a:t>
+            </a:r>
+            <a:r>
+              <a:rPr lang="en-US" sz="1400" dirty="0"/>
+              <a:t> </a:t>
+            </a:r>
+            <a:r>
+              <a:rPr lang="en-US" sz="1400" dirty="0" err="1"/>
+              <a:t>tradicional</a:t>
+            </a:r>
+            <a:r>
+              <a:rPr lang="en-US" sz="1400" dirty="0"/>
+              <a:t> de </a:t>
+            </a:r>
+            <a:r>
+              <a:rPr lang="en-US" sz="1400" dirty="0" err="1"/>
+              <a:t>agricultura</a:t>
+            </a:r>
+            <a:r>
+              <a:rPr lang="en-US" sz="1400" dirty="0"/>
+              <a:t> de </a:t>
+            </a:r>
+            <a:r>
+              <a:rPr lang="en-US" sz="1400" dirty="0" err="1"/>
+              <a:t>conservación</a:t>
+            </a:r>
+            <a:r>
+              <a:rPr lang="en-US" sz="1400" dirty="0"/>
+              <a:t>.</a:t>
             </a:r>
           </a:p>
         </p:txBody>
@@ -22519,8 +22516,8 @@
         </p:blipFill>
         <p:spPr>
           <a:xfrm>
-            <a:off x="6670521" y="4997635"/>
-            <a:ext cx="5310263" cy="1538962"/>
+            <a:off x="8477668" y="3384669"/>
+            <a:ext cx="3474959" cy="1007074"/>
           </a:xfrm>
           <a:prstGeom prst="rect">
             <a:avLst/>
@@ -22549,8 +22546,685 @@
         </p:blipFill>
         <p:spPr>
           <a:xfrm>
-            <a:off x="228146" y="4831622"/>
+            <a:off x="6096000" y="1547051"/>
             <a:ext cx="6076950" cy="1704975"/>
+          </a:xfrm>
+          <a:prstGeom prst="rect">
+            <a:avLst/>
+          </a:prstGeom>
+        </p:spPr>
+      </p:pic>
+      <p:sp>
+        <p:nvSpPr>
+          <p:cNvPr id="25" name="Marcador de contenido 2">
+            <a:extLst>
+              <a:ext uri="{FF2B5EF4-FFF2-40B4-BE49-F238E27FC236}">
+                <a16:creationId xmlns:a16="http://schemas.microsoft.com/office/drawing/2014/main" id="{07DFA9E5-6B8B-45BC-A800-75684424E263}"/>
+              </a:ext>
+            </a:extLst>
+          </p:cNvPr>
+          <p:cNvSpPr txBox="1">
+            <a:spLocks/>
+          </p:cNvSpPr>
+          <p:nvPr/>
+        </p:nvSpPr>
+        <p:spPr>
+          <a:xfrm>
+            <a:off x="2717254" y="2986330"/>
+            <a:ext cx="4385562" cy="2060053"/>
+          </a:xfrm>
+          <a:prstGeom prst="rect">
+            <a:avLst/>
+          </a:prstGeom>
+        </p:spPr>
+        <p:txBody>
+          <a:bodyPr vert="horz" lIns="91440" tIns="45720" rIns="91440" bIns="45720" rtlCol="0">
+            <a:normAutofit fontScale="92500" lnSpcReduction="10000"/>
+          </a:bodyPr>
+          <a:lstStyle>
+            <a:lvl1pPr marL="0" indent="0" algn="ctr" defTabSz="914400" rtl="0" eaLnBrk="1" latinLnBrk="0" hangingPunct="1">
+              <a:lnSpc>
+                <a:spcPct val="90000"/>
+              </a:lnSpc>
+              <a:spcBef>
+                <a:spcPts val="1000"/>
+              </a:spcBef>
+              <a:buFont typeface="Arial" panose="020B0604020202020204" pitchFamily="34" charset="0"/>
+              <a:buNone/>
+              <a:defRPr sz="2400" kern="1200">
+                <a:solidFill>
+                  <a:schemeClr val="tx1"/>
+                </a:solidFill>
+                <a:latin typeface="+mn-lt"/>
+                <a:ea typeface="+mn-ea"/>
+                <a:cs typeface="+mn-cs"/>
+              </a:defRPr>
+            </a:lvl1pPr>
+            <a:lvl2pPr marL="457200" indent="0" algn="ctr" defTabSz="914400" rtl="0" eaLnBrk="1" latinLnBrk="0" hangingPunct="1">
+              <a:lnSpc>
+                <a:spcPct val="90000"/>
+              </a:lnSpc>
+              <a:spcBef>
+                <a:spcPts val="500"/>
+              </a:spcBef>
+              <a:buFont typeface="Arial" panose="020B0604020202020204" pitchFamily="34" charset="0"/>
+              <a:buNone/>
+              <a:defRPr sz="2000" kern="1200">
+                <a:solidFill>
+                  <a:schemeClr val="tx1"/>
+                </a:solidFill>
+                <a:latin typeface="+mn-lt"/>
+                <a:ea typeface="+mn-ea"/>
+                <a:cs typeface="+mn-cs"/>
+              </a:defRPr>
+            </a:lvl2pPr>
+            <a:lvl3pPr marL="914400" indent="0" algn="ctr" defTabSz="914400" rtl="0" eaLnBrk="1" latinLnBrk="0" hangingPunct="1">
+              <a:lnSpc>
+                <a:spcPct val="90000"/>
+              </a:lnSpc>
+              <a:spcBef>
+                <a:spcPts val="500"/>
+              </a:spcBef>
+              <a:buFont typeface="Arial" panose="020B0604020202020204" pitchFamily="34" charset="0"/>
+              <a:buNone/>
+              <a:defRPr sz="1800" kern="1200">
+                <a:solidFill>
+                  <a:schemeClr val="tx1"/>
+                </a:solidFill>
+                <a:latin typeface="+mn-lt"/>
+                <a:ea typeface="+mn-ea"/>
+                <a:cs typeface="+mn-cs"/>
+              </a:defRPr>
+            </a:lvl3pPr>
+            <a:lvl4pPr marL="1371600" indent="0" algn="ctr" defTabSz="914400" rtl="0" eaLnBrk="1" latinLnBrk="0" hangingPunct="1">
+              <a:lnSpc>
+                <a:spcPct val="90000"/>
+              </a:lnSpc>
+              <a:spcBef>
+                <a:spcPts val="500"/>
+              </a:spcBef>
+              <a:buFont typeface="Arial" panose="020B0604020202020204" pitchFamily="34" charset="0"/>
+              <a:buNone/>
+              <a:defRPr sz="1600" kern="1200">
+                <a:solidFill>
+                  <a:schemeClr val="tx1"/>
+                </a:solidFill>
+                <a:latin typeface="+mn-lt"/>
+                <a:ea typeface="+mn-ea"/>
+                <a:cs typeface="+mn-cs"/>
+              </a:defRPr>
+            </a:lvl4pPr>
+            <a:lvl5pPr marL="1828800" indent="0" algn="ctr" defTabSz="914400" rtl="0" eaLnBrk="1" latinLnBrk="0" hangingPunct="1">
+              <a:lnSpc>
+                <a:spcPct val="90000"/>
+              </a:lnSpc>
+              <a:spcBef>
+                <a:spcPts val="500"/>
+              </a:spcBef>
+              <a:buFont typeface="Arial" panose="020B0604020202020204" pitchFamily="34" charset="0"/>
+              <a:buNone/>
+              <a:defRPr sz="1600" kern="1200">
+                <a:solidFill>
+                  <a:schemeClr val="tx1"/>
+                </a:solidFill>
+                <a:latin typeface="+mn-lt"/>
+                <a:ea typeface="+mn-ea"/>
+                <a:cs typeface="+mn-cs"/>
+              </a:defRPr>
+            </a:lvl5pPr>
+            <a:lvl6pPr marL="2286000" indent="0" algn="ctr" defTabSz="914400" rtl="0" eaLnBrk="1" latinLnBrk="0" hangingPunct="1">
+              <a:lnSpc>
+                <a:spcPct val="90000"/>
+              </a:lnSpc>
+              <a:spcBef>
+                <a:spcPts val="500"/>
+              </a:spcBef>
+              <a:buFont typeface="Arial" panose="020B0604020202020204" pitchFamily="34" charset="0"/>
+              <a:buNone/>
+              <a:defRPr sz="1600" kern="1200">
+                <a:solidFill>
+                  <a:schemeClr val="tx1"/>
+                </a:solidFill>
+                <a:latin typeface="+mn-lt"/>
+                <a:ea typeface="+mn-ea"/>
+                <a:cs typeface="+mn-cs"/>
+              </a:defRPr>
+            </a:lvl6pPr>
+            <a:lvl7pPr marL="2743200" indent="0" algn="ctr" defTabSz="914400" rtl="0" eaLnBrk="1" latinLnBrk="0" hangingPunct="1">
+              <a:lnSpc>
+                <a:spcPct val="90000"/>
+              </a:lnSpc>
+              <a:spcBef>
+                <a:spcPts val="500"/>
+              </a:spcBef>
+              <a:buFont typeface="Arial" panose="020B0604020202020204" pitchFamily="34" charset="0"/>
+              <a:buNone/>
+              <a:defRPr sz="1600" kern="1200">
+                <a:solidFill>
+                  <a:schemeClr val="tx1"/>
+                </a:solidFill>
+                <a:latin typeface="+mn-lt"/>
+                <a:ea typeface="+mn-ea"/>
+                <a:cs typeface="+mn-cs"/>
+              </a:defRPr>
+            </a:lvl7pPr>
+            <a:lvl8pPr marL="3200400" indent="0" algn="ctr" defTabSz="914400" rtl="0" eaLnBrk="1" latinLnBrk="0" hangingPunct="1">
+              <a:lnSpc>
+                <a:spcPct val="90000"/>
+              </a:lnSpc>
+              <a:spcBef>
+                <a:spcPts val="500"/>
+              </a:spcBef>
+              <a:buFont typeface="Arial" panose="020B0604020202020204" pitchFamily="34" charset="0"/>
+              <a:buNone/>
+              <a:defRPr sz="1600" kern="1200">
+                <a:solidFill>
+                  <a:schemeClr val="tx1"/>
+                </a:solidFill>
+                <a:latin typeface="+mn-lt"/>
+                <a:ea typeface="+mn-ea"/>
+                <a:cs typeface="+mn-cs"/>
+              </a:defRPr>
+            </a:lvl8pPr>
+            <a:lvl9pPr marL="3657600" indent="0" algn="ctr" defTabSz="914400" rtl="0" eaLnBrk="1" latinLnBrk="0" hangingPunct="1">
+              <a:lnSpc>
+                <a:spcPct val="90000"/>
+              </a:lnSpc>
+              <a:spcBef>
+                <a:spcPts val="500"/>
+              </a:spcBef>
+              <a:buFont typeface="Arial" panose="020B0604020202020204" pitchFamily="34" charset="0"/>
+              <a:buNone/>
+              <a:defRPr sz="1600" kern="1200">
+                <a:solidFill>
+                  <a:schemeClr val="tx1"/>
+                </a:solidFill>
+                <a:latin typeface="+mn-lt"/>
+                <a:ea typeface="+mn-ea"/>
+                <a:cs typeface="+mn-cs"/>
+              </a:defRPr>
+            </a:lvl9pPr>
+          </a:lstStyle>
+          <a:p>
+            <a:pPr algn="l"/>
+            <a:r>
+              <a:rPr lang="es-CL" sz="1400" dirty="0"/>
+              <a:t>SINDRI: </a:t>
+            </a:r>
+            <a:r>
+              <a:rPr lang="es-CL" sz="1400" dirty="0" err="1"/>
+              <a:t>Shortwave</a:t>
+            </a:r>
+            <a:r>
+              <a:rPr lang="es-CL" sz="1400" dirty="0"/>
+              <a:t> </a:t>
+            </a:r>
+            <a:r>
+              <a:rPr lang="es-CL" sz="1400" dirty="0" err="1"/>
+              <a:t>infrared</a:t>
+            </a:r>
+            <a:r>
+              <a:rPr lang="es-CL" sz="1400" dirty="0"/>
+              <a:t> </a:t>
+            </a:r>
+            <a:r>
+              <a:rPr lang="es-CL" sz="1400" dirty="0" err="1"/>
+              <a:t>normalized</a:t>
+            </a:r>
+            <a:r>
+              <a:rPr lang="es-CL" sz="1400" dirty="0"/>
+              <a:t> </a:t>
+            </a:r>
+            <a:r>
+              <a:rPr lang="es-CL" sz="1400" dirty="0" err="1"/>
+              <a:t>difference</a:t>
+            </a:r>
+            <a:r>
+              <a:rPr lang="es-CL" sz="1400" dirty="0"/>
+              <a:t> </a:t>
+            </a:r>
+            <a:r>
+              <a:rPr lang="es-CL" sz="1400" dirty="0" err="1"/>
+              <a:t>residue</a:t>
+            </a:r>
+            <a:r>
+              <a:rPr lang="es-CL" sz="1400" dirty="0"/>
+              <a:t> </a:t>
+            </a:r>
+            <a:r>
+              <a:rPr lang="es-CL" sz="1400" dirty="0" err="1"/>
+              <a:t>index</a:t>
+            </a:r>
+            <a:r>
+              <a:rPr lang="es-CL" sz="1400" dirty="0"/>
+              <a:t> (Indice Diferencial Normalizado de Residuos de Infrarrojo de onda corta)</a:t>
+            </a:r>
+          </a:p>
+          <a:p>
+            <a:pPr algn="l"/>
+            <a:r>
+              <a:rPr lang="es-CL" sz="1400" dirty="0"/>
+              <a:t>SINDRI: Indice Diferencial Normalizado de Residuos de Infrarrojo de onda corta</a:t>
+            </a:r>
+          </a:p>
+          <a:p>
+            <a:pPr algn="l"/>
+            <a:r>
+              <a:rPr lang="es-CL" sz="1400" dirty="0"/>
+              <a:t>Objetivo: Monitoreo de labranza de conservación y labranza tradicional</a:t>
+            </a:r>
+          </a:p>
+          <a:p>
+            <a:pPr algn="l"/>
+            <a:r>
+              <a:rPr lang="es-CL" sz="1400" dirty="0"/>
+              <a:t>≤0: labranza tradicional</a:t>
+            </a:r>
+          </a:p>
+          <a:p>
+            <a:pPr algn="l"/>
+            <a:r>
+              <a:rPr lang="es-CL" sz="1400" dirty="0"/>
+              <a:t>≥ 0: labranza de </a:t>
+            </a:r>
+            <a:r>
+              <a:rPr lang="es-CL" sz="1400" dirty="0" err="1"/>
+              <a:t>conservaciòn</a:t>
+            </a:r>
+            <a:endParaRPr lang="en-US" sz="1400" dirty="0"/>
+          </a:p>
+        </p:txBody>
+      </p:sp>
+      <p:pic>
+        <p:nvPicPr>
+          <p:cNvPr id="27" name="Imagen 26">
+            <a:extLst>
+              <a:ext uri="{FF2B5EF4-FFF2-40B4-BE49-F238E27FC236}">
+                <a16:creationId xmlns:a16="http://schemas.microsoft.com/office/drawing/2014/main" id="{D5015D02-5D43-44F9-BE5A-3F4F3B906A04}"/>
+              </a:ext>
+            </a:extLst>
+          </p:cNvPr>
+          <p:cNvPicPr>
+            <a:picLocks noChangeAspect="1"/>
+          </p:cNvPicPr>
+          <p:nvPr/>
+        </p:nvPicPr>
+        <p:blipFill>
+          <a:blip r:embed="rId4"/>
+          <a:stretch>
+            <a:fillRect/>
+          </a:stretch>
+        </p:blipFill>
+        <p:spPr>
+          <a:xfrm>
+            <a:off x="6839368" y="4302337"/>
+            <a:ext cx="5142252" cy="1221096"/>
+          </a:xfrm>
+          <a:prstGeom prst="rect">
+            <a:avLst/>
+          </a:prstGeom>
+        </p:spPr>
+      </p:pic>
+      <p:sp>
+        <p:nvSpPr>
+          <p:cNvPr id="28" name="TextBox 91">
+            <a:extLst>
+              <a:ext uri="{FF2B5EF4-FFF2-40B4-BE49-F238E27FC236}">
+                <a16:creationId xmlns:a16="http://schemas.microsoft.com/office/drawing/2014/main" id="{D83106C3-6FF4-4001-BF72-1C3E23CD10A2}"/>
+              </a:ext>
+            </a:extLst>
+          </p:cNvPr>
+          <p:cNvSpPr txBox="1"/>
+          <p:nvPr/>
+        </p:nvSpPr>
+        <p:spPr>
+          <a:xfrm>
+            <a:off x="529795" y="2122539"/>
+            <a:ext cx="748382" cy="276999"/>
+          </a:xfrm>
+          <a:prstGeom prst="rect">
+            <a:avLst/>
+          </a:prstGeom>
+          <a:solidFill>
+            <a:schemeClr val="accent2"/>
+          </a:solidFill>
+        </p:spPr>
+        <p:style>
+          <a:lnRef idx="1">
+            <a:schemeClr val="accent5"/>
+          </a:lnRef>
+          <a:fillRef idx="3">
+            <a:schemeClr val="accent5"/>
+          </a:fillRef>
+          <a:effectRef idx="2">
+            <a:schemeClr val="accent5"/>
+          </a:effectRef>
+          <a:fontRef idx="minor">
+            <a:schemeClr val="lt1"/>
+          </a:fontRef>
+        </p:style>
+        <p:txBody>
+          <a:bodyPr wrap="square" rtlCol="0">
+            <a:spAutoFit/>
+          </a:bodyPr>
+          <a:lstStyle/>
+          <a:p>
+            <a:r>
+              <a:rPr lang="es-HN" sz="1200" dirty="0"/>
+              <a:t>SINDRI</a:t>
+            </a:r>
+          </a:p>
+        </p:txBody>
+      </p:sp>
+      <p:sp>
+        <p:nvSpPr>
+          <p:cNvPr id="29" name="TextBox 91">
+            <a:extLst>
+              <a:ext uri="{FF2B5EF4-FFF2-40B4-BE49-F238E27FC236}">
+                <a16:creationId xmlns:a16="http://schemas.microsoft.com/office/drawing/2014/main" id="{157BE485-290D-40C1-98E2-E63B0BB3D3E5}"/>
+              </a:ext>
+            </a:extLst>
+          </p:cNvPr>
+          <p:cNvSpPr txBox="1"/>
+          <p:nvPr/>
+        </p:nvSpPr>
+        <p:spPr>
+          <a:xfrm>
+            <a:off x="537513" y="2464583"/>
+            <a:ext cx="748382" cy="276999"/>
+          </a:xfrm>
+          <a:prstGeom prst="rect">
+            <a:avLst/>
+          </a:prstGeom>
+          <a:solidFill>
+            <a:schemeClr val="accent2"/>
+          </a:solidFill>
+        </p:spPr>
+        <p:style>
+          <a:lnRef idx="1">
+            <a:schemeClr val="accent5"/>
+          </a:lnRef>
+          <a:fillRef idx="3">
+            <a:schemeClr val="accent5"/>
+          </a:fillRef>
+          <a:effectRef idx="2">
+            <a:schemeClr val="accent5"/>
+          </a:effectRef>
+          <a:fontRef idx="minor">
+            <a:schemeClr val="lt1"/>
+          </a:fontRef>
+        </p:style>
+        <p:txBody>
+          <a:bodyPr wrap="square" rtlCol="0">
+            <a:spAutoFit/>
+          </a:bodyPr>
+          <a:lstStyle/>
+          <a:p>
+            <a:r>
+              <a:rPr lang="es-HN" sz="1200" dirty="0"/>
+              <a:t>BSI</a:t>
+            </a:r>
+          </a:p>
+        </p:txBody>
+      </p:sp>
+      <p:sp>
+        <p:nvSpPr>
+          <p:cNvPr id="30" name="Marcador de contenido 2">
+            <a:extLst>
+              <a:ext uri="{FF2B5EF4-FFF2-40B4-BE49-F238E27FC236}">
+                <a16:creationId xmlns:a16="http://schemas.microsoft.com/office/drawing/2014/main" id="{902EB03E-A1AE-40C7-95FD-353538962B89}"/>
+              </a:ext>
+            </a:extLst>
+          </p:cNvPr>
+          <p:cNvSpPr txBox="1">
+            <a:spLocks/>
+          </p:cNvSpPr>
+          <p:nvPr/>
+        </p:nvSpPr>
+        <p:spPr>
+          <a:xfrm>
+            <a:off x="1682713" y="5085582"/>
+            <a:ext cx="4385562" cy="2060053"/>
+          </a:xfrm>
+          <a:prstGeom prst="rect">
+            <a:avLst/>
+          </a:prstGeom>
+        </p:spPr>
+        <p:txBody>
+          <a:bodyPr vert="horz" lIns="91440" tIns="45720" rIns="91440" bIns="45720" rtlCol="0">
+            <a:normAutofit/>
+          </a:bodyPr>
+          <a:lstStyle>
+            <a:lvl1pPr marL="0" indent="0" algn="ctr" defTabSz="914400" rtl="0" eaLnBrk="1" latinLnBrk="0" hangingPunct="1">
+              <a:lnSpc>
+                <a:spcPct val="90000"/>
+              </a:lnSpc>
+              <a:spcBef>
+                <a:spcPts val="1000"/>
+              </a:spcBef>
+              <a:buFont typeface="Arial" panose="020B0604020202020204" pitchFamily="34" charset="0"/>
+              <a:buNone/>
+              <a:defRPr sz="2400" kern="1200">
+                <a:solidFill>
+                  <a:schemeClr val="tx1"/>
+                </a:solidFill>
+                <a:latin typeface="+mn-lt"/>
+                <a:ea typeface="+mn-ea"/>
+                <a:cs typeface="+mn-cs"/>
+              </a:defRPr>
+            </a:lvl1pPr>
+            <a:lvl2pPr marL="457200" indent="0" algn="ctr" defTabSz="914400" rtl="0" eaLnBrk="1" latinLnBrk="0" hangingPunct="1">
+              <a:lnSpc>
+                <a:spcPct val="90000"/>
+              </a:lnSpc>
+              <a:spcBef>
+                <a:spcPts val="500"/>
+              </a:spcBef>
+              <a:buFont typeface="Arial" panose="020B0604020202020204" pitchFamily="34" charset="0"/>
+              <a:buNone/>
+              <a:defRPr sz="2000" kern="1200">
+                <a:solidFill>
+                  <a:schemeClr val="tx1"/>
+                </a:solidFill>
+                <a:latin typeface="+mn-lt"/>
+                <a:ea typeface="+mn-ea"/>
+                <a:cs typeface="+mn-cs"/>
+              </a:defRPr>
+            </a:lvl2pPr>
+            <a:lvl3pPr marL="914400" indent="0" algn="ctr" defTabSz="914400" rtl="0" eaLnBrk="1" latinLnBrk="0" hangingPunct="1">
+              <a:lnSpc>
+                <a:spcPct val="90000"/>
+              </a:lnSpc>
+              <a:spcBef>
+                <a:spcPts val="500"/>
+              </a:spcBef>
+              <a:buFont typeface="Arial" panose="020B0604020202020204" pitchFamily="34" charset="0"/>
+              <a:buNone/>
+              <a:defRPr sz="1800" kern="1200">
+                <a:solidFill>
+                  <a:schemeClr val="tx1"/>
+                </a:solidFill>
+                <a:latin typeface="+mn-lt"/>
+                <a:ea typeface="+mn-ea"/>
+                <a:cs typeface="+mn-cs"/>
+              </a:defRPr>
+            </a:lvl3pPr>
+            <a:lvl4pPr marL="1371600" indent="0" algn="ctr" defTabSz="914400" rtl="0" eaLnBrk="1" latinLnBrk="0" hangingPunct="1">
+              <a:lnSpc>
+                <a:spcPct val="90000"/>
+              </a:lnSpc>
+              <a:spcBef>
+                <a:spcPts val="500"/>
+              </a:spcBef>
+              <a:buFont typeface="Arial" panose="020B0604020202020204" pitchFamily="34" charset="0"/>
+              <a:buNone/>
+              <a:defRPr sz="1600" kern="1200">
+                <a:solidFill>
+                  <a:schemeClr val="tx1"/>
+                </a:solidFill>
+                <a:latin typeface="+mn-lt"/>
+                <a:ea typeface="+mn-ea"/>
+                <a:cs typeface="+mn-cs"/>
+              </a:defRPr>
+            </a:lvl4pPr>
+            <a:lvl5pPr marL="1828800" indent="0" algn="ctr" defTabSz="914400" rtl="0" eaLnBrk="1" latinLnBrk="0" hangingPunct="1">
+              <a:lnSpc>
+                <a:spcPct val="90000"/>
+              </a:lnSpc>
+              <a:spcBef>
+                <a:spcPts val="500"/>
+              </a:spcBef>
+              <a:buFont typeface="Arial" panose="020B0604020202020204" pitchFamily="34" charset="0"/>
+              <a:buNone/>
+              <a:defRPr sz="1600" kern="1200">
+                <a:solidFill>
+                  <a:schemeClr val="tx1"/>
+                </a:solidFill>
+                <a:latin typeface="+mn-lt"/>
+                <a:ea typeface="+mn-ea"/>
+                <a:cs typeface="+mn-cs"/>
+              </a:defRPr>
+            </a:lvl5pPr>
+            <a:lvl6pPr marL="2286000" indent="0" algn="ctr" defTabSz="914400" rtl="0" eaLnBrk="1" latinLnBrk="0" hangingPunct="1">
+              <a:lnSpc>
+                <a:spcPct val="90000"/>
+              </a:lnSpc>
+              <a:spcBef>
+                <a:spcPts val="500"/>
+              </a:spcBef>
+              <a:buFont typeface="Arial" panose="020B0604020202020204" pitchFamily="34" charset="0"/>
+              <a:buNone/>
+              <a:defRPr sz="1600" kern="1200">
+                <a:solidFill>
+                  <a:schemeClr val="tx1"/>
+                </a:solidFill>
+                <a:latin typeface="+mn-lt"/>
+                <a:ea typeface="+mn-ea"/>
+                <a:cs typeface="+mn-cs"/>
+              </a:defRPr>
+            </a:lvl6pPr>
+            <a:lvl7pPr marL="2743200" indent="0" algn="ctr" defTabSz="914400" rtl="0" eaLnBrk="1" latinLnBrk="0" hangingPunct="1">
+              <a:lnSpc>
+                <a:spcPct val="90000"/>
+              </a:lnSpc>
+              <a:spcBef>
+                <a:spcPts val="500"/>
+              </a:spcBef>
+              <a:buFont typeface="Arial" panose="020B0604020202020204" pitchFamily="34" charset="0"/>
+              <a:buNone/>
+              <a:defRPr sz="1600" kern="1200">
+                <a:solidFill>
+                  <a:schemeClr val="tx1"/>
+                </a:solidFill>
+                <a:latin typeface="+mn-lt"/>
+                <a:ea typeface="+mn-ea"/>
+                <a:cs typeface="+mn-cs"/>
+              </a:defRPr>
+            </a:lvl7pPr>
+            <a:lvl8pPr marL="3200400" indent="0" algn="ctr" defTabSz="914400" rtl="0" eaLnBrk="1" latinLnBrk="0" hangingPunct="1">
+              <a:lnSpc>
+                <a:spcPct val="90000"/>
+              </a:lnSpc>
+              <a:spcBef>
+                <a:spcPts val="500"/>
+              </a:spcBef>
+              <a:buFont typeface="Arial" panose="020B0604020202020204" pitchFamily="34" charset="0"/>
+              <a:buNone/>
+              <a:defRPr sz="1600" kern="1200">
+                <a:solidFill>
+                  <a:schemeClr val="tx1"/>
+                </a:solidFill>
+                <a:latin typeface="+mn-lt"/>
+                <a:ea typeface="+mn-ea"/>
+                <a:cs typeface="+mn-cs"/>
+              </a:defRPr>
+            </a:lvl8pPr>
+            <a:lvl9pPr marL="3657600" indent="0" algn="ctr" defTabSz="914400" rtl="0" eaLnBrk="1" latinLnBrk="0" hangingPunct="1">
+              <a:lnSpc>
+                <a:spcPct val="90000"/>
+              </a:lnSpc>
+              <a:spcBef>
+                <a:spcPts val="500"/>
+              </a:spcBef>
+              <a:buFont typeface="Arial" panose="020B0604020202020204" pitchFamily="34" charset="0"/>
+              <a:buNone/>
+              <a:defRPr sz="1600" kern="1200">
+                <a:solidFill>
+                  <a:schemeClr val="tx1"/>
+                </a:solidFill>
+                <a:latin typeface="+mn-lt"/>
+                <a:ea typeface="+mn-ea"/>
+                <a:cs typeface="+mn-cs"/>
+              </a:defRPr>
+            </a:lvl9pPr>
+          </a:lstStyle>
+          <a:p>
+            <a:pPr algn="l"/>
+            <a:r>
+              <a:rPr lang="es-CL" sz="1400" dirty="0"/>
+              <a:t>BSI:</a:t>
+            </a:r>
+            <a:r>
+              <a:rPr lang="en-US" sz="1400" dirty="0"/>
+              <a:t>Bare Soil Index</a:t>
+            </a:r>
+          </a:p>
+          <a:p>
+            <a:pPr algn="l"/>
+            <a:r>
+              <a:rPr lang="en-US" sz="1400" dirty="0"/>
+              <a:t>Indice de </a:t>
+            </a:r>
+            <a:r>
+              <a:rPr lang="en-US" sz="1400" dirty="0" err="1"/>
+              <a:t>Suelo</a:t>
+            </a:r>
+            <a:r>
+              <a:rPr lang="en-US" sz="1400" dirty="0"/>
+              <a:t> </a:t>
+            </a:r>
+            <a:r>
+              <a:rPr lang="en-US" sz="1400" dirty="0" err="1"/>
+              <a:t>Descubierto</a:t>
+            </a:r>
+            <a:r>
+              <a:rPr lang="es-CL" sz="1100" b="0" i="0" dirty="0">
+                <a:solidFill>
+                  <a:srgbClr val="3A3A3A"/>
+                </a:solidFill>
+                <a:effectLst/>
+                <a:latin typeface="Roboto"/>
+              </a:rPr>
+              <a:t>es un indicador numérico que combina bandas espectrales azules, rojas, infrarrojas cercanas e infrarrojas de onda corta para capturar las variaciones del suelo. </a:t>
+            </a:r>
+            <a:endParaRPr lang="es-CL" sz="1400" dirty="0"/>
+          </a:p>
+        </p:txBody>
+      </p:sp>
+      <p:pic>
+        <p:nvPicPr>
+          <p:cNvPr id="5" name="Imagen 4">
+            <a:extLst>
+              <a:ext uri="{FF2B5EF4-FFF2-40B4-BE49-F238E27FC236}">
+                <a16:creationId xmlns:a16="http://schemas.microsoft.com/office/drawing/2014/main" id="{B480B7FC-AB42-4598-A03F-30965115658F}"/>
+              </a:ext>
+            </a:extLst>
+          </p:cNvPr>
+          <p:cNvPicPr>
+            <a:picLocks noChangeAspect="1"/>
+          </p:cNvPicPr>
+          <p:nvPr/>
+        </p:nvPicPr>
+        <p:blipFill>
+          <a:blip r:embed="rId5"/>
+          <a:stretch>
+            <a:fillRect/>
+          </a:stretch>
+        </p:blipFill>
+        <p:spPr>
+          <a:xfrm>
+            <a:off x="6123727" y="5550483"/>
+            <a:ext cx="5614987" cy="1130250"/>
           </a:xfrm>
           <a:prstGeom prst="rect">
             <a:avLst/>

--- a/Diseño/Chile/Indices_App_26_11_10.pptx
+++ b/Diseño/Chile/Indices_App_26_11_10.pptx
@@ -285,7 +285,7 @@
           <a:p>
             <a:fld id="{A61416E0-DD73-4B32-B176-49757E81F7A7}" type="datetimeFigureOut">
               <a:rPr lang="es-HN" smtClean="0"/>
-              <a:t>27/11/2020</a:t>
+              <a:t>3/12/2020</a:t>
             </a:fld>
             <a:endParaRPr lang="es-HN"/>
           </a:p>
@@ -485,7 +485,7 @@
           <a:p>
             <a:fld id="{A61416E0-DD73-4B32-B176-49757E81F7A7}" type="datetimeFigureOut">
               <a:rPr lang="es-HN" smtClean="0"/>
-              <a:t>27/11/2020</a:t>
+              <a:t>3/12/2020</a:t>
             </a:fld>
             <a:endParaRPr lang="es-HN"/>
           </a:p>
@@ -695,7 +695,7 @@
           <a:p>
             <a:fld id="{A61416E0-DD73-4B32-B176-49757E81F7A7}" type="datetimeFigureOut">
               <a:rPr lang="es-HN" smtClean="0"/>
-              <a:t>27/11/2020</a:t>
+              <a:t>3/12/2020</a:t>
             </a:fld>
             <a:endParaRPr lang="es-HN"/>
           </a:p>
@@ -895,7 +895,7 @@
           <a:p>
             <a:fld id="{A61416E0-DD73-4B32-B176-49757E81F7A7}" type="datetimeFigureOut">
               <a:rPr lang="es-HN" smtClean="0"/>
-              <a:t>27/11/2020</a:t>
+              <a:t>3/12/2020</a:t>
             </a:fld>
             <a:endParaRPr lang="es-HN"/>
           </a:p>
@@ -1171,7 +1171,7 @@
           <a:p>
             <a:fld id="{A61416E0-DD73-4B32-B176-49757E81F7A7}" type="datetimeFigureOut">
               <a:rPr lang="es-HN" smtClean="0"/>
-              <a:t>27/11/2020</a:t>
+              <a:t>3/12/2020</a:t>
             </a:fld>
             <a:endParaRPr lang="es-HN"/>
           </a:p>
@@ -1439,7 +1439,7 @@
           <a:p>
             <a:fld id="{A61416E0-DD73-4B32-B176-49757E81F7A7}" type="datetimeFigureOut">
               <a:rPr lang="es-HN" smtClean="0"/>
-              <a:t>27/11/2020</a:t>
+              <a:t>3/12/2020</a:t>
             </a:fld>
             <a:endParaRPr lang="es-HN"/>
           </a:p>
@@ -1854,7 +1854,7 @@
           <a:p>
             <a:fld id="{A61416E0-DD73-4B32-B176-49757E81F7A7}" type="datetimeFigureOut">
               <a:rPr lang="es-HN" smtClean="0"/>
-              <a:t>27/11/2020</a:t>
+              <a:t>3/12/2020</a:t>
             </a:fld>
             <a:endParaRPr lang="es-HN"/>
           </a:p>
@@ -1996,7 +1996,7 @@
           <a:p>
             <a:fld id="{A61416E0-DD73-4B32-B176-49757E81F7A7}" type="datetimeFigureOut">
               <a:rPr lang="es-HN" smtClean="0"/>
-              <a:t>27/11/2020</a:t>
+              <a:t>3/12/2020</a:t>
             </a:fld>
             <a:endParaRPr lang="es-HN"/>
           </a:p>
@@ -2109,7 +2109,7 @@
           <a:p>
             <a:fld id="{A61416E0-DD73-4B32-B176-49757E81F7A7}" type="datetimeFigureOut">
               <a:rPr lang="es-HN" smtClean="0"/>
-              <a:t>27/11/2020</a:t>
+              <a:t>3/12/2020</a:t>
             </a:fld>
             <a:endParaRPr lang="es-HN"/>
           </a:p>
@@ -2422,7 +2422,7 @@
           <a:p>
             <a:fld id="{A61416E0-DD73-4B32-B176-49757E81F7A7}" type="datetimeFigureOut">
               <a:rPr lang="es-HN" smtClean="0"/>
-              <a:t>27/11/2020</a:t>
+              <a:t>3/12/2020</a:t>
             </a:fld>
             <a:endParaRPr lang="es-HN"/>
           </a:p>
@@ -2711,7 +2711,7 @@
           <a:p>
             <a:fld id="{A61416E0-DD73-4B32-B176-49757E81F7A7}" type="datetimeFigureOut">
               <a:rPr lang="es-HN" smtClean="0"/>
-              <a:t>27/11/2020</a:t>
+              <a:t>3/12/2020</a:t>
             </a:fld>
             <a:endParaRPr lang="es-HN"/>
           </a:p>
@@ -2954,7 +2954,7 @@
           <a:p>
             <a:fld id="{A61416E0-DD73-4B32-B176-49757E81F7A7}" type="datetimeFigureOut">
               <a:rPr lang="es-HN" smtClean="0"/>
-              <a:t>27/11/2020</a:t>
+              <a:t>3/12/2020</a:t>
             </a:fld>
             <a:endParaRPr lang="es-HN"/>
           </a:p>
